--- a/Why Scala (1).pptx
+++ b/Why Scala (1).pptx
@@ -5,32 +5,31 @@
     <p:sldMasterId id="2147484110" r:id="rId4"/>
   </p:sldMasterIdLst>
   <p:notesMasterIdLst>
-    <p:notesMasterId r:id="rId28"/>
+    <p:notesMasterId r:id="rId27"/>
   </p:notesMasterIdLst>
   <p:sldIdLst>
     <p:sldId id="289" r:id="rId5"/>
     <p:sldId id="293" r:id="rId6"/>
     <p:sldId id="292" r:id="rId7"/>
     <p:sldId id="295" r:id="rId8"/>
-    <p:sldId id="309" r:id="rId9"/>
-    <p:sldId id="310" r:id="rId10"/>
-    <p:sldId id="311" r:id="rId11"/>
-    <p:sldId id="299" r:id="rId12"/>
-    <p:sldId id="306" r:id="rId13"/>
-    <p:sldId id="312" r:id="rId14"/>
-    <p:sldId id="303" r:id="rId15"/>
-    <p:sldId id="313" r:id="rId16"/>
-    <p:sldId id="314" r:id="rId17"/>
-    <p:sldId id="302" r:id="rId18"/>
-    <p:sldId id="315" r:id="rId19"/>
-    <p:sldId id="316" r:id="rId20"/>
-    <p:sldId id="317" r:id="rId21"/>
-    <p:sldId id="318" r:id="rId22"/>
-    <p:sldId id="308" r:id="rId23"/>
-    <p:sldId id="319" r:id="rId24"/>
-    <p:sldId id="320" r:id="rId25"/>
-    <p:sldId id="321" r:id="rId26"/>
-    <p:sldId id="322" r:id="rId27"/>
+    <p:sldId id="323" r:id="rId9"/>
+    <p:sldId id="324" r:id="rId10"/>
+    <p:sldId id="325" r:id="rId11"/>
+    <p:sldId id="326" r:id="rId12"/>
+    <p:sldId id="309" r:id="rId13"/>
+    <p:sldId id="310" r:id="rId14"/>
+    <p:sldId id="311" r:id="rId15"/>
+    <p:sldId id="299" r:id="rId16"/>
+    <p:sldId id="306" r:id="rId17"/>
+    <p:sldId id="312" r:id="rId18"/>
+    <p:sldId id="303" r:id="rId19"/>
+    <p:sldId id="313" r:id="rId20"/>
+    <p:sldId id="314" r:id="rId21"/>
+    <p:sldId id="302" r:id="rId22"/>
+    <p:sldId id="315" r:id="rId23"/>
+    <p:sldId id="316" r:id="rId24"/>
+    <p:sldId id="317" r:id="rId25"/>
+    <p:sldId id="318" r:id="rId26"/>
   </p:sldIdLst>
   <p:sldSz cx="9144000" cy="6858000" type="screen4x3"/>
   <p:notesSz cx="6858000" cy="9144000"/>
@@ -161,7 +160,7 @@
   </p:defaultTextStyle>
   <p:extLst>
     <p:ext uri="{EFAFB233-063F-42B5-8137-9DF3F51BA10A}">
-      <p15:sldGuideLst xmlns:p15="http://schemas.microsoft.com/office/powerpoint/2012/main" xmlns="">
+      <p15:sldGuideLst xmlns:p15="http://schemas.microsoft.com/office/powerpoint/2012/main">
         <p15:guide id="1" orient="horz" pos="4008">
           <p15:clr>
             <a:srgbClr val="A4A3A4"/>
@@ -205,7 +204,7 @@
       </p15:sldGuideLst>
     </p:ext>
     <p:ext uri="{2D200454-40CA-4A62-9FC3-DE9A4176ACB9}">
-      <p15:notesGuideLst xmlns:p15="http://schemas.microsoft.com/office/powerpoint/2012/main" xmlns="">
+      <p15:notesGuideLst xmlns:p15="http://schemas.microsoft.com/office/powerpoint/2012/main">
         <p15:guide id="1" orient="horz" pos="2880">
           <p15:clr>
             <a:srgbClr val="A4A3A4"/>
@@ -376,7 +375,7 @@
           </a:ln>
           <a:extLst>
             <a:ext uri="{909E8E84-426E-40DD-AFC4-6F175D3DCCD1}">
-              <a14:hiddenFill xmlns:a14="http://schemas.microsoft.com/office/drawing/2010/main" xmlns="">
+              <a14:hiddenFill xmlns:a14="http://schemas.microsoft.com/office/drawing/2010/main">
                 <a:solidFill>
                   <a:srgbClr val="FFFFFF"/>
                 </a:solidFill>
@@ -562,7 +561,7 @@
     </p:spTree>
     <p:extLst>
       <p:ext uri="{BB962C8B-B14F-4D97-AF65-F5344CB8AC3E}">
-        <p14:creationId xmlns:p14="http://schemas.microsoft.com/office/powerpoint/2010/main" xmlns="" val="75092686"/>
+        <p14:creationId xmlns:p14="http://schemas.microsoft.com/office/powerpoint/2010/main" val="75092686"/>
       </p:ext>
     </p:extLst>
   </p:cSld>
@@ -1104,7 +1103,7 @@
     </p:spTree>
     <p:extLst>
       <p:ext uri="{BB962C8B-B14F-4D97-AF65-F5344CB8AC3E}">
-        <p14:creationId xmlns:p14="http://schemas.microsoft.com/office/powerpoint/2010/main" xmlns="" val="1039709568"/>
+        <p14:creationId xmlns:p14="http://schemas.microsoft.com/office/powerpoint/2010/main" val="1039709568"/>
       </p:ext>
     </p:extLst>
   </p:cSld>
@@ -1155,7 +1154,7 @@
           </a:ln>
           <a:extLst>
             <a:ext uri="{91240B29-F687-4F45-9708-019B960494DF}">
-              <a14:hiddenLine xmlns:a14="http://schemas.microsoft.com/office/drawing/2010/main" xmlns="" w="9525">
+              <a14:hiddenLine xmlns:a14="http://schemas.microsoft.com/office/drawing/2010/main" w="9525">
                 <a:solidFill>
                   <a:srgbClr val="000000"/>
                 </a:solidFill>
@@ -1198,7 +1197,7 @@
           </a:ln>
           <a:extLst>
             <a:ext uri="{91240B29-F687-4F45-9708-019B960494DF}">
-              <a14:hiddenLine xmlns:a14="http://schemas.microsoft.com/office/drawing/2010/main" xmlns="" w="9525">
+              <a14:hiddenLine xmlns:a14="http://schemas.microsoft.com/office/drawing/2010/main" w="9525">
                 <a:solidFill>
                   <a:srgbClr val="000000"/>
                 </a:solidFill>
@@ -1229,7 +1228,7 @@
           <a:blip r:embed="rId2" cstate="print">
             <a:extLst>
               <a:ext uri="{28A0092B-C50C-407E-A947-70E740481C1C}">
-                <a14:useLocalDpi xmlns:a14="http://schemas.microsoft.com/office/drawing/2010/main" xmlns="" val="0"/>
+                <a14:useLocalDpi xmlns:a14="http://schemas.microsoft.com/office/drawing/2010/main" val="0"/>
               </a:ext>
             </a:extLst>
           </a:blip>
@@ -1252,14 +1251,14 @@
           </a:ln>
           <a:extLst>
             <a:ext uri="{909E8E84-426E-40DD-AFC4-6F175D3DCCD1}">
-              <a14:hiddenFill xmlns:a14="http://schemas.microsoft.com/office/drawing/2010/main" xmlns="">
+              <a14:hiddenFill xmlns:a14="http://schemas.microsoft.com/office/drawing/2010/main">
                 <a:solidFill>
                   <a:srgbClr val="FFFFFF"/>
                 </a:solidFill>
               </a14:hiddenFill>
             </a:ext>
             <a:ext uri="{91240B29-F687-4F45-9708-019B960494DF}">
-              <a14:hiddenLine xmlns:a14="http://schemas.microsoft.com/office/drawing/2010/main" xmlns="" w="9525">
+              <a14:hiddenLine xmlns:a14="http://schemas.microsoft.com/office/drawing/2010/main" w="9525">
                 <a:solidFill>
                   <a:srgbClr val="000000"/>
                 </a:solidFill>
@@ -1401,7 +1400,7 @@
     </p:spTree>
     <p:extLst>
       <p:ext uri="{BB962C8B-B14F-4D97-AF65-F5344CB8AC3E}">
-        <p14:creationId xmlns:p14="http://schemas.microsoft.com/office/powerpoint/2010/main" xmlns="" val="3035975689"/>
+        <p14:creationId xmlns:p14="http://schemas.microsoft.com/office/powerpoint/2010/main" val="3035975689"/>
       </p:ext>
     </p:extLst>
   </p:cSld>
@@ -1534,7 +1533,7 @@
     </p:spTree>
     <p:extLst>
       <p:ext uri="{BB962C8B-B14F-4D97-AF65-F5344CB8AC3E}">
-        <p14:creationId xmlns:p14="http://schemas.microsoft.com/office/powerpoint/2010/main" xmlns="" val="4106175703"/>
+        <p14:creationId xmlns:p14="http://schemas.microsoft.com/office/powerpoint/2010/main" val="4106175703"/>
       </p:ext>
     </p:extLst>
   </p:cSld>
@@ -1585,7 +1584,7 @@
           </a:ln>
           <a:extLst>
             <a:ext uri="{91240B29-F687-4F45-9708-019B960494DF}">
-              <a14:hiddenLine xmlns:a14="http://schemas.microsoft.com/office/drawing/2010/main" xmlns="" w="9525">
+              <a14:hiddenLine xmlns:a14="http://schemas.microsoft.com/office/drawing/2010/main" w="9525">
                 <a:solidFill>
                   <a:srgbClr val="000000"/>
                 </a:solidFill>
@@ -1628,7 +1627,7 @@
           </a:ln>
           <a:extLst>
             <a:ext uri="{91240B29-F687-4F45-9708-019B960494DF}">
-              <a14:hiddenLine xmlns:a14="http://schemas.microsoft.com/office/drawing/2010/main" xmlns="" w="9525">
+              <a14:hiddenLine xmlns:a14="http://schemas.microsoft.com/office/drawing/2010/main" w="9525">
                 <a:solidFill>
                   <a:srgbClr val="000000"/>
                 </a:solidFill>
@@ -1659,7 +1658,7 @@
           <a:blip r:embed="rId2" cstate="print">
             <a:extLst>
               <a:ext uri="{28A0092B-C50C-407E-A947-70E740481C1C}">
-                <a14:useLocalDpi xmlns:a14="http://schemas.microsoft.com/office/drawing/2010/main" xmlns="" val="0"/>
+                <a14:useLocalDpi xmlns:a14="http://schemas.microsoft.com/office/drawing/2010/main" val="0"/>
               </a:ext>
             </a:extLst>
           </a:blip>
@@ -1682,14 +1681,14 @@
           </a:ln>
           <a:extLst>
             <a:ext uri="{909E8E84-426E-40DD-AFC4-6F175D3DCCD1}">
-              <a14:hiddenFill xmlns:a14="http://schemas.microsoft.com/office/drawing/2010/main" xmlns="">
+              <a14:hiddenFill xmlns:a14="http://schemas.microsoft.com/office/drawing/2010/main">
                 <a:solidFill>
                   <a:srgbClr val="FFFFFF"/>
                 </a:solidFill>
               </a14:hiddenFill>
             </a:ext>
             <a:ext uri="{91240B29-F687-4F45-9708-019B960494DF}">
-              <a14:hiddenLine xmlns:a14="http://schemas.microsoft.com/office/drawing/2010/main" xmlns="" w="9525">
+              <a14:hiddenLine xmlns:a14="http://schemas.microsoft.com/office/drawing/2010/main" w="9525">
                 <a:solidFill>
                   <a:srgbClr val="000000"/>
                 </a:solidFill>
@@ -1791,7 +1790,7 @@
     </p:spTree>
     <p:extLst>
       <p:ext uri="{BB962C8B-B14F-4D97-AF65-F5344CB8AC3E}">
-        <p14:creationId xmlns:p14="http://schemas.microsoft.com/office/powerpoint/2010/main" xmlns="" val="948958397"/>
+        <p14:creationId xmlns:p14="http://schemas.microsoft.com/office/powerpoint/2010/main" val="948958397"/>
       </p:ext>
     </p:extLst>
   </p:cSld>
@@ -1842,7 +1841,7 @@
           </a:ln>
           <a:extLst>
             <a:ext uri="{91240B29-F687-4F45-9708-019B960494DF}">
-              <a14:hiddenLine xmlns:a14="http://schemas.microsoft.com/office/drawing/2010/main" xmlns="" w="9525">
+              <a14:hiddenLine xmlns:a14="http://schemas.microsoft.com/office/drawing/2010/main" w="9525">
                 <a:solidFill>
                   <a:srgbClr val="000000"/>
                 </a:solidFill>
@@ -1885,7 +1884,7 @@
           </a:ln>
           <a:extLst>
             <a:ext uri="{91240B29-F687-4F45-9708-019B960494DF}">
-              <a14:hiddenLine xmlns:a14="http://schemas.microsoft.com/office/drawing/2010/main" xmlns="" w="9525">
+              <a14:hiddenLine xmlns:a14="http://schemas.microsoft.com/office/drawing/2010/main" w="9525">
                 <a:solidFill>
                   <a:srgbClr val="000000"/>
                 </a:solidFill>
@@ -1916,7 +1915,7 @@
           <a:blip r:embed="rId2" cstate="print">
             <a:extLst>
               <a:ext uri="{28A0092B-C50C-407E-A947-70E740481C1C}">
-                <a14:useLocalDpi xmlns:a14="http://schemas.microsoft.com/office/drawing/2010/main" xmlns="" val="0"/>
+                <a14:useLocalDpi xmlns:a14="http://schemas.microsoft.com/office/drawing/2010/main" val="0"/>
               </a:ext>
             </a:extLst>
           </a:blip>
@@ -1939,14 +1938,14 @@
           </a:ln>
           <a:extLst>
             <a:ext uri="{909E8E84-426E-40DD-AFC4-6F175D3DCCD1}">
-              <a14:hiddenFill xmlns:a14="http://schemas.microsoft.com/office/drawing/2010/main" xmlns="">
+              <a14:hiddenFill xmlns:a14="http://schemas.microsoft.com/office/drawing/2010/main">
                 <a:solidFill>
                   <a:srgbClr val="FFFFFF"/>
                 </a:solidFill>
               </a14:hiddenFill>
             </a:ext>
             <a:ext uri="{91240B29-F687-4F45-9708-019B960494DF}">
-              <a14:hiddenLine xmlns:a14="http://schemas.microsoft.com/office/drawing/2010/main" xmlns="" w="9525">
+              <a14:hiddenLine xmlns:a14="http://schemas.microsoft.com/office/drawing/2010/main" w="9525">
                 <a:solidFill>
                   <a:srgbClr val="000000"/>
                 </a:solidFill>
@@ -2041,7 +2040,7 @@
     </p:spTree>
     <p:extLst>
       <p:ext uri="{BB962C8B-B14F-4D97-AF65-F5344CB8AC3E}">
-        <p14:creationId xmlns:p14="http://schemas.microsoft.com/office/powerpoint/2010/main" xmlns="" val="2940748876"/>
+        <p14:creationId xmlns:p14="http://schemas.microsoft.com/office/powerpoint/2010/main" val="2940748876"/>
       </p:ext>
     </p:extLst>
   </p:cSld>
@@ -2225,7 +2224,7 @@
     </p:spTree>
     <p:extLst>
       <p:ext uri="{BB962C8B-B14F-4D97-AF65-F5344CB8AC3E}">
-        <p14:creationId xmlns:p14="http://schemas.microsoft.com/office/powerpoint/2010/main" xmlns="" val="3229126067"/>
+        <p14:creationId xmlns:p14="http://schemas.microsoft.com/office/powerpoint/2010/main" val="3229126067"/>
       </p:ext>
     </p:extLst>
   </p:cSld>
@@ -2391,7 +2390,7 @@
     </p:spTree>
     <p:extLst>
       <p:ext uri="{BB962C8B-B14F-4D97-AF65-F5344CB8AC3E}">
-        <p14:creationId xmlns:p14="http://schemas.microsoft.com/office/powerpoint/2010/main" xmlns="" val="3104780584"/>
+        <p14:creationId xmlns:p14="http://schemas.microsoft.com/office/powerpoint/2010/main" val="3104780584"/>
       </p:ext>
     </p:extLst>
   </p:cSld>
@@ -2707,7 +2706,7 @@
     </p:spTree>
     <p:extLst>
       <p:ext uri="{BB962C8B-B14F-4D97-AF65-F5344CB8AC3E}">
-        <p14:creationId xmlns:p14="http://schemas.microsoft.com/office/powerpoint/2010/main" xmlns="" val="2049413825"/>
+        <p14:creationId xmlns:p14="http://schemas.microsoft.com/office/powerpoint/2010/main" val="2049413825"/>
       </p:ext>
     </p:extLst>
   </p:cSld>
@@ -2793,7 +2792,7 @@
     </p:spTree>
     <p:extLst>
       <p:ext uri="{BB962C8B-B14F-4D97-AF65-F5344CB8AC3E}">
-        <p14:creationId xmlns:p14="http://schemas.microsoft.com/office/powerpoint/2010/main" xmlns="" val="1278624499"/>
+        <p14:creationId xmlns:p14="http://schemas.microsoft.com/office/powerpoint/2010/main" val="1278624499"/>
       </p:ext>
     </p:extLst>
   </p:cSld>
@@ -2856,7 +2855,7 @@
     </p:spTree>
     <p:extLst>
       <p:ext uri="{BB962C8B-B14F-4D97-AF65-F5344CB8AC3E}">
-        <p14:creationId xmlns:p14="http://schemas.microsoft.com/office/powerpoint/2010/main" xmlns="" val="1878447837"/>
+        <p14:creationId xmlns:p14="http://schemas.microsoft.com/office/powerpoint/2010/main" val="1878447837"/>
       </p:ext>
     </p:extLst>
   </p:cSld>
@@ -3096,7 +3095,7 @@
     </p:spTree>
     <p:extLst>
       <p:ext uri="{BB962C8B-B14F-4D97-AF65-F5344CB8AC3E}">
-        <p14:creationId xmlns:p14="http://schemas.microsoft.com/office/powerpoint/2010/main" xmlns="" val="3130521992"/>
+        <p14:creationId xmlns:p14="http://schemas.microsoft.com/office/powerpoint/2010/main" val="3130521992"/>
       </p:ext>
     </p:extLst>
   </p:cSld>
@@ -3606,7 +3605,7 @@
     </p:spTree>
     <p:extLst>
       <p:ext uri="{BB962C8B-B14F-4D97-AF65-F5344CB8AC3E}">
-        <p14:creationId xmlns:p14="http://schemas.microsoft.com/office/powerpoint/2010/main" xmlns="" val="926976244"/>
+        <p14:creationId xmlns:p14="http://schemas.microsoft.com/office/powerpoint/2010/main" val="926976244"/>
       </p:ext>
     </p:extLst>
   </p:cSld>
@@ -3665,7 +3664,7 @@
           </a:ln>
           <a:extLst>
             <a:ext uri="{91240B29-F687-4F45-9708-019B960494DF}">
-              <a14:hiddenLine xmlns:a14="http://schemas.microsoft.com/office/drawing/2010/main" xmlns="" w="9525">
+              <a14:hiddenLine xmlns:a14="http://schemas.microsoft.com/office/drawing/2010/main" w="9525">
                 <a:solidFill>
                   <a:srgbClr val="000000"/>
                 </a:solidFill>
@@ -3708,14 +3707,14 @@
           </a:ln>
           <a:extLst>
             <a:ext uri="{909E8E84-426E-40DD-AFC4-6F175D3DCCD1}">
-              <a14:hiddenFill xmlns:a14="http://schemas.microsoft.com/office/drawing/2010/main" xmlns="">
+              <a14:hiddenFill xmlns:a14="http://schemas.microsoft.com/office/drawing/2010/main">
                 <a:solidFill>
                   <a:srgbClr val="FFFFFF"/>
                 </a:solidFill>
               </a14:hiddenFill>
             </a:ext>
             <a:ext uri="{91240B29-F687-4F45-9708-019B960494DF}">
-              <a14:hiddenLine xmlns:a14="http://schemas.microsoft.com/office/drawing/2010/main" xmlns="" w="9525">
+              <a14:hiddenLine xmlns:a14="http://schemas.microsoft.com/office/drawing/2010/main" w="9525">
                 <a:solidFill>
                   <a:srgbClr val="000000"/>
                 </a:solidFill>
@@ -3766,14 +3765,14 @@
           </a:ln>
           <a:extLst>
             <a:ext uri="{909E8E84-426E-40DD-AFC4-6F175D3DCCD1}">
-              <a14:hiddenFill xmlns:a14="http://schemas.microsoft.com/office/drawing/2010/main" xmlns="">
+              <a14:hiddenFill xmlns:a14="http://schemas.microsoft.com/office/drawing/2010/main">
                 <a:solidFill>
                   <a:srgbClr val="FFFFFF"/>
                 </a:solidFill>
               </a14:hiddenFill>
             </a:ext>
             <a:ext uri="{91240B29-F687-4F45-9708-019B960494DF}">
-              <a14:hiddenLine xmlns:a14="http://schemas.microsoft.com/office/drawing/2010/main" xmlns="" w="9525">
+              <a14:hiddenLine xmlns:a14="http://schemas.microsoft.com/office/drawing/2010/main" w="9525">
                 <a:solidFill>
                   <a:srgbClr val="000000"/>
                 </a:solidFill>
@@ -3831,7 +3830,7 @@
           </a:ln>
           <a:extLst>
             <a:ext uri="{91240B29-F687-4F45-9708-019B960494DF}">
-              <a14:hiddenLine xmlns:a14="http://schemas.microsoft.com/office/drawing/2010/main" xmlns="" w="9525">
+              <a14:hiddenLine xmlns:a14="http://schemas.microsoft.com/office/drawing/2010/main" w="9525">
                 <a:solidFill>
                   <a:srgbClr val="000000"/>
                 </a:solidFill>
@@ -3862,7 +3861,7 @@
           <a:blip r:embed="rId13" cstate="print">
             <a:extLst>
               <a:ext uri="{28A0092B-C50C-407E-A947-70E740481C1C}">
-                <a14:useLocalDpi xmlns:a14="http://schemas.microsoft.com/office/drawing/2010/main" xmlns="" val="0"/>
+                <a14:useLocalDpi xmlns:a14="http://schemas.microsoft.com/office/drawing/2010/main" val="0"/>
               </a:ext>
             </a:extLst>
           </a:blip>
@@ -3885,14 +3884,14 @@
           </a:ln>
           <a:extLst>
             <a:ext uri="{909E8E84-426E-40DD-AFC4-6F175D3DCCD1}">
-              <a14:hiddenFill xmlns:a14="http://schemas.microsoft.com/office/drawing/2010/main" xmlns="">
+              <a14:hiddenFill xmlns:a14="http://schemas.microsoft.com/office/drawing/2010/main">
                 <a:solidFill>
                   <a:srgbClr val="FFFFFF"/>
                 </a:solidFill>
               </a14:hiddenFill>
             </a:ext>
             <a:ext uri="{91240B29-F687-4F45-9708-019B960494DF}">
-              <a14:hiddenLine xmlns:a14="http://schemas.microsoft.com/office/drawing/2010/main" xmlns="" w="9525">
+              <a14:hiddenLine xmlns:a14="http://schemas.microsoft.com/office/drawing/2010/main" w="9525">
                 <a:solidFill>
                   <a:srgbClr val="000000"/>
                 </a:solidFill>
@@ -4063,14 +4062,14 @@
           </a:ln>
           <a:extLst>
             <a:ext uri="{909E8E84-426E-40DD-AFC4-6F175D3DCCD1}">
-              <a14:hiddenFill xmlns:a14="http://schemas.microsoft.com/office/drawing/2010/main" xmlns="">
+              <a14:hiddenFill xmlns:a14="http://schemas.microsoft.com/office/drawing/2010/main">
                 <a:solidFill>
                   <a:srgbClr val="FFFFFF"/>
                 </a:solidFill>
               </a14:hiddenFill>
             </a:ext>
             <a:ext uri="{91240B29-F687-4F45-9708-019B960494DF}">
-              <a14:hiddenLine xmlns:a14="http://schemas.microsoft.com/office/drawing/2010/main" xmlns="" w="9525">
+              <a14:hiddenLine xmlns:a14="http://schemas.microsoft.com/office/drawing/2010/main" w="9525">
                 <a:solidFill>
                   <a:srgbClr val="000000"/>
                 </a:solidFill>
@@ -4522,7 +4521,7 @@
           <p:cNvPr id="2" name="Title 1">
             <a:extLst>
               <a:ext uri="{FF2B5EF4-FFF2-40B4-BE49-F238E27FC236}">
-                <a16:creationId xmlns:a16="http://schemas.microsoft.com/office/drawing/2014/main" xmlns="" id="{01141140-9437-41DD-9EE3-6BEC9A53D2DF}"/>
+                <a16:creationId xmlns:a16="http://schemas.microsoft.com/office/drawing/2014/main" id="{01141140-9437-41DD-9EE3-6BEC9A53D2DF}"/>
               </a:ext>
             </a:extLst>
           </p:cNvPr>
@@ -4555,7 +4554,7 @@
           <p:cNvPr id="3" name="Subtitle 2">
             <a:extLst>
               <a:ext uri="{FF2B5EF4-FFF2-40B4-BE49-F238E27FC236}">
-                <a16:creationId xmlns:a16="http://schemas.microsoft.com/office/drawing/2014/main" xmlns="" id="{EE756A56-D46F-4086-8670-CB1D94135E5C}"/>
+                <a16:creationId xmlns:a16="http://schemas.microsoft.com/office/drawing/2014/main" id="{EE756A56-D46F-4086-8670-CB1D94135E5C}"/>
               </a:ext>
             </a:extLst>
           </p:cNvPr>
@@ -4587,20 +4586,13 @@
     </p:spTree>
     <p:extLst>
       <p:ext uri="{BB962C8B-B14F-4D97-AF65-F5344CB8AC3E}">
-        <p14:creationId xmlns:p14="http://schemas.microsoft.com/office/powerpoint/2010/main" xmlns="" val="1711252460"/>
+        <p14:creationId xmlns:p14="http://schemas.microsoft.com/office/powerpoint/2010/main" val="1711252460"/>
       </p:ext>
     </p:extLst>
   </p:cSld>
   <p:clrMapOvr>
     <a:masterClrMapping/>
   </p:clrMapOvr>
-  <p:timing>
-    <p:tnLst>
-      <p:par>
-        <p:cTn id="1" dur="indefinite" restart="never" nodeType="tmRoot"/>
-      </p:par>
-    </p:tnLst>
-  </p:timing>
 </p:sld>
 </file>
 
@@ -4623,10 +4615,10 @@
       </p:grpSpPr>
       <p:sp>
         <p:nvSpPr>
-          <p:cNvPr id="2" name="Title 1">
+          <p:cNvPr id="5" name="Title 4">
             <a:extLst>
               <a:ext uri="{FF2B5EF4-FFF2-40B4-BE49-F238E27FC236}">
-                <a16:creationId xmlns:a16="http://schemas.microsoft.com/office/drawing/2014/main" xmlns="" id="{9FCDC1D9-86AA-40F3-A7E8-8E28093920AC}"/>
+                <a16:creationId xmlns:a16="http://schemas.microsoft.com/office/drawing/2014/main" id="{7C5A1C29-05C5-4FF0-9EEA-B1F8A8B7B271}"/>
               </a:ext>
             </a:extLst>
           </p:cNvPr>
@@ -4637,30 +4629,24 @@
             <p:ph type="title"/>
           </p:nvPr>
         </p:nvSpPr>
-        <p:spPr>
-          <a:xfrm>
-            <a:off x="685800" y="309563"/>
-            <a:ext cx="7772400" cy="1143000"/>
-          </a:xfrm>
-        </p:spPr>
+        <p:spPr/>
         <p:txBody>
           <a:bodyPr/>
           <a:lstStyle/>
           <a:p>
             <a:r>
-              <a:rPr lang="en-IN" sz="3300" dirty="0" smtClean="0"/>
-              <a:t>Trait..</a:t>
-            </a:r>
-            <a:endParaRPr lang="en-IN" sz="3300" dirty="0"/>
+              <a:rPr lang="en-US" sz="3200" dirty="0"/>
+              <a:t>Scala Classes continue…</a:t>
+            </a:r>
           </a:p>
         </p:txBody>
       </p:sp>
       <p:sp>
         <p:nvSpPr>
-          <p:cNvPr id="3" name="Content Placeholder 2">
+          <p:cNvPr id="7" name="Content Placeholder 6">
             <a:extLst>
               <a:ext uri="{FF2B5EF4-FFF2-40B4-BE49-F238E27FC236}">
-                <a16:creationId xmlns:a16="http://schemas.microsoft.com/office/drawing/2014/main" xmlns="" id="{4402E8F6-E378-4A26-A39B-8CD0FFDC4066}"/>
+                <a16:creationId xmlns:a16="http://schemas.microsoft.com/office/drawing/2014/main" id="{E463E4B3-458B-4CCD-B0A2-25B3AC072A9E}"/>
               </a:ext>
             </a:extLst>
           </p:cNvPr>
@@ -4671,101 +4657,151 @@
             <p:ph idx="1"/>
           </p:nvPr>
         </p:nvSpPr>
-        <p:spPr>
-          <a:xfrm>
-            <a:off x="685800" y="1308544"/>
-            <a:ext cx="7772400" cy="4222493"/>
-          </a:xfrm>
-        </p:spPr>
+        <p:spPr/>
         <p:txBody>
           <a:bodyPr/>
           <a:lstStyle/>
           <a:p>
-            <a:r>
-              <a:rPr lang="en-IN" sz="1400" dirty="0" smtClean="0">
-                <a:latin typeface="Bookman Old Style" pitchFamily="18" charset="0"/>
-              </a:rPr>
-              <a:t>Traits is more like interface in java. Its very important aspect of Scala because Scala collection framework is written on this concept . </a:t>
-            </a:r>
-          </a:p>
-          <a:p>
-            <a:r>
-              <a:rPr lang="en-US" sz="1400" dirty="0" smtClean="0">
-                <a:latin typeface="Bookman Old Style" pitchFamily="18" charset="0"/>
-              </a:rPr>
-              <a:t>A trait encapsulates method and field definitions, which can then be reused by mixing them into classes</a:t>
-            </a:r>
-          </a:p>
-          <a:p>
-            <a:r>
-              <a:rPr lang="en-US" sz="1400" dirty="0" smtClean="0">
-                <a:latin typeface="Bookman Old Style" pitchFamily="18" charset="0"/>
-              </a:rPr>
-              <a:t>Below is syntax for Trait in Scala</a:t>
-            </a:r>
-          </a:p>
-          <a:p>
-            <a:r>
-              <a:rPr lang="en-US" sz="1400" dirty="0" smtClean="0">
-                <a:latin typeface="Bookman Old Style" pitchFamily="18" charset="0"/>
-              </a:rPr>
-              <a:t>trait &lt;</a:t>
-            </a:r>
-            <a:r>
-              <a:rPr lang="en-US" sz="1400" dirty="0" err="1" smtClean="0">
-                <a:latin typeface="Bookman Old Style" pitchFamily="18" charset="0"/>
-              </a:rPr>
-              <a:t>nameOfTrait</a:t>
-            </a:r>
-            <a:r>
-              <a:rPr lang="en-US" sz="1400" dirty="0" smtClean="0">
-                <a:latin typeface="Bookman Old Style" pitchFamily="18" charset="0"/>
-              </a:rPr>
-              <a:t>&gt; extends &lt;</a:t>
-            </a:r>
-            <a:r>
-              <a:rPr lang="en-US" sz="1400" dirty="0" err="1" smtClean="0">
-                <a:latin typeface="Bookman Old Style" pitchFamily="18" charset="0"/>
-              </a:rPr>
-              <a:t>othertrait</a:t>
-            </a:r>
-            <a:r>
-              <a:rPr lang="en-US" sz="1400" dirty="0" smtClean="0">
-                <a:latin typeface="Bookman Old Style" pitchFamily="18" charset="0"/>
-              </a:rPr>
-              <a:t>&gt; with &lt;</a:t>
-            </a:r>
-            <a:r>
-              <a:rPr lang="en-US" sz="1400" dirty="0" err="1" smtClean="0">
-                <a:latin typeface="Bookman Old Style" pitchFamily="18" charset="0"/>
-              </a:rPr>
-              <a:t>OtherTrait</a:t>
-            </a:r>
-            <a:r>
-              <a:rPr lang="en-US" sz="1400" dirty="0" smtClean="0">
-                <a:latin typeface="Bookman Old Style" pitchFamily="18" charset="0"/>
-              </a:rPr>
-              <a:t>&gt;{</a:t>
-            </a:r>
-          </a:p>
-          <a:p>
-            <a:r>
-              <a:rPr lang="en-US" sz="1400" dirty="0" smtClean="0">
+            <a:pPr marL="0" indent="0">
+              <a:buNone/>
+            </a:pPr>
+            <a:r>
+              <a:rPr lang="en-US" sz="1400" dirty="0">
+                <a:latin typeface="Bookman Old Style" pitchFamily="18" charset="0"/>
+              </a:rPr>
+              <a:t>Scala Singleton :- Scala is more object oriented then java because Scala don’t have static keyword. So to create a singleton object in Scala we don’t need static instead Scala introduce new keyword called object . You define the singleton using object keyword .</a:t>
+            </a:r>
+          </a:p>
+          <a:p>
+            <a:pPr marL="0" indent="0">
+              <a:buNone/>
+            </a:pPr>
+            <a:r>
+              <a:rPr lang="en-US" sz="1400" dirty="0">
+                <a:latin typeface="Bookman Old Style" pitchFamily="18" charset="0"/>
+              </a:rPr>
+              <a:t>Like this .</a:t>
+            </a:r>
+          </a:p>
+          <a:p>
+            <a:pPr marL="0" indent="0">
+              <a:buNone/>
+            </a:pPr>
+            <a:endParaRPr lang="en-US" sz="1400" dirty="0">
+              <a:latin typeface="Bookman Old Style" pitchFamily="18" charset="0"/>
+            </a:endParaRPr>
+          </a:p>
+          <a:p>
+            <a:pPr marL="0" indent="0">
+              <a:buNone/>
+            </a:pPr>
+            <a:r>
+              <a:rPr lang="en-US" sz="1400" dirty="0">
+                <a:latin typeface="Bookman Old Style" pitchFamily="18" charset="0"/>
+              </a:rPr>
+              <a:t>Object A{</a:t>
+            </a:r>
+          </a:p>
+          <a:p>
+            <a:pPr marL="0" indent="0">
+              <a:buNone/>
+            </a:pPr>
+            <a:r>
+              <a:rPr lang="en-US" sz="1400" dirty="0">
+                <a:latin typeface="Bookman Old Style" pitchFamily="18" charset="0"/>
+              </a:rPr>
+              <a:t> def main(</a:t>
+            </a:r>
+            <a:r>
+              <a:rPr lang="en-US" sz="1400" dirty="0" err="1">
+                <a:latin typeface="Bookman Old Style" pitchFamily="18" charset="0"/>
+              </a:rPr>
+              <a:t>args:Array</a:t>
+            </a:r>
+            <a:r>
+              <a:rPr lang="en-US" sz="1400" dirty="0">
+                <a:latin typeface="Bookman Old Style" pitchFamily="18" charset="0"/>
+              </a:rPr>
+              <a:t>[String]){</a:t>
+            </a:r>
+          </a:p>
+          <a:p>
+            <a:pPr marL="0" indent="0">
+              <a:buNone/>
+            </a:pPr>
+            <a:r>
+              <a:rPr lang="en-US" sz="1400" dirty="0" err="1">
+                <a:latin typeface="Bookman Old Style" pitchFamily="18" charset="0"/>
+              </a:rPr>
+              <a:t>println</a:t>
+            </a:r>
+            <a:r>
+              <a:rPr lang="en-US" sz="1400" dirty="0">
+                <a:latin typeface="Bookman Old Style" pitchFamily="18" charset="0"/>
+              </a:rPr>
+              <a:t>(“hello </a:t>
+            </a:r>
+            <a:r>
+              <a:rPr lang="en-US" sz="1400" dirty="0" err="1">
+                <a:latin typeface="Bookman Old Style" pitchFamily="18" charset="0"/>
+              </a:rPr>
+              <a:t>scala</a:t>
+            </a:r>
+            <a:r>
+              <a:rPr lang="en-US" sz="1400" dirty="0">
+                <a:latin typeface="Bookman Old Style" pitchFamily="18" charset="0"/>
+              </a:rPr>
+              <a:t>”)</a:t>
+            </a:r>
+          </a:p>
+          <a:p>
+            <a:pPr marL="0" indent="0">
+              <a:buNone/>
+            </a:pPr>
+            <a:r>
+              <a:rPr lang="en-US" sz="1400" dirty="0">
                 <a:latin typeface="Bookman Old Style" pitchFamily="18" charset="0"/>
               </a:rPr>
               <a:t>}</a:t>
             </a:r>
           </a:p>
           <a:p>
-            <a:r>
-              <a:rPr lang="en-US" sz="1400" dirty="0" smtClean="0">
-                <a:latin typeface="Bookman Old Style" pitchFamily="18" charset="0"/>
-              </a:rPr>
-              <a:t>Important point : - you can’t directly used the trait with java do  so you need to create abstract class. </a:t>
-            </a:r>
-          </a:p>
-          <a:p>
-            <a:endParaRPr lang="en-IN" sz="1500" dirty="0"/>
+            <a:pPr marL="0" indent="0">
+              <a:buNone/>
+            </a:pPr>
+            <a:r>
+              <a:rPr lang="en-US" sz="1400" dirty="0">
+                <a:latin typeface="Bookman Old Style" pitchFamily="18" charset="0"/>
+              </a:rPr>
+              <a:t>}</a:t>
+            </a:r>
+          </a:p>
+          <a:p>
+            <a:pPr marL="0" indent="0">
+              <a:buNone/>
+            </a:pPr>
+            <a:endParaRPr lang="en-US" sz="1600" dirty="0"/>
+          </a:p>
+          <a:p>
+            <a:pPr marL="0" indent="0">
+              <a:buNone/>
+            </a:pPr>
+            <a:endParaRPr lang="en-US" sz="1600" dirty="0"/>
+          </a:p>
+          <a:p>
+            <a:pPr marL="0" indent="0">
+              <a:buNone/>
+            </a:pPr>
+            <a:r>
+              <a:rPr lang="en-US" dirty="0"/>
+              <a:t> </a:t>
+            </a:r>
+          </a:p>
+          <a:p>
+            <a:pPr marL="0" indent="0">
+              <a:buNone/>
+            </a:pPr>
+            <a:endParaRPr lang="en-US" sz="1600" dirty="0"/>
           </a:p>
         </p:txBody>
       </p:sp>
@@ -4774,7 +4810,7 @@
           <p:cNvPr id="4" name="Slide Number Placeholder 3">
             <a:extLst>
               <a:ext uri="{FF2B5EF4-FFF2-40B4-BE49-F238E27FC236}">
-                <a16:creationId xmlns:a16="http://schemas.microsoft.com/office/drawing/2014/main" xmlns="" id="{381B8578-EA4D-4EC6-8640-0B05E0D78C80}"/>
+                <a16:creationId xmlns:a16="http://schemas.microsoft.com/office/drawing/2014/main" id="{381B8578-EA4D-4EC6-8640-0B05E0D78C80}"/>
               </a:ext>
             </a:extLst>
           </p:cNvPr>
@@ -4807,7 +4843,7 @@
     </p:spTree>
     <p:extLst>
       <p:ext uri="{BB962C8B-B14F-4D97-AF65-F5344CB8AC3E}">
-        <p14:creationId xmlns:p14="http://schemas.microsoft.com/office/powerpoint/2010/main" xmlns="" val="1926158119"/>
+        <p14:creationId xmlns:p14="http://schemas.microsoft.com/office/powerpoint/2010/main" val="2565174248"/>
       </p:ext>
     </p:extLst>
   </p:cSld>
@@ -4836,10 +4872,299 @@
       </p:grpSpPr>
       <p:sp>
         <p:nvSpPr>
+          <p:cNvPr id="6" name="Title 1">
+            <a:extLst>
+              <a:ext uri="{FF2B5EF4-FFF2-40B4-BE49-F238E27FC236}">
+                <a16:creationId xmlns:a16="http://schemas.microsoft.com/office/drawing/2014/main" id="{530793DB-E11E-4185-8E0A-19C598A25404}"/>
+              </a:ext>
+            </a:extLst>
+          </p:cNvPr>
+          <p:cNvSpPr>
+            <a:spLocks noGrp="1"/>
+          </p:cNvSpPr>
+          <p:nvPr>
+            <p:ph type="title"/>
+          </p:nvPr>
+        </p:nvSpPr>
+        <p:spPr/>
+        <p:txBody>
+          <a:bodyPr/>
+          <a:lstStyle/>
+          <a:p>
+            <a:r>
+              <a:rPr lang="en-US" sz="3300" dirty="0"/>
+              <a:t>Companion object and class</a:t>
+            </a:r>
+          </a:p>
+        </p:txBody>
+      </p:sp>
+      <p:sp>
+        <p:nvSpPr>
+          <p:cNvPr id="2" name="Content Placeholder 1">
+            <a:extLst>
+              <a:ext uri="{FF2B5EF4-FFF2-40B4-BE49-F238E27FC236}">
+                <a16:creationId xmlns:a16="http://schemas.microsoft.com/office/drawing/2014/main" id="{4C7760E9-A82C-48FD-9177-D45C6336D758}"/>
+              </a:ext>
+            </a:extLst>
+          </p:cNvPr>
+          <p:cNvSpPr>
+            <a:spLocks noGrp="1"/>
+          </p:cNvSpPr>
+          <p:nvPr>
+            <p:ph idx="1"/>
+          </p:nvPr>
+        </p:nvSpPr>
+        <p:spPr>
+          <a:xfrm>
+            <a:off x="685800" y="1509713"/>
+            <a:ext cx="7772400" cy="3935412"/>
+          </a:xfrm>
+        </p:spPr>
+        <p:txBody>
+          <a:bodyPr/>
+          <a:lstStyle/>
+          <a:p>
+            <a:r>
+              <a:rPr lang="en-IN" sz="1400" dirty="0">
+                <a:latin typeface="Bookman Old Style" pitchFamily="18" charset="0"/>
+              </a:rPr>
+              <a:t>When a singleton object is named the same as a class, it is called a companion object. A companion object must be defined inside the same source file as the class.</a:t>
+            </a:r>
+            <a:endParaRPr lang="en-US" sz="1400" dirty="0">
+              <a:latin typeface="Bookman Old Style" pitchFamily="18" charset="0"/>
+            </a:endParaRPr>
+          </a:p>
+          <a:p>
+            <a:pPr marL="0" indent="0">
+              <a:buNone/>
+            </a:pPr>
+            <a:r>
+              <a:rPr lang="en-IN" sz="1400" dirty="0">
+                <a:latin typeface="Bookman Old Style" pitchFamily="18" charset="0"/>
+              </a:rPr>
+              <a:t>class Main {</a:t>
+            </a:r>
+          </a:p>
+          <a:p>
+            <a:pPr marL="0" indent="0">
+              <a:buNone/>
+            </a:pPr>
+            <a:r>
+              <a:rPr lang="en-IN" sz="1400" dirty="0">
+                <a:latin typeface="Bookman Old Style" pitchFamily="18" charset="0"/>
+              </a:rPr>
+              <a:t>    def </a:t>
+            </a:r>
+            <a:r>
+              <a:rPr lang="en-IN" sz="1400" dirty="0" err="1">
+                <a:latin typeface="Bookman Old Style" pitchFamily="18" charset="0"/>
+              </a:rPr>
+              <a:t>sayHelloWorld</a:t>
+            </a:r>
+            <a:r>
+              <a:rPr lang="en-IN" sz="1400" dirty="0">
+                <a:latin typeface="Bookman Old Style" pitchFamily="18" charset="0"/>
+              </a:rPr>
+              <a:t>() {</a:t>
+            </a:r>
+          </a:p>
+          <a:p>
+            <a:pPr marL="0" indent="0">
+              <a:buNone/>
+            </a:pPr>
+            <a:r>
+              <a:rPr lang="en-IN" sz="1400" dirty="0">
+                <a:latin typeface="Bookman Old Style" pitchFamily="18" charset="0"/>
+              </a:rPr>
+              <a:t>        </a:t>
+            </a:r>
+            <a:r>
+              <a:rPr lang="en-IN" sz="1400" dirty="0" err="1">
+                <a:latin typeface="Bookman Old Style" pitchFamily="18" charset="0"/>
+              </a:rPr>
+              <a:t>println</a:t>
+            </a:r>
+            <a:r>
+              <a:rPr lang="en-IN" sz="1400" dirty="0">
+                <a:latin typeface="Bookman Old Style" pitchFamily="18" charset="0"/>
+              </a:rPr>
+              <a:t>("Hello World");</a:t>
+            </a:r>
+          </a:p>
+          <a:p>
+            <a:pPr marL="0" indent="0">
+              <a:buNone/>
+            </a:pPr>
+            <a:r>
+              <a:rPr lang="en-IN" sz="1400" dirty="0">
+                <a:latin typeface="Bookman Old Style" pitchFamily="18" charset="0"/>
+              </a:rPr>
+              <a:t>    }</a:t>
+            </a:r>
+          </a:p>
+          <a:p>
+            <a:pPr marL="0" indent="0">
+              <a:buNone/>
+            </a:pPr>
+            <a:r>
+              <a:rPr lang="en-IN" sz="1400" dirty="0">
+                <a:latin typeface="Bookman Old Style" pitchFamily="18" charset="0"/>
+              </a:rPr>
+              <a:t>}</a:t>
+            </a:r>
+          </a:p>
+          <a:p>
+            <a:pPr marL="0" indent="0">
+              <a:buNone/>
+            </a:pPr>
+            <a:r>
+              <a:rPr lang="en-IN" sz="1400" dirty="0">
+                <a:latin typeface="Bookman Old Style" pitchFamily="18" charset="0"/>
+              </a:rPr>
+              <a:t>object Main {</a:t>
+            </a:r>
+          </a:p>
+          <a:p>
+            <a:pPr marL="0" indent="0">
+              <a:buNone/>
+            </a:pPr>
+            <a:r>
+              <a:rPr lang="en-IN" sz="1400" dirty="0">
+                <a:latin typeface="Bookman Old Style" pitchFamily="18" charset="0"/>
+              </a:rPr>
+              <a:t>    def </a:t>
+            </a:r>
+            <a:r>
+              <a:rPr lang="en-IN" sz="1400" dirty="0" err="1">
+                <a:latin typeface="Bookman Old Style" pitchFamily="18" charset="0"/>
+              </a:rPr>
+              <a:t>sayHi</a:t>
+            </a:r>
+            <a:r>
+              <a:rPr lang="en-IN" sz="1400" dirty="0">
+                <a:latin typeface="Bookman Old Style" pitchFamily="18" charset="0"/>
+              </a:rPr>
+              <a:t>() {</a:t>
+            </a:r>
+          </a:p>
+          <a:p>
+            <a:pPr marL="0" indent="0">
+              <a:buNone/>
+            </a:pPr>
+            <a:r>
+              <a:rPr lang="en-IN" sz="1400" dirty="0">
+                <a:latin typeface="Bookman Old Style" pitchFamily="18" charset="0"/>
+              </a:rPr>
+              <a:t>        </a:t>
+            </a:r>
+            <a:r>
+              <a:rPr lang="en-IN" sz="1400" dirty="0" err="1">
+                <a:latin typeface="Bookman Old Style" pitchFamily="18" charset="0"/>
+              </a:rPr>
+              <a:t>println</a:t>
+            </a:r>
+            <a:r>
+              <a:rPr lang="en-IN" sz="1400" dirty="0">
+                <a:latin typeface="Bookman Old Style" pitchFamily="18" charset="0"/>
+              </a:rPr>
+              <a:t>("Hi!");</a:t>
+            </a:r>
+          </a:p>
+          <a:p>
+            <a:pPr marL="0" indent="0">
+              <a:buNone/>
+            </a:pPr>
+            <a:r>
+              <a:rPr lang="en-IN" sz="1400" dirty="0">
+                <a:latin typeface="Bookman Old Style" pitchFamily="18" charset="0"/>
+              </a:rPr>
+              <a:t>    }</a:t>
+            </a:r>
+          </a:p>
+          <a:p>
+            <a:pPr marL="0" indent="0">
+              <a:buNone/>
+            </a:pPr>
+            <a:r>
+              <a:rPr lang="en-IN" sz="1400" dirty="0">
+                <a:latin typeface="Bookman Old Style" pitchFamily="18" charset="0"/>
+              </a:rPr>
+              <a:t>}</a:t>
+            </a:r>
+          </a:p>
+        </p:txBody>
+      </p:sp>
+      <p:sp>
+        <p:nvSpPr>
+          <p:cNvPr id="4" name="Slide Number Placeholder 3">
+            <a:extLst>
+              <a:ext uri="{FF2B5EF4-FFF2-40B4-BE49-F238E27FC236}">
+                <a16:creationId xmlns:a16="http://schemas.microsoft.com/office/drawing/2014/main" id="{381B8578-EA4D-4EC6-8640-0B05E0D78C80}"/>
+              </a:ext>
+            </a:extLst>
+          </p:cNvPr>
+          <p:cNvSpPr>
+            <a:spLocks noGrp="1"/>
+          </p:cNvSpPr>
+          <p:nvPr>
+            <p:ph type="sldNum" sz="quarter" idx="10"/>
+          </p:nvPr>
+        </p:nvSpPr>
+        <p:spPr/>
+        <p:txBody>
+          <a:bodyPr/>
+          <a:lstStyle/>
+          <a:p>
+            <a:pPr>
+              <a:defRPr/>
+            </a:pPr>
+            <a:fld id="{02078D67-9971-4597-979D-CABA3043A3A5}" type="slidenum">
+              <a:rPr lang="en-US" smtClean="0"/>
+              <a:pPr>
+                <a:defRPr/>
+              </a:pPr>
+              <a:t>11</a:t>
+            </a:fld>
+            <a:endParaRPr lang="en-US" dirty="0"/>
+          </a:p>
+        </p:txBody>
+      </p:sp>
+    </p:spTree>
+    <p:extLst>
+      <p:ext uri="{BB962C8B-B14F-4D97-AF65-F5344CB8AC3E}">
+        <p14:creationId xmlns:p14="http://schemas.microsoft.com/office/powerpoint/2010/main" val="2016841915"/>
+      </p:ext>
+    </p:extLst>
+  </p:cSld>
+  <p:clrMapOvr>
+    <a:masterClrMapping/>
+  </p:clrMapOvr>
+</p:sld>
+</file>
+
+<file path=ppt/slides/slide12.xml><?xml version="1.0" encoding="utf-8"?>
+<p:sld xmlns:a="http://schemas.openxmlformats.org/drawingml/2006/main" xmlns:r="http://schemas.openxmlformats.org/officeDocument/2006/relationships" xmlns:p="http://schemas.openxmlformats.org/presentationml/2006/main">
+  <p:cSld>
+    <p:spTree>
+      <p:nvGrpSpPr>
+        <p:cNvPr id="1" name=""/>
+        <p:cNvGrpSpPr/>
+        <p:nvPr/>
+      </p:nvGrpSpPr>
+      <p:grpSpPr>
+        <a:xfrm>
+          <a:off x="0" y="0"/>
+          <a:ext cx="0" cy="0"/>
+          <a:chOff x="0" y="0"/>
+          <a:chExt cx="0" cy="0"/>
+        </a:xfrm>
+      </p:grpSpPr>
+      <p:sp>
+        <p:nvSpPr>
           <p:cNvPr id="2" name="Title 1">
             <a:extLst>
               <a:ext uri="{FF2B5EF4-FFF2-40B4-BE49-F238E27FC236}">
-                <a16:creationId xmlns:a16="http://schemas.microsoft.com/office/drawing/2014/main" xmlns="" id="{9FCDC1D9-86AA-40F3-A7E8-8E28093920AC}"/>
+                <a16:creationId xmlns:a16="http://schemas.microsoft.com/office/drawing/2014/main" id="{9FCDC1D9-86AA-40F3-A7E8-8E28093920AC}"/>
               </a:ext>
             </a:extLst>
           </p:cNvPr>
@@ -4861,10 +5186,456 @@
           <a:lstStyle/>
           <a:p>
             <a:r>
-              <a:rPr lang="en-IN" sz="3300" dirty="0" smtClean="0"/>
-              <a:t>Inheritance ..</a:t>
-            </a:r>
-            <a:endParaRPr lang="en-US" sz="3300" dirty="0"/>
+              <a:rPr lang="en-US" sz="3300" dirty="0"/>
+              <a:t>Companion class and objects singleton …</a:t>
+            </a:r>
+          </a:p>
+        </p:txBody>
+      </p:sp>
+      <p:sp>
+        <p:nvSpPr>
+          <p:cNvPr id="3" name="Content Placeholder 2">
+            <a:extLst>
+              <a:ext uri="{FF2B5EF4-FFF2-40B4-BE49-F238E27FC236}">
+                <a16:creationId xmlns:a16="http://schemas.microsoft.com/office/drawing/2014/main" id="{4402E8F6-E378-4A26-A39B-8CD0FFDC4066}"/>
+              </a:ext>
+            </a:extLst>
+          </p:cNvPr>
+          <p:cNvSpPr>
+            <a:spLocks noGrp="1"/>
+          </p:cNvSpPr>
+          <p:nvPr>
+            <p:ph idx="1"/>
+          </p:nvPr>
+        </p:nvSpPr>
+        <p:spPr>
+          <a:xfrm>
+            <a:off x="685800" y="1409128"/>
+            <a:ext cx="7772400" cy="4222493"/>
+          </a:xfrm>
+          <a:ln>
+            <a:solidFill>
+              <a:schemeClr val="accent1"/>
+            </a:solidFill>
+          </a:ln>
+        </p:spPr>
+        <p:txBody>
+          <a:bodyPr/>
+          <a:lstStyle/>
+          <a:p>
+            <a:r>
+              <a:rPr lang="en-IN" sz="1400" dirty="0">
+                <a:latin typeface="Bookman Old Style" pitchFamily="18" charset="0"/>
+              </a:rPr>
+              <a:t>Generally  singleton object  is always used with companion class . We used companion class and companion object for factory  design.</a:t>
+            </a:r>
+          </a:p>
+          <a:p>
+            <a:r>
+              <a:rPr lang="en-IN" sz="1400" b="1" dirty="0">
+                <a:solidFill>
+                  <a:srgbClr val="00B050"/>
+                </a:solidFill>
+                <a:latin typeface="Bookman Old Style" pitchFamily="18" charset="0"/>
+              </a:rPr>
+              <a:t>sealed trait </a:t>
+            </a:r>
+            <a:r>
+              <a:rPr lang="en-IN" sz="1400" b="1" dirty="0" err="1">
+                <a:solidFill>
+                  <a:srgbClr val="00B050"/>
+                </a:solidFill>
+                <a:latin typeface="Bookman Old Style" pitchFamily="18" charset="0"/>
+              </a:rPr>
+              <a:t>PersonService</a:t>
+            </a:r>
+            <a:r>
+              <a:rPr lang="en-IN" sz="1400" b="1" dirty="0">
+                <a:solidFill>
+                  <a:srgbClr val="00B050"/>
+                </a:solidFill>
+                <a:latin typeface="Bookman Old Style" pitchFamily="18" charset="0"/>
+              </a:rPr>
+              <a:t>{</a:t>
+            </a:r>
+          </a:p>
+          <a:p>
+            <a:r>
+              <a:rPr lang="en-IN" sz="1400" b="1" dirty="0">
+                <a:solidFill>
+                  <a:srgbClr val="00B050"/>
+                </a:solidFill>
+                <a:latin typeface="Bookman Old Style" pitchFamily="18" charset="0"/>
+              </a:rPr>
+              <a:t>  def </a:t>
+            </a:r>
+            <a:r>
+              <a:rPr lang="en-IN" sz="1400" b="1" dirty="0" err="1">
+                <a:solidFill>
+                  <a:srgbClr val="00B050"/>
+                </a:solidFill>
+                <a:latin typeface="Bookman Old Style" pitchFamily="18" charset="0"/>
+              </a:rPr>
+              <a:t>getPerson</a:t>
+            </a:r>
+            <a:r>
+              <a:rPr lang="en-IN" sz="1400" b="1" dirty="0">
+                <a:solidFill>
+                  <a:srgbClr val="00B050"/>
+                </a:solidFill>
+                <a:latin typeface="Bookman Old Style" pitchFamily="18" charset="0"/>
+              </a:rPr>
+              <a:t>():String</a:t>
+            </a:r>
+          </a:p>
+          <a:p>
+            <a:r>
+              <a:rPr lang="en-IN" sz="1400" b="1" dirty="0">
+                <a:solidFill>
+                  <a:srgbClr val="00B050"/>
+                </a:solidFill>
+                <a:latin typeface="Bookman Old Style" pitchFamily="18" charset="0"/>
+              </a:rPr>
+              <a:t>}</a:t>
+            </a:r>
+          </a:p>
+          <a:p>
+            <a:r>
+              <a:rPr lang="en-IN" sz="1400" b="1" dirty="0">
+                <a:solidFill>
+                  <a:srgbClr val="00B050"/>
+                </a:solidFill>
+                <a:latin typeface="Bookman Old Style" pitchFamily="18" charset="0"/>
+              </a:rPr>
+              <a:t>private class </a:t>
+            </a:r>
+            <a:r>
+              <a:rPr lang="en-IN" sz="1400" b="1" dirty="0" err="1">
+                <a:solidFill>
+                  <a:srgbClr val="00B050"/>
+                </a:solidFill>
+                <a:latin typeface="Bookman Old Style" pitchFamily="18" charset="0"/>
+              </a:rPr>
+              <a:t>PersonServiceImpl</a:t>
+            </a:r>
+            <a:r>
+              <a:rPr lang="en-IN" sz="1400" b="1" dirty="0">
+                <a:solidFill>
+                  <a:srgbClr val="00B050"/>
+                </a:solidFill>
+                <a:latin typeface="Bookman Old Style" pitchFamily="18" charset="0"/>
+              </a:rPr>
+              <a:t>(private[this] </a:t>
+            </a:r>
+            <a:r>
+              <a:rPr lang="en-IN" sz="1400" b="1" dirty="0" err="1">
+                <a:solidFill>
+                  <a:srgbClr val="00B050"/>
+                </a:solidFill>
+                <a:latin typeface="Bookman Old Style" pitchFamily="18" charset="0"/>
+              </a:rPr>
+              <a:t>val</a:t>
+            </a:r>
+            <a:r>
+              <a:rPr lang="en-IN" sz="1400" b="1" dirty="0">
+                <a:solidFill>
+                  <a:srgbClr val="00B050"/>
+                </a:solidFill>
+                <a:latin typeface="Bookman Old Style" pitchFamily="18" charset="0"/>
+              </a:rPr>
+              <a:t> </a:t>
+            </a:r>
+            <a:r>
+              <a:rPr lang="en-IN" sz="1400" b="1" dirty="0" err="1">
+                <a:solidFill>
+                  <a:srgbClr val="00B050"/>
+                </a:solidFill>
+                <a:latin typeface="Bookman Old Style" pitchFamily="18" charset="0"/>
+              </a:rPr>
+              <a:t>jString:String</a:t>
+            </a:r>
+            <a:r>
+              <a:rPr lang="en-IN" sz="1400" b="1" dirty="0">
+                <a:solidFill>
+                  <a:srgbClr val="00B050"/>
+                </a:solidFill>
+                <a:latin typeface="Bookman Old Style" pitchFamily="18" charset="0"/>
+              </a:rPr>
+              <a:t>) extends </a:t>
+            </a:r>
+            <a:r>
+              <a:rPr lang="en-IN" sz="1400" b="1" dirty="0" err="1">
+                <a:solidFill>
+                  <a:srgbClr val="00B050"/>
+                </a:solidFill>
+                <a:latin typeface="Bookman Old Style" pitchFamily="18" charset="0"/>
+              </a:rPr>
+              <a:t>PersonService</a:t>
+            </a:r>
+            <a:r>
+              <a:rPr lang="en-IN" sz="1400" b="1" dirty="0">
+                <a:solidFill>
+                  <a:srgbClr val="00B050"/>
+                </a:solidFill>
+                <a:latin typeface="Bookman Old Style" pitchFamily="18" charset="0"/>
+              </a:rPr>
+              <a:t> {</a:t>
+            </a:r>
+          </a:p>
+          <a:p>
+            <a:r>
+              <a:rPr lang="en-IN" sz="1400" b="1" dirty="0">
+                <a:solidFill>
+                  <a:srgbClr val="00B050"/>
+                </a:solidFill>
+                <a:latin typeface="Bookman Old Style" pitchFamily="18" charset="0"/>
+              </a:rPr>
+              <a:t>	private </a:t>
+            </a:r>
+            <a:r>
+              <a:rPr lang="en-IN" sz="1400" b="1" dirty="0" err="1">
+                <a:solidFill>
+                  <a:srgbClr val="00B050"/>
+                </a:solidFill>
+                <a:latin typeface="Bookman Old Style" pitchFamily="18" charset="0"/>
+              </a:rPr>
+              <a:t>var</a:t>
+            </a:r>
+            <a:r>
+              <a:rPr lang="en-IN" sz="1400" b="1" dirty="0">
+                <a:solidFill>
+                  <a:srgbClr val="00B050"/>
+                </a:solidFill>
+                <a:latin typeface="Bookman Old Style" pitchFamily="18" charset="0"/>
+              </a:rPr>
+              <a:t> </a:t>
+            </a:r>
+            <a:r>
+              <a:rPr lang="en-IN" sz="1400" b="1" dirty="0" err="1">
+                <a:solidFill>
+                  <a:srgbClr val="00B050"/>
+                </a:solidFill>
+                <a:latin typeface="Bookman Old Style" pitchFamily="18" charset="0"/>
+              </a:rPr>
+              <a:t>extraData</a:t>
+            </a:r>
+            <a:r>
+              <a:rPr lang="en-IN" sz="1400" b="1" dirty="0">
+                <a:solidFill>
+                  <a:srgbClr val="00B050"/>
+                </a:solidFill>
+                <a:latin typeface="Bookman Old Style" pitchFamily="18" charset="0"/>
+              </a:rPr>
+              <a:t>= ""</a:t>
+            </a:r>
+          </a:p>
+          <a:p>
+            <a:r>
+              <a:rPr lang="en-IN" sz="1400" b="1" dirty="0">
+                <a:solidFill>
+                  <a:srgbClr val="00B050"/>
+                </a:solidFill>
+                <a:latin typeface="Bookman Old Style" pitchFamily="18" charset="0"/>
+              </a:rPr>
+              <a:t>			override def </a:t>
+            </a:r>
+            <a:r>
+              <a:rPr lang="en-IN" sz="1400" b="1" dirty="0" err="1">
+                <a:solidFill>
+                  <a:srgbClr val="00B050"/>
+                </a:solidFill>
+                <a:latin typeface="Bookman Old Style" pitchFamily="18" charset="0"/>
+              </a:rPr>
+              <a:t>toString</a:t>
+            </a:r>
+            <a:r>
+              <a:rPr lang="en-IN" sz="1400" b="1" dirty="0">
+                <a:solidFill>
+                  <a:srgbClr val="00B050"/>
+                </a:solidFill>
+                <a:latin typeface="Bookman Old Style" pitchFamily="18" charset="0"/>
+              </a:rPr>
+              <a:t> =</a:t>
+            </a:r>
+            <a:r>
+              <a:rPr lang="en-IN" sz="1400" b="1" dirty="0" err="1">
+                <a:solidFill>
+                  <a:srgbClr val="00B050"/>
+                </a:solidFill>
+                <a:latin typeface="Bookman Old Style" pitchFamily="18" charset="0"/>
+              </a:rPr>
+              <a:t>jString+extraData</a:t>
+            </a:r>
+            <a:endParaRPr lang="en-IN" sz="1400" b="1" dirty="0">
+              <a:solidFill>
+                <a:srgbClr val="00B050"/>
+              </a:solidFill>
+              <a:latin typeface="Bookman Old Style" pitchFamily="18" charset="0"/>
+            </a:endParaRPr>
+          </a:p>
+          <a:p>
+            <a:r>
+              <a:rPr lang="en-IN" sz="1400" b="1" dirty="0">
+                <a:solidFill>
+                  <a:srgbClr val="00B050"/>
+                </a:solidFill>
+                <a:latin typeface="Bookman Old Style" pitchFamily="18" charset="0"/>
+              </a:rPr>
+              <a:t>			def </a:t>
+            </a:r>
+            <a:r>
+              <a:rPr lang="en-IN" sz="1400" b="1" dirty="0" err="1">
+                <a:solidFill>
+                  <a:srgbClr val="00B050"/>
+                </a:solidFill>
+                <a:latin typeface="Bookman Old Style" pitchFamily="18" charset="0"/>
+              </a:rPr>
+              <a:t>getMsg</a:t>
+            </a:r>
+            <a:r>
+              <a:rPr lang="en-IN" sz="1400" b="1" dirty="0">
+                <a:solidFill>
+                  <a:srgbClr val="00B050"/>
+                </a:solidFill>
+                <a:latin typeface="Bookman Old Style" pitchFamily="18" charset="0"/>
+              </a:rPr>
+              <a:t>():String={</a:t>
+            </a:r>
+          </a:p>
+          <a:p>
+            <a:r>
+              <a:rPr lang="en-IN" sz="1400" b="1" dirty="0">
+                <a:solidFill>
+                  <a:srgbClr val="00B050"/>
+                </a:solidFill>
+                <a:latin typeface="Bookman Old Style" pitchFamily="18" charset="0"/>
+              </a:rPr>
+              <a:t>					return </a:t>
+            </a:r>
+            <a:r>
+              <a:rPr lang="en-IN" sz="1400" b="1" dirty="0" err="1">
+                <a:solidFill>
+                  <a:srgbClr val="00B050"/>
+                </a:solidFill>
+                <a:latin typeface="Bookman Old Style" pitchFamily="18" charset="0"/>
+              </a:rPr>
+              <a:t>this.jString</a:t>
+            </a:r>
+            <a:endParaRPr lang="en-IN" sz="1400" b="1" dirty="0">
+              <a:solidFill>
+                <a:srgbClr val="00B050"/>
+              </a:solidFill>
+              <a:latin typeface="Bookman Old Style" pitchFamily="18" charset="0"/>
+            </a:endParaRPr>
+          </a:p>
+          <a:p>
+            <a:r>
+              <a:rPr lang="en-IN" sz="1400" b="1" dirty="0">
+                <a:solidFill>
+                  <a:srgbClr val="00B050"/>
+                </a:solidFill>
+                <a:latin typeface="Bookman Old Style" pitchFamily="18" charset="0"/>
+              </a:rPr>
+              <a:t>			}</a:t>
+            </a:r>
+          </a:p>
+          <a:p>
+            <a:r>
+              <a:rPr lang="en-IN" sz="1400" b="1" dirty="0">
+                <a:solidFill>
+                  <a:srgbClr val="00B050"/>
+                </a:solidFill>
+                <a:latin typeface="Bookman Old Style" pitchFamily="18" charset="0"/>
+              </a:rPr>
+              <a:t>	override def </a:t>
+            </a:r>
+            <a:r>
+              <a:rPr lang="en-IN" sz="1400" b="1" dirty="0" err="1">
+                <a:solidFill>
+                  <a:srgbClr val="00B050"/>
+                </a:solidFill>
+                <a:latin typeface="Bookman Old Style" pitchFamily="18" charset="0"/>
+              </a:rPr>
+              <a:t>getPerson</a:t>
+            </a:r>
+            <a:r>
+              <a:rPr lang="en-IN" sz="1400" b="1" dirty="0">
+                <a:solidFill>
+                  <a:srgbClr val="00B050"/>
+                </a:solidFill>
+                <a:latin typeface="Bookman Old Style" pitchFamily="18" charset="0"/>
+              </a:rPr>
+              <a:t>():String={</a:t>
+            </a:r>
+          </a:p>
+          <a:p>
+            <a:r>
+              <a:rPr lang="en-IN" sz="1400" b="1" dirty="0">
+                <a:solidFill>
+                  <a:srgbClr val="00B050"/>
+                </a:solidFill>
+                <a:latin typeface="Bookman Old Style" pitchFamily="18" charset="0"/>
+              </a:rPr>
+              <a:t>	  </a:t>
+            </a:r>
+            <a:r>
+              <a:rPr lang="en-IN" sz="1400" b="1" dirty="0" err="1">
+                <a:solidFill>
+                  <a:srgbClr val="00B050"/>
+                </a:solidFill>
+                <a:latin typeface="Bookman Old Style" pitchFamily="18" charset="0"/>
+              </a:rPr>
+              <a:t>return"you</a:t>
+            </a:r>
+            <a:r>
+              <a:rPr lang="en-IN" sz="1400" b="1" dirty="0">
+                <a:solidFill>
+                  <a:srgbClr val="00B050"/>
+                </a:solidFill>
+                <a:latin typeface="Bookman Old Style" pitchFamily="18" charset="0"/>
+              </a:rPr>
+              <a:t> can call </a:t>
+            </a:r>
+            <a:r>
+              <a:rPr lang="en-IN" sz="1400" b="1" dirty="0" err="1">
+                <a:solidFill>
+                  <a:srgbClr val="00B050"/>
+                </a:solidFill>
+                <a:latin typeface="Bookman Old Style" pitchFamily="18" charset="0"/>
+              </a:rPr>
+              <a:t>dao</a:t>
+            </a:r>
+            <a:r>
+              <a:rPr lang="en-IN" sz="1400" b="1" dirty="0">
+                <a:solidFill>
+                  <a:srgbClr val="00B050"/>
+                </a:solidFill>
+                <a:latin typeface="Bookman Old Style" pitchFamily="18" charset="0"/>
+              </a:rPr>
+              <a:t> here"</a:t>
+            </a:r>
+          </a:p>
+          <a:p>
+            <a:r>
+              <a:rPr lang="en-IN" sz="1400" b="1" dirty="0">
+                <a:solidFill>
+                  <a:srgbClr val="00B050"/>
+                </a:solidFill>
+                <a:latin typeface="Bookman Old Style" pitchFamily="18" charset="0"/>
+              </a:rPr>
+              <a:t>	}</a:t>
+            </a:r>
+          </a:p>
+          <a:p>
+            <a:r>
+              <a:rPr lang="en-IN" sz="1400" b="1" dirty="0">
+                <a:solidFill>
+                  <a:srgbClr val="00B050"/>
+                </a:solidFill>
+                <a:latin typeface="Bookman Old Style" pitchFamily="18" charset="0"/>
+              </a:rPr>
+              <a:t>}</a:t>
+            </a:r>
           </a:p>
         </p:txBody>
       </p:sp>
@@ -4873,7 +5644,7 @@
           <p:cNvPr id="4" name="Slide Number Placeholder 3">
             <a:extLst>
               <a:ext uri="{FF2B5EF4-FFF2-40B4-BE49-F238E27FC236}">
-                <a16:creationId xmlns:a16="http://schemas.microsoft.com/office/drawing/2014/main" xmlns="" id="{381B8578-EA4D-4EC6-8640-0B05E0D78C80}"/>
+                <a16:creationId xmlns:a16="http://schemas.microsoft.com/office/drawing/2014/main" id="{381B8578-EA4D-4EC6-8640-0B05E0D78C80}"/>
               </a:ext>
             </a:extLst>
           </p:cNvPr>
@@ -4897,7 +5668,727 @@
               <a:pPr>
                 <a:defRPr/>
               </a:pPr>
-              <a:t>11</a:t>
+              <a:t>12</a:t>
+            </a:fld>
+            <a:endParaRPr lang="en-US" dirty="0"/>
+          </a:p>
+        </p:txBody>
+      </p:sp>
+    </p:spTree>
+    <p:extLst>
+      <p:ext uri="{BB962C8B-B14F-4D97-AF65-F5344CB8AC3E}">
+        <p14:creationId xmlns:p14="http://schemas.microsoft.com/office/powerpoint/2010/main" val="3371754286"/>
+      </p:ext>
+    </p:extLst>
+  </p:cSld>
+  <p:clrMapOvr>
+    <a:masterClrMapping/>
+  </p:clrMapOvr>
+</p:sld>
+</file>
+
+<file path=ppt/slides/slide13.xml><?xml version="1.0" encoding="utf-8"?>
+<p:sld xmlns:a="http://schemas.openxmlformats.org/drawingml/2006/main" xmlns:r="http://schemas.openxmlformats.org/officeDocument/2006/relationships" xmlns:p="http://schemas.openxmlformats.org/presentationml/2006/main">
+  <p:cSld>
+    <p:spTree>
+      <p:nvGrpSpPr>
+        <p:cNvPr id="1" name=""/>
+        <p:cNvGrpSpPr/>
+        <p:nvPr/>
+      </p:nvGrpSpPr>
+      <p:grpSpPr>
+        <a:xfrm>
+          <a:off x="0" y="0"/>
+          <a:ext cx="0" cy="0"/>
+          <a:chOff x="0" y="0"/>
+          <a:chExt cx="0" cy="0"/>
+        </a:xfrm>
+      </p:grpSpPr>
+      <p:sp>
+        <p:nvSpPr>
+          <p:cNvPr id="3" name="Content Placeholder 2">
+            <a:extLst>
+              <a:ext uri="{FF2B5EF4-FFF2-40B4-BE49-F238E27FC236}">
+                <a16:creationId xmlns:a16="http://schemas.microsoft.com/office/drawing/2014/main" id="{4402E8F6-E378-4A26-A39B-8CD0FFDC4066}"/>
+              </a:ext>
+            </a:extLst>
+          </p:cNvPr>
+          <p:cNvSpPr>
+            <a:spLocks noGrp="1"/>
+          </p:cNvSpPr>
+          <p:nvPr>
+            <p:ph idx="1"/>
+          </p:nvPr>
+        </p:nvSpPr>
+        <p:spPr>
+          <a:xfrm>
+            <a:off x="685800" y="339634"/>
+            <a:ext cx="7772400" cy="5127395"/>
+          </a:xfrm>
+        </p:spPr>
+        <p:txBody>
+          <a:bodyPr/>
+          <a:lstStyle/>
+          <a:p>
+            <a:r>
+              <a:rPr lang="en-IN" sz="1400" dirty="0">
+                <a:solidFill>
+                  <a:srgbClr val="00B050"/>
+                </a:solidFill>
+                <a:latin typeface="Bookman Old Style" pitchFamily="18" charset="0"/>
+              </a:rPr>
+              <a:t>object </a:t>
+            </a:r>
+            <a:r>
+              <a:rPr lang="en-IN" sz="1400" dirty="0" err="1">
+                <a:solidFill>
+                  <a:srgbClr val="00B050"/>
+                </a:solidFill>
+                <a:latin typeface="Bookman Old Style" pitchFamily="18" charset="0"/>
+              </a:rPr>
+              <a:t>PersonServiceImpl</a:t>
+            </a:r>
+            <a:r>
+              <a:rPr lang="en-IN" sz="1400" dirty="0">
+                <a:solidFill>
+                  <a:srgbClr val="00B050"/>
+                </a:solidFill>
+                <a:latin typeface="Bookman Old Style" pitchFamily="18" charset="0"/>
+              </a:rPr>
+              <a:t> {</a:t>
+            </a:r>
+          </a:p>
+          <a:p>
+            <a:r>
+              <a:rPr lang="en-IN" sz="1400" dirty="0">
+                <a:solidFill>
+                  <a:srgbClr val="00B050"/>
+                </a:solidFill>
+                <a:latin typeface="Bookman Old Style" pitchFamily="18" charset="0"/>
+              </a:rPr>
+              <a:t>	def </a:t>
+            </a:r>
+            <a:r>
+              <a:rPr lang="en-IN" sz="1400" dirty="0" err="1">
+                <a:solidFill>
+                  <a:srgbClr val="00B050"/>
+                </a:solidFill>
+                <a:latin typeface="Bookman Old Style" pitchFamily="18" charset="0"/>
+              </a:rPr>
+              <a:t>sayhello</a:t>
+            </a:r>
+            <a:r>
+              <a:rPr lang="en-IN" sz="1400" dirty="0">
+                <a:solidFill>
+                  <a:srgbClr val="00B050"/>
+                </a:solidFill>
+                <a:latin typeface="Bookman Old Style" pitchFamily="18" charset="0"/>
+              </a:rPr>
+              <a:t>():String={</a:t>
+            </a:r>
+          </a:p>
+          <a:p>
+            <a:r>
+              <a:rPr lang="en-IN" sz="1400" dirty="0">
+                <a:solidFill>
+                  <a:srgbClr val="00B050"/>
+                </a:solidFill>
+                <a:latin typeface="Bookman Old Style" pitchFamily="18" charset="0"/>
+              </a:rPr>
+              <a:t>			</a:t>
+            </a:r>
+            <a:r>
+              <a:rPr lang="en-IN" sz="1400" dirty="0" err="1">
+                <a:solidFill>
+                  <a:srgbClr val="00B050"/>
+                </a:solidFill>
+                <a:latin typeface="Bookman Old Style" pitchFamily="18" charset="0"/>
+              </a:rPr>
+              <a:t>val</a:t>
+            </a:r>
+            <a:r>
+              <a:rPr lang="en-IN" sz="1400" dirty="0">
+                <a:solidFill>
+                  <a:srgbClr val="00B050"/>
+                </a:solidFill>
+                <a:latin typeface="Bookman Old Style" pitchFamily="18" charset="0"/>
+              </a:rPr>
+              <a:t> </a:t>
+            </a:r>
+            <a:r>
+              <a:rPr lang="en-IN" sz="1400" dirty="0" err="1">
+                <a:solidFill>
+                  <a:srgbClr val="00B050"/>
+                </a:solidFill>
+                <a:latin typeface="Bookman Old Style" pitchFamily="18" charset="0"/>
+              </a:rPr>
+              <a:t>obj</a:t>
+            </a:r>
+            <a:r>
+              <a:rPr lang="en-IN" sz="1400" dirty="0">
+                <a:solidFill>
+                  <a:srgbClr val="00B050"/>
+                </a:solidFill>
+                <a:latin typeface="Bookman Old Style" pitchFamily="18" charset="0"/>
+              </a:rPr>
+              <a:t>= </a:t>
+            </a:r>
+            <a:r>
+              <a:rPr lang="en-IN" sz="1400" dirty="0" err="1">
+                <a:solidFill>
+                  <a:srgbClr val="00B050"/>
+                </a:solidFill>
+                <a:latin typeface="Bookman Old Style" pitchFamily="18" charset="0"/>
+              </a:rPr>
+              <a:t>PersonServiceImpl</a:t>
+            </a:r>
+            <a:r>
+              <a:rPr lang="en-IN" sz="1400" dirty="0">
+                <a:solidFill>
+                  <a:srgbClr val="00B050"/>
+                </a:solidFill>
+                <a:latin typeface="Bookman Old Style" pitchFamily="18" charset="0"/>
+              </a:rPr>
+              <a:t>("</a:t>
+            </a:r>
+            <a:r>
+              <a:rPr lang="en-IN" sz="1400" dirty="0" err="1">
+                <a:solidFill>
+                  <a:srgbClr val="00B050"/>
+                </a:solidFill>
+                <a:latin typeface="Bookman Old Style" pitchFamily="18" charset="0"/>
+              </a:rPr>
+              <a:t>TestObj</a:t>
+            </a:r>
+            <a:r>
+              <a:rPr lang="en-IN" sz="1400" dirty="0">
+                <a:solidFill>
+                  <a:srgbClr val="00B050"/>
+                </a:solidFill>
+                <a:latin typeface="Bookman Old Style" pitchFamily="18" charset="0"/>
+              </a:rPr>
+              <a:t>")</a:t>
+            </a:r>
+          </a:p>
+          <a:p>
+            <a:r>
+              <a:rPr lang="en-IN" sz="1400" dirty="0">
+                <a:solidFill>
+                  <a:srgbClr val="00B050"/>
+                </a:solidFill>
+                <a:latin typeface="Bookman Old Style" pitchFamily="18" charset="0"/>
+              </a:rPr>
+              <a:t>					return </a:t>
+            </a:r>
+            <a:r>
+              <a:rPr lang="en-IN" sz="1400" dirty="0" err="1">
+                <a:solidFill>
+                  <a:srgbClr val="00B050"/>
+                </a:solidFill>
+                <a:latin typeface="Bookman Old Style" pitchFamily="18" charset="0"/>
+              </a:rPr>
+              <a:t>obj.getMsg</a:t>
+            </a:r>
+            <a:r>
+              <a:rPr lang="en-IN" sz="1400" dirty="0">
+                <a:solidFill>
+                  <a:srgbClr val="00B050"/>
+                </a:solidFill>
+                <a:latin typeface="Bookman Old Style" pitchFamily="18" charset="0"/>
+              </a:rPr>
+              <a:t>()</a:t>
+            </a:r>
+          </a:p>
+          <a:p>
+            <a:r>
+              <a:rPr lang="en-IN" sz="1400" dirty="0">
+                <a:solidFill>
+                  <a:srgbClr val="00B050"/>
+                </a:solidFill>
+                <a:latin typeface="Bookman Old Style" pitchFamily="18" charset="0"/>
+              </a:rPr>
+              <a:t>	}</a:t>
+            </a:r>
+          </a:p>
+          <a:p>
+            <a:r>
+              <a:rPr lang="en-IN" sz="1400" dirty="0">
+                <a:solidFill>
+                  <a:srgbClr val="00B050"/>
+                </a:solidFill>
+                <a:latin typeface="Bookman Old Style" pitchFamily="18" charset="0"/>
+              </a:rPr>
+              <a:t>	private def apply(</a:t>
+            </a:r>
+            <a:r>
+              <a:rPr lang="en-IN" sz="1400" dirty="0" err="1">
+                <a:solidFill>
+                  <a:srgbClr val="00B050"/>
+                </a:solidFill>
+                <a:latin typeface="Bookman Old Style" pitchFamily="18" charset="0"/>
+              </a:rPr>
+              <a:t>base:String</a:t>
+            </a:r>
+            <a:r>
+              <a:rPr lang="en-IN" sz="1400" dirty="0">
+                <a:solidFill>
+                  <a:srgbClr val="00B050"/>
+                </a:solidFill>
+                <a:latin typeface="Bookman Old Style" pitchFamily="18" charset="0"/>
+              </a:rPr>
+              <a:t>) = new </a:t>
+            </a:r>
+            <a:r>
+              <a:rPr lang="en-IN" sz="1400" dirty="0" err="1">
+                <a:solidFill>
+                  <a:srgbClr val="00B050"/>
+                </a:solidFill>
+                <a:latin typeface="Bookman Old Style" pitchFamily="18" charset="0"/>
+              </a:rPr>
+              <a:t>PersonServiceImpl</a:t>
+            </a:r>
+            <a:r>
+              <a:rPr lang="en-IN" sz="1400" dirty="0">
+                <a:solidFill>
+                  <a:srgbClr val="00B050"/>
+                </a:solidFill>
+                <a:latin typeface="Bookman Old Style" pitchFamily="18" charset="0"/>
+              </a:rPr>
+              <a:t>(base)</a:t>
+            </a:r>
+          </a:p>
+          <a:p>
+            <a:r>
+              <a:rPr lang="en-IN" sz="1400" dirty="0">
+                <a:solidFill>
+                  <a:srgbClr val="00B050"/>
+                </a:solidFill>
+                <a:latin typeface="Bookman Old Style" pitchFamily="18" charset="0"/>
+              </a:rPr>
+              <a:t>}</a:t>
+            </a:r>
+          </a:p>
+          <a:p>
+            <a:endParaRPr lang="en-IN" sz="1400" dirty="0">
+              <a:solidFill>
+                <a:srgbClr val="00B050"/>
+              </a:solidFill>
+              <a:latin typeface="Bookman Old Style" pitchFamily="18" charset="0"/>
+            </a:endParaRPr>
+          </a:p>
+          <a:p>
+            <a:r>
+              <a:rPr lang="en-IN" sz="1400" dirty="0">
+                <a:latin typeface="Bookman Old Style" pitchFamily="18" charset="0"/>
+              </a:rPr>
+              <a:t>We can directly used trait with object but for doing this we need to extend the trait to object .</a:t>
+            </a:r>
+          </a:p>
+          <a:p>
+            <a:r>
+              <a:rPr lang="en-IN" sz="1400" dirty="0">
+                <a:latin typeface="Bookman Old Style" pitchFamily="18" charset="0"/>
+              </a:rPr>
+              <a:t>Companion object and companion classes share the all the properties and behaviour with each other. </a:t>
+            </a:r>
+          </a:p>
+          <a:p>
+            <a:pPr>
+              <a:buNone/>
+            </a:pPr>
+            <a:r>
+              <a:rPr lang="en-US" sz="1600" b="1" u="sng" dirty="0"/>
+              <a:t>Scala - Access Modifiers:</a:t>
+            </a:r>
+          </a:p>
+          <a:p>
+            <a:r>
+              <a:rPr lang="en-IN" sz="1400" dirty="0">
+                <a:latin typeface="Bookman Old Style" pitchFamily="18" charset="0"/>
+              </a:rPr>
+              <a:t>1.Private  --- as java</a:t>
+            </a:r>
+          </a:p>
+          <a:p>
+            <a:r>
+              <a:rPr lang="en-IN" sz="1400" dirty="0">
+                <a:latin typeface="Bookman Old Style" pitchFamily="18" charset="0"/>
+              </a:rPr>
+              <a:t>2.Protected  --- as java but you cannot access props in same package</a:t>
+            </a:r>
+          </a:p>
+          <a:p>
+            <a:r>
+              <a:rPr lang="en-IN" sz="1400" dirty="0">
+                <a:latin typeface="Bookman Old Style" pitchFamily="18" charset="0"/>
+              </a:rPr>
+              <a:t>3.Private[this] --</a:t>
+            </a:r>
+            <a:r>
+              <a:rPr lang="en-US" sz="1400" dirty="0">
+                <a:latin typeface="Bookman Old Style" pitchFamily="18" charset="0"/>
+              </a:rPr>
+              <a:t>In Scala you can make members really  private by restricting access to only the current instance, which isn’t possible in Java</a:t>
+            </a:r>
+            <a:endParaRPr lang="en-IN" sz="1400" dirty="0">
+              <a:latin typeface="Bookman Old Style" pitchFamily="18" charset="0"/>
+            </a:endParaRPr>
+          </a:p>
+          <a:p>
+            <a:endParaRPr lang="en-IN" sz="1500" dirty="0"/>
+          </a:p>
+          <a:p>
+            <a:pPr>
+              <a:buNone/>
+            </a:pPr>
+            <a:endParaRPr lang="en-IN" sz="1500" dirty="0"/>
+          </a:p>
+          <a:p>
+            <a:endParaRPr lang="en-IN" sz="1500" dirty="0"/>
+          </a:p>
+        </p:txBody>
+      </p:sp>
+      <p:sp>
+        <p:nvSpPr>
+          <p:cNvPr id="4" name="Slide Number Placeholder 3">
+            <a:extLst>
+              <a:ext uri="{FF2B5EF4-FFF2-40B4-BE49-F238E27FC236}">
+                <a16:creationId xmlns:a16="http://schemas.microsoft.com/office/drawing/2014/main" id="{381B8578-EA4D-4EC6-8640-0B05E0D78C80}"/>
+              </a:ext>
+            </a:extLst>
+          </p:cNvPr>
+          <p:cNvSpPr>
+            <a:spLocks noGrp="1"/>
+          </p:cNvSpPr>
+          <p:nvPr>
+            <p:ph type="sldNum" sz="quarter" idx="10"/>
+          </p:nvPr>
+        </p:nvSpPr>
+        <p:spPr/>
+        <p:txBody>
+          <a:bodyPr/>
+          <a:lstStyle/>
+          <a:p>
+            <a:pPr>
+              <a:defRPr/>
+            </a:pPr>
+            <a:fld id="{02078D67-9971-4597-979D-CABA3043A3A5}" type="slidenum">
+              <a:rPr lang="en-US" smtClean="0"/>
+              <a:pPr>
+                <a:defRPr/>
+              </a:pPr>
+              <a:t>13</a:t>
+            </a:fld>
+            <a:endParaRPr lang="en-US" dirty="0"/>
+          </a:p>
+        </p:txBody>
+      </p:sp>
+    </p:spTree>
+    <p:extLst>
+      <p:ext uri="{BB962C8B-B14F-4D97-AF65-F5344CB8AC3E}">
+        <p14:creationId xmlns:p14="http://schemas.microsoft.com/office/powerpoint/2010/main" val="4096077001"/>
+      </p:ext>
+    </p:extLst>
+  </p:cSld>
+  <p:clrMapOvr>
+    <a:masterClrMapping/>
+  </p:clrMapOvr>
+</p:sld>
+</file>
+
+<file path=ppt/slides/slide14.xml><?xml version="1.0" encoding="utf-8"?>
+<p:sld xmlns:a="http://schemas.openxmlformats.org/drawingml/2006/main" xmlns:r="http://schemas.openxmlformats.org/officeDocument/2006/relationships" xmlns:p="http://schemas.openxmlformats.org/presentationml/2006/main">
+  <p:cSld>
+    <p:spTree>
+      <p:nvGrpSpPr>
+        <p:cNvPr id="1" name=""/>
+        <p:cNvGrpSpPr/>
+        <p:nvPr/>
+      </p:nvGrpSpPr>
+      <p:grpSpPr>
+        <a:xfrm>
+          <a:off x="0" y="0"/>
+          <a:ext cx="0" cy="0"/>
+          <a:chOff x="0" y="0"/>
+          <a:chExt cx="0" cy="0"/>
+        </a:xfrm>
+      </p:grpSpPr>
+      <p:sp>
+        <p:nvSpPr>
+          <p:cNvPr id="2" name="Title 1">
+            <a:extLst>
+              <a:ext uri="{FF2B5EF4-FFF2-40B4-BE49-F238E27FC236}">
+                <a16:creationId xmlns:a16="http://schemas.microsoft.com/office/drawing/2014/main" id="{9FCDC1D9-86AA-40F3-A7E8-8E28093920AC}"/>
+              </a:ext>
+            </a:extLst>
+          </p:cNvPr>
+          <p:cNvSpPr>
+            <a:spLocks noGrp="1"/>
+          </p:cNvSpPr>
+          <p:nvPr>
+            <p:ph type="title"/>
+          </p:nvPr>
+        </p:nvSpPr>
+        <p:spPr>
+          <a:xfrm>
+            <a:off x="685800" y="309563"/>
+            <a:ext cx="7772400" cy="1143000"/>
+          </a:xfrm>
+        </p:spPr>
+        <p:txBody>
+          <a:bodyPr/>
+          <a:lstStyle/>
+          <a:p>
+            <a:r>
+              <a:rPr lang="en-IN" sz="3300" dirty="0"/>
+              <a:t>Trait..</a:t>
+            </a:r>
+          </a:p>
+        </p:txBody>
+      </p:sp>
+      <p:sp>
+        <p:nvSpPr>
+          <p:cNvPr id="3" name="Content Placeholder 2">
+            <a:extLst>
+              <a:ext uri="{FF2B5EF4-FFF2-40B4-BE49-F238E27FC236}">
+                <a16:creationId xmlns:a16="http://schemas.microsoft.com/office/drawing/2014/main" id="{4402E8F6-E378-4A26-A39B-8CD0FFDC4066}"/>
+              </a:ext>
+            </a:extLst>
+          </p:cNvPr>
+          <p:cNvSpPr>
+            <a:spLocks noGrp="1"/>
+          </p:cNvSpPr>
+          <p:nvPr>
+            <p:ph idx="1"/>
+          </p:nvPr>
+        </p:nvSpPr>
+        <p:spPr>
+          <a:xfrm>
+            <a:off x="685800" y="1308544"/>
+            <a:ext cx="7772400" cy="4222493"/>
+          </a:xfrm>
+        </p:spPr>
+        <p:txBody>
+          <a:bodyPr/>
+          <a:lstStyle/>
+          <a:p>
+            <a:r>
+              <a:rPr lang="en-IN" sz="1400" dirty="0">
+                <a:latin typeface="Bookman Old Style" pitchFamily="18" charset="0"/>
+              </a:rPr>
+              <a:t>Traits is more like interface in java. Its very important aspect of Scala because Scala collection framework is written on this concept . </a:t>
+            </a:r>
+          </a:p>
+          <a:p>
+            <a:r>
+              <a:rPr lang="en-US" sz="1400" dirty="0">
+                <a:latin typeface="Bookman Old Style" pitchFamily="18" charset="0"/>
+              </a:rPr>
+              <a:t>A trait encapsulates method and field definitions, which can then be reused by mixing them into classes</a:t>
+            </a:r>
+          </a:p>
+          <a:p>
+            <a:r>
+              <a:rPr lang="en-US" sz="1400" dirty="0">
+                <a:latin typeface="Bookman Old Style" pitchFamily="18" charset="0"/>
+              </a:rPr>
+              <a:t>Below is syntax for Trait in Scala</a:t>
+            </a:r>
+          </a:p>
+          <a:p>
+            <a:r>
+              <a:rPr lang="en-US" sz="1400" dirty="0">
+                <a:latin typeface="Bookman Old Style" pitchFamily="18" charset="0"/>
+              </a:rPr>
+              <a:t>trait &lt;</a:t>
+            </a:r>
+            <a:r>
+              <a:rPr lang="en-US" sz="1400" dirty="0" err="1">
+                <a:latin typeface="Bookman Old Style" pitchFamily="18" charset="0"/>
+              </a:rPr>
+              <a:t>nameOfTrait</a:t>
+            </a:r>
+            <a:r>
+              <a:rPr lang="en-US" sz="1400" dirty="0">
+                <a:latin typeface="Bookman Old Style" pitchFamily="18" charset="0"/>
+              </a:rPr>
+              <a:t>&gt; extends &lt;</a:t>
+            </a:r>
+            <a:r>
+              <a:rPr lang="en-US" sz="1400" dirty="0" err="1">
+                <a:latin typeface="Bookman Old Style" pitchFamily="18" charset="0"/>
+              </a:rPr>
+              <a:t>othertrait</a:t>
+            </a:r>
+            <a:r>
+              <a:rPr lang="en-US" sz="1400" dirty="0">
+                <a:latin typeface="Bookman Old Style" pitchFamily="18" charset="0"/>
+              </a:rPr>
+              <a:t>&gt; with &lt;</a:t>
+            </a:r>
+            <a:r>
+              <a:rPr lang="en-US" sz="1400" dirty="0" err="1">
+                <a:latin typeface="Bookman Old Style" pitchFamily="18" charset="0"/>
+              </a:rPr>
+              <a:t>OtherTrait</a:t>
+            </a:r>
+            <a:r>
+              <a:rPr lang="en-US" sz="1400" dirty="0">
+                <a:latin typeface="Bookman Old Style" pitchFamily="18" charset="0"/>
+              </a:rPr>
+              <a:t>&gt;{</a:t>
+            </a:r>
+          </a:p>
+          <a:p>
+            <a:r>
+              <a:rPr lang="en-US" sz="1400" dirty="0">
+                <a:latin typeface="Bookman Old Style" pitchFamily="18" charset="0"/>
+              </a:rPr>
+              <a:t>}</a:t>
+            </a:r>
+          </a:p>
+          <a:p>
+            <a:r>
+              <a:rPr lang="en-US" sz="1400" dirty="0">
+                <a:latin typeface="Bookman Old Style" pitchFamily="18" charset="0"/>
+              </a:rPr>
+              <a:t>Important point : - you can’t directly used the trait with java do  so you need to create abstract class. </a:t>
+            </a:r>
+          </a:p>
+          <a:p>
+            <a:endParaRPr lang="en-IN" sz="1500" dirty="0"/>
+          </a:p>
+        </p:txBody>
+      </p:sp>
+      <p:sp>
+        <p:nvSpPr>
+          <p:cNvPr id="4" name="Slide Number Placeholder 3">
+            <a:extLst>
+              <a:ext uri="{FF2B5EF4-FFF2-40B4-BE49-F238E27FC236}">
+                <a16:creationId xmlns:a16="http://schemas.microsoft.com/office/drawing/2014/main" id="{381B8578-EA4D-4EC6-8640-0B05E0D78C80}"/>
+              </a:ext>
+            </a:extLst>
+          </p:cNvPr>
+          <p:cNvSpPr>
+            <a:spLocks noGrp="1"/>
+          </p:cNvSpPr>
+          <p:nvPr>
+            <p:ph type="sldNum" sz="quarter" idx="10"/>
+          </p:nvPr>
+        </p:nvSpPr>
+        <p:spPr/>
+        <p:txBody>
+          <a:bodyPr/>
+          <a:lstStyle/>
+          <a:p>
+            <a:pPr>
+              <a:defRPr/>
+            </a:pPr>
+            <a:fld id="{02078D67-9971-4597-979D-CABA3043A3A5}" type="slidenum">
+              <a:rPr lang="en-US" smtClean="0"/>
+              <a:pPr>
+                <a:defRPr/>
+              </a:pPr>
+              <a:t>14</a:t>
+            </a:fld>
+            <a:endParaRPr lang="en-US" dirty="0"/>
+          </a:p>
+        </p:txBody>
+      </p:sp>
+    </p:spTree>
+    <p:extLst>
+      <p:ext uri="{BB962C8B-B14F-4D97-AF65-F5344CB8AC3E}">
+        <p14:creationId xmlns:p14="http://schemas.microsoft.com/office/powerpoint/2010/main" val="1926158119"/>
+      </p:ext>
+    </p:extLst>
+  </p:cSld>
+  <p:clrMapOvr>
+    <a:masterClrMapping/>
+  </p:clrMapOvr>
+</p:sld>
+</file>
+
+<file path=ppt/slides/slide15.xml><?xml version="1.0" encoding="utf-8"?>
+<p:sld xmlns:a="http://schemas.openxmlformats.org/drawingml/2006/main" xmlns:r="http://schemas.openxmlformats.org/officeDocument/2006/relationships" xmlns:p="http://schemas.openxmlformats.org/presentationml/2006/main">
+  <p:cSld>
+    <p:spTree>
+      <p:nvGrpSpPr>
+        <p:cNvPr id="1" name=""/>
+        <p:cNvGrpSpPr/>
+        <p:nvPr/>
+      </p:nvGrpSpPr>
+      <p:grpSpPr>
+        <a:xfrm>
+          <a:off x="0" y="0"/>
+          <a:ext cx="0" cy="0"/>
+          <a:chOff x="0" y="0"/>
+          <a:chExt cx="0" cy="0"/>
+        </a:xfrm>
+      </p:grpSpPr>
+      <p:sp>
+        <p:nvSpPr>
+          <p:cNvPr id="2" name="Title 1">
+            <a:extLst>
+              <a:ext uri="{FF2B5EF4-FFF2-40B4-BE49-F238E27FC236}">
+                <a16:creationId xmlns:a16="http://schemas.microsoft.com/office/drawing/2014/main" id="{9FCDC1D9-86AA-40F3-A7E8-8E28093920AC}"/>
+              </a:ext>
+            </a:extLst>
+          </p:cNvPr>
+          <p:cNvSpPr>
+            <a:spLocks noGrp="1"/>
+          </p:cNvSpPr>
+          <p:nvPr>
+            <p:ph type="title"/>
+          </p:nvPr>
+        </p:nvSpPr>
+        <p:spPr>
+          <a:xfrm>
+            <a:off x="685800" y="309563"/>
+            <a:ext cx="7772400" cy="1143000"/>
+          </a:xfrm>
+        </p:spPr>
+        <p:txBody>
+          <a:bodyPr/>
+          <a:lstStyle/>
+          <a:p>
+            <a:r>
+              <a:rPr lang="en-IN" sz="3300" dirty="0"/>
+              <a:t>Inheritance ..</a:t>
+            </a:r>
+            <a:endParaRPr lang="en-US" sz="3300" dirty="0"/>
+          </a:p>
+        </p:txBody>
+      </p:sp>
+      <p:sp>
+        <p:nvSpPr>
+          <p:cNvPr id="4" name="Slide Number Placeholder 3">
+            <a:extLst>
+              <a:ext uri="{FF2B5EF4-FFF2-40B4-BE49-F238E27FC236}">
+                <a16:creationId xmlns:a16="http://schemas.microsoft.com/office/drawing/2014/main" id="{381B8578-EA4D-4EC6-8640-0B05E0D78C80}"/>
+              </a:ext>
+            </a:extLst>
+          </p:cNvPr>
+          <p:cNvSpPr>
+            <a:spLocks noGrp="1"/>
+          </p:cNvSpPr>
+          <p:nvPr>
+            <p:ph type="sldNum" sz="quarter" idx="10"/>
+          </p:nvPr>
+        </p:nvSpPr>
+        <p:spPr/>
+        <p:txBody>
+          <a:bodyPr/>
+          <a:lstStyle/>
+          <a:p>
+            <a:pPr>
+              <a:defRPr/>
+            </a:pPr>
+            <a:fld id="{02078D67-9971-4597-979D-CABA3043A3A5}" type="slidenum">
+              <a:rPr lang="en-US" smtClean="0"/>
+              <a:pPr>
+                <a:defRPr/>
+              </a:pPr>
+              <a:t>15</a:t>
             </a:fld>
             <a:endParaRPr lang="en-US" dirty="0"/>
           </a:p>
@@ -4940,24 +6431,17 @@
     </p:spTree>
     <p:extLst>
       <p:ext uri="{BB962C8B-B14F-4D97-AF65-F5344CB8AC3E}">
-        <p14:creationId xmlns:p14="http://schemas.microsoft.com/office/powerpoint/2010/main" xmlns="" val="692792758"/>
+        <p14:creationId xmlns:p14="http://schemas.microsoft.com/office/powerpoint/2010/main" val="692792758"/>
       </p:ext>
     </p:extLst>
   </p:cSld>
   <p:clrMapOvr>
     <a:masterClrMapping/>
   </p:clrMapOvr>
-  <p:timing>
-    <p:tnLst>
-      <p:par>
-        <p:cTn id="1" dur="indefinite" restart="never" nodeType="tmRoot"/>
-      </p:par>
-    </p:tnLst>
-  </p:timing>
 </p:sld>
 </file>
 
-<file path=ppt/slides/slide12.xml><?xml version="1.0" encoding="utf-8"?>
+<file path=ppt/slides/slide16.xml><?xml version="1.0" encoding="utf-8"?>
 <p:sld xmlns:a="http://schemas.openxmlformats.org/drawingml/2006/main" xmlns:r="http://schemas.openxmlformats.org/officeDocument/2006/relationships" xmlns:p="http://schemas.openxmlformats.org/presentationml/2006/main">
   <p:cSld>
     <p:spTree>
@@ -4979,7 +6463,7 @@
           <p:cNvPr id="4" name="Slide Number Placeholder 3">
             <a:extLst>
               <a:ext uri="{FF2B5EF4-FFF2-40B4-BE49-F238E27FC236}">
-                <a16:creationId xmlns:a16="http://schemas.microsoft.com/office/drawing/2014/main" xmlns="" id="{381B8578-EA4D-4EC6-8640-0B05E0D78C80}"/>
+                <a16:creationId xmlns:a16="http://schemas.microsoft.com/office/drawing/2014/main" id="{381B8578-EA4D-4EC6-8640-0B05E0D78C80}"/>
               </a:ext>
             </a:extLst>
           </p:cNvPr>
@@ -5003,7 +6487,7 @@
               <a:pPr>
                 <a:defRPr/>
               </a:pPr>
-              <a:t>12</a:t>
+              <a:t>16</a:t>
             </a:fld>
             <a:endParaRPr lang="en-US" dirty="0"/>
           </a:p>
@@ -5030,7 +6514,7 @@
           <a:lstStyle/>
           <a:p>
             <a:r>
-              <a:rPr lang="en-US" sz="1400" dirty="0" smtClean="0">
+              <a:rPr lang="en-US" sz="1400" dirty="0">
                 <a:latin typeface="Bookman Old Style" pitchFamily="18" charset="0"/>
               </a:rPr>
               <a:t>Scala support all type of inheritance . </a:t>
@@ -5038,13 +6522,13 @@
           </a:p>
           <a:p>
             <a:r>
-              <a:rPr lang="en-US" sz="1400" dirty="0" err="1" smtClean="0">
+              <a:rPr lang="en-US" sz="1400" dirty="0" err="1">
                 <a:latin typeface="Bookman Old Style" pitchFamily="18" charset="0"/>
               </a:rPr>
               <a:t>E.g</a:t>
             </a:r>
             <a:r>
-              <a:rPr lang="en-US" sz="1400" dirty="0" smtClean="0">
+              <a:rPr lang="en-US" sz="1400" dirty="0">
                 <a:latin typeface="Bookman Old Style" pitchFamily="18" charset="0"/>
               </a:rPr>
               <a:t> -:</a:t>
@@ -5052,7 +6536,7 @@
           </a:p>
           <a:p>
             <a:r>
-              <a:rPr lang="en-US" sz="1400" dirty="0" smtClean="0">
+              <a:rPr lang="en-US" sz="1400" dirty="0">
                 <a:latin typeface="Bookman Old Style" pitchFamily="18" charset="0"/>
               </a:rPr>
               <a:t>Scala override and constructor explain </a:t>
@@ -5062,7 +6546,7 @@
             <a:pPr>
               <a:buNone/>
             </a:pPr>
-            <a:endParaRPr lang="en-US" dirty="0" smtClean="0"/>
+            <a:endParaRPr lang="en-US" dirty="0"/>
           </a:p>
           <a:p>
             <a:pPr>
@@ -5075,24 +6559,17 @@
     </p:spTree>
     <p:extLst>
       <p:ext uri="{BB962C8B-B14F-4D97-AF65-F5344CB8AC3E}">
-        <p14:creationId xmlns:p14="http://schemas.microsoft.com/office/powerpoint/2010/main" xmlns="" val="692792758"/>
+        <p14:creationId xmlns:p14="http://schemas.microsoft.com/office/powerpoint/2010/main" val="692792758"/>
       </p:ext>
     </p:extLst>
   </p:cSld>
   <p:clrMapOvr>
     <a:masterClrMapping/>
   </p:clrMapOvr>
-  <p:timing>
-    <p:tnLst>
-      <p:par>
-        <p:cTn id="1" dur="indefinite" restart="never" nodeType="tmRoot"/>
-      </p:par>
-    </p:tnLst>
-  </p:timing>
 </p:sld>
 </file>
 
-<file path=ppt/slides/slide13.xml><?xml version="1.0" encoding="utf-8"?>
+<file path=ppt/slides/slide17.xml><?xml version="1.0" encoding="utf-8"?>
 <p:sld xmlns:a="http://schemas.openxmlformats.org/drawingml/2006/main" xmlns:r="http://schemas.openxmlformats.org/officeDocument/2006/relationships" xmlns:p="http://schemas.openxmlformats.org/presentationml/2006/main">
   <p:cSld>
     <p:spTree>
@@ -5114,7 +6591,7 @@
           <p:cNvPr id="2" name="Title 1">
             <a:extLst>
               <a:ext uri="{FF2B5EF4-FFF2-40B4-BE49-F238E27FC236}">
-                <a16:creationId xmlns:a16="http://schemas.microsoft.com/office/drawing/2014/main" xmlns="" id="{9FCDC1D9-86AA-40F3-A7E8-8E28093920AC}"/>
+                <a16:creationId xmlns:a16="http://schemas.microsoft.com/office/drawing/2014/main" id="{9FCDC1D9-86AA-40F3-A7E8-8E28093920AC}"/>
               </a:ext>
             </a:extLst>
           </p:cNvPr>
@@ -5136,14 +6613,11 @@
           <a:lstStyle/>
           <a:p>
             <a:r>
-              <a:rPr lang="en-US" sz="3300" dirty="0" smtClean="0">
+              <a:rPr lang="en-US" sz="3300" dirty="0">
                 <a:latin typeface="Bookman Old Style" pitchFamily="18" charset="0"/>
               </a:rPr>
               <a:t>Scala Type Hierarchy </a:t>
             </a:r>
-            <a:endParaRPr lang="en-US" sz="3300" dirty="0">
-              <a:latin typeface="Bookman Old Style" pitchFamily="18" charset="0"/>
-            </a:endParaRPr>
           </a:p>
         </p:txBody>
       </p:sp>
@@ -5152,7 +6626,7 @@
           <p:cNvPr id="4" name="Slide Number Placeholder 3">
             <a:extLst>
               <a:ext uri="{FF2B5EF4-FFF2-40B4-BE49-F238E27FC236}">
-                <a16:creationId xmlns:a16="http://schemas.microsoft.com/office/drawing/2014/main" xmlns="" id="{381B8578-EA4D-4EC6-8640-0B05E0D78C80}"/>
+                <a16:creationId xmlns:a16="http://schemas.microsoft.com/office/drawing/2014/main" id="{381B8578-EA4D-4EC6-8640-0B05E0D78C80}"/>
               </a:ext>
             </a:extLst>
           </p:cNvPr>
@@ -5176,7 +6650,7 @@
               <a:pPr>
                 <a:defRPr/>
               </a:pPr>
-              <a:t>13</a:t>
+              <a:t>17</a:t>
             </a:fld>
             <a:endParaRPr lang="en-US" dirty="0"/>
           </a:p>
@@ -5220,24 +6694,17 @@
     </p:spTree>
     <p:extLst>
       <p:ext uri="{BB962C8B-B14F-4D97-AF65-F5344CB8AC3E}">
-        <p14:creationId xmlns:p14="http://schemas.microsoft.com/office/powerpoint/2010/main" xmlns="" val="692792758"/>
+        <p14:creationId xmlns:p14="http://schemas.microsoft.com/office/powerpoint/2010/main" val="692792758"/>
       </p:ext>
     </p:extLst>
   </p:cSld>
   <p:clrMapOvr>
     <a:masterClrMapping/>
   </p:clrMapOvr>
-  <p:timing>
-    <p:tnLst>
-      <p:par>
-        <p:cTn id="1" dur="indefinite" restart="never" nodeType="tmRoot"/>
-      </p:par>
-    </p:tnLst>
-  </p:timing>
 </p:sld>
 </file>
 
-<file path=ppt/slides/slide14.xml><?xml version="1.0" encoding="utf-8"?>
+<file path=ppt/slides/slide18.xml><?xml version="1.0" encoding="utf-8"?>
 <p:sld xmlns:a="http://schemas.openxmlformats.org/drawingml/2006/main" xmlns:r="http://schemas.openxmlformats.org/officeDocument/2006/relationships" xmlns:p="http://schemas.openxmlformats.org/presentationml/2006/main">
   <p:cSld>
     <p:spTree>
@@ -5259,7 +6726,7 @@
           <p:cNvPr id="3" name="Content Placeholder 2">
             <a:extLst>
               <a:ext uri="{FF2B5EF4-FFF2-40B4-BE49-F238E27FC236}">
-                <a16:creationId xmlns:a16="http://schemas.microsoft.com/office/drawing/2014/main" xmlns="" id="{4402E8F6-E378-4A26-A39B-8CD0FFDC4066}"/>
+                <a16:creationId xmlns:a16="http://schemas.microsoft.com/office/drawing/2014/main" id="{4402E8F6-E378-4A26-A39B-8CD0FFDC4066}"/>
               </a:ext>
             </a:extLst>
           </p:cNvPr>
@@ -5283,17 +6750,16 @@
             <a:pPr marL="0" indent="0" algn="ctr">
               <a:buNone/>
             </a:pPr>
-            <a:endParaRPr lang="en-IN" sz="3300" dirty="0" smtClean="0"/>
+            <a:endParaRPr lang="en-IN" sz="3300" dirty="0"/>
           </a:p>
           <a:p>
             <a:pPr marL="0" indent="0" algn="ctr">
               <a:buNone/>
             </a:pPr>
             <a:r>
-              <a:rPr lang="en-IN" sz="3300" dirty="0" smtClean="0"/>
+              <a:rPr lang="en-IN" sz="3300" dirty="0"/>
               <a:t>Queries?</a:t>
             </a:r>
-            <a:endParaRPr lang="en-IN" sz="3300" dirty="0"/>
           </a:p>
         </p:txBody>
       </p:sp>
@@ -5302,7 +6768,7 @@
           <p:cNvPr id="4" name="Slide Number Placeholder 3">
             <a:extLst>
               <a:ext uri="{FF2B5EF4-FFF2-40B4-BE49-F238E27FC236}">
-                <a16:creationId xmlns:a16="http://schemas.microsoft.com/office/drawing/2014/main" xmlns="" id="{381B8578-EA4D-4EC6-8640-0B05E0D78C80}"/>
+                <a16:creationId xmlns:a16="http://schemas.microsoft.com/office/drawing/2014/main" id="{381B8578-EA4D-4EC6-8640-0B05E0D78C80}"/>
               </a:ext>
             </a:extLst>
           </p:cNvPr>
@@ -5326,7 +6792,7 @@
               <a:pPr>
                 <a:defRPr/>
               </a:pPr>
-              <a:t>14</a:t>
+              <a:t>18</a:t>
             </a:fld>
             <a:endParaRPr lang="en-US" dirty="0"/>
           </a:p>
@@ -5335,24 +6801,17 @@
     </p:spTree>
     <p:extLst>
       <p:ext uri="{BB962C8B-B14F-4D97-AF65-F5344CB8AC3E}">
-        <p14:creationId xmlns:p14="http://schemas.microsoft.com/office/powerpoint/2010/main" xmlns="" val="1669420208"/>
+        <p14:creationId xmlns:p14="http://schemas.microsoft.com/office/powerpoint/2010/main" val="1669420208"/>
       </p:ext>
     </p:extLst>
   </p:cSld>
   <p:clrMapOvr>
     <a:masterClrMapping/>
   </p:clrMapOvr>
-  <p:timing>
-    <p:tnLst>
-      <p:par>
-        <p:cTn id="1" dur="indefinite" restart="never" nodeType="tmRoot"/>
-      </p:par>
-    </p:tnLst>
-  </p:timing>
 </p:sld>
 </file>
 
-<file path=ppt/slides/slide15.xml><?xml version="1.0" encoding="utf-8"?>
+<file path=ppt/slides/slide19.xml><?xml version="1.0" encoding="utf-8"?>
 <p:sld xmlns:a="http://schemas.openxmlformats.org/drawingml/2006/main" xmlns:r="http://schemas.openxmlformats.org/officeDocument/2006/relationships" xmlns:p="http://schemas.openxmlformats.org/presentationml/2006/main">
   <p:cSld>
     <p:spTree>
@@ -5395,7 +6854,7 @@
             <a:fld id="{BCE7F329-193F-492F-B3BE-7B71E09852C2}" type="slidenum">
               <a:rPr lang="en-US"/>
               <a:pPr/>
-              <a:t>15</a:t>
+              <a:t>19</a:t>
             </a:fld>
             <a:endParaRPr lang="en-US"/>
           </a:p>
@@ -5600,10 +7059,6 @@
             <a:br>
               <a:rPr lang="en-US" sz="1600"/>
             </a:br>
-            <a:r>
-              <a:rPr lang="en-US" sz="1600"/>
-              <a:t/>
-            </a:r>
             <a:br>
               <a:rPr lang="en-US" sz="1600"/>
             </a:br>
@@ -5739,10 +7194,6 @@
               </a:rPr>
               <a:t>(no parameterless methods)</a:t>
             </a:r>
-            <a:r>
-              <a:rPr lang="en-US" sz="1600"/>
-              <a:t/>
-            </a:r>
             <a:br>
               <a:rPr lang="en-US" sz="1600"/>
             </a:br>
@@ -5810,10 +7261,6 @@
             <a:br>
               <a:rPr lang="en-US" sz="1600"/>
             </a:br>
-            <a:r>
-              <a:rPr lang="en-US" sz="1600"/>
-              <a:t/>
-            </a:r>
             <a:br>
               <a:rPr lang="en-US" sz="1600"/>
             </a:br>
@@ -5826,17 +7273,262 @@
   <p:clrMapOvr>
     <a:masterClrMapping/>
   </p:clrMapOvr>
-  <p:timing>
-    <p:tnLst>
-      <p:par>
-        <p:cTn id="1" dur="indefinite" restart="never" nodeType="tmRoot"/>
-      </p:par>
-    </p:tnLst>
-  </p:timing>
 </p:sld>
 </file>
 
-<file path=ppt/slides/slide16.xml><?xml version="1.0" encoding="utf-8"?>
+<file path=ppt/slides/slide2.xml><?xml version="1.0" encoding="utf-8"?>
+<p:sld xmlns:a="http://schemas.openxmlformats.org/drawingml/2006/main" xmlns:r="http://schemas.openxmlformats.org/officeDocument/2006/relationships" xmlns:p="http://schemas.openxmlformats.org/presentationml/2006/main">
+  <p:cSld>
+    <p:spTree>
+      <p:nvGrpSpPr>
+        <p:cNvPr id="1" name=""/>
+        <p:cNvGrpSpPr/>
+        <p:nvPr/>
+      </p:nvGrpSpPr>
+      <p:grpSpPr>
+        <a:xfrm>
+          <a:off x="0" y="0"/>
+          <a:ext cx="0" cy="0"/>
+          <a:chOff x="0" y="0"/>
+          <a:chExt cx="0" cy="0"/>
+        </a:xfrm>
+      </p:grpSpPr>
+      <p:sp>
+        <p:nvSpPr>
+          <p:cNvPr id="2" name="Title 1">
+            <a:extLst>
+              <a:ext uri="{FF2B5EF4-FFF2-40B4-BE49-F238E27FC236}">
+                <a16:creationId xmlns:a16="http://schemas.microsoft.com/office/drawing/2014/main" id="{9FCDC1D9-86AA-40F3-A7E8-8E28093920AC}"/>
+              </a:ext>
+            </a:extLst>
+          </p:cNvPr>
+          <p:cNvSpPr>
+            <a:spLocks noGrp="1"/>
+          </p:cNvSpPr>
+          <p:nvPr>
+            <p:ph type="title"/>
+          </p:nvPr>
+        </p:nvSpPr>
+        <p:spPr>
+          <a:xfrm>
+            <a:off x="685800" y="309563"/>
+            <a:ext cx="7772400" cy="1143000"/>
+          </a:xfrm>
+        </p:spPr>
+        <p:txBody>
+          <a:bodyPr/>
+          <a:lstStyle/>
+          <a:p>
+            <a:r>
+              <a:rPr lang="en-US" dirty="0"/>
+              <a:t> </a:t>
+            </a:r>
+            <a:r>
+              <a:rPr lang="en-US" sz="3300" dirty="0"/>
+              <a:t>Agenda</a:t>
+            </a:r>
+          </a:p>
+        </p:txBody>
+      </p:sp>
+      <p:sp>
+        <p:nvSpPr>
+          <p:cNvPr id="3" name="Content Placeholder 2">
+            <a:extLst>
+              <a:ext uri="{FF2B5EF4-FFF2-40B4-BE49-F238E27FC236}">
+                <a16:creationId xmlns:a16="http://schemas.microsoft.com/office/drawing/2014/main" id="{4402E8F6-E378-4A26-A39B-8CD0FFDC4066}"/>
+              </a:ext>
+            </a:extLst>
+          </p:cNvPr>
+          <p:cNvSpPr>
+            <a:spLocks noGrp="1"/>
+          </p:cNvSpPr>
+          <p:nvPr>
+            <p:ph idx="1"/>
+          </p:nvPr>
+        </p:nvSpPr>
+        <p:spPr>
+          <a:xfrm>
+            <a:off x="685800" y="1533975"/>
+            <a:ext cx="7772400" cy="3313330"/>
+          </a:xfrm>
+        </p:spPr>
+        <p:txBody>
+          <a:bodyPr/>
+          <a:lstStyle/>
+          <a:p>
+            <a:pPr lvl="0">
+              <a:buFont typeface="Courier New" panose="02070309020205020404" pitchFamily="49" charset="0"/>
+              <a:buChar char="o"/>
+            </a:pPr>
+            <a:r>
+              <a:rPr lang="en-IN" sz="1400" dirty="0">
+                <a:latin typeface="Bookman Old Style" panose="02050604050505020204" pitchFamily="18" charset="0"/>
+              </a:rPr>
+              <a:t>Scala Setup </a:t>
+            </a:r>
+          </a:p>
+          <a:p>
+            <a:r>
+              <a:rPr lang="en-IN" sz="1400" dirty="0">
+                <a:latin typeface="Bookman Old Style" panose="02050604050505020204" pitchFamily="18" charset="0"/>
+              </a:rPr>
+              <a:t>Eclipse Plugin</a:t>
+            </a:r>
+          </a:p>
+          <a:p>
+            <a:r>
+              <a:rPr lang="en-IN" sz="1400" dirty="0">
+                <a:latin typeface="Bookman Old Style" panose="02050604050505020204" pitchFamily="18" charset="0"/>
+              </a:rPr>
+              <a:t>Command Line</a:t>
+            </a:r>
+          </a:p>
+          <a:p>
+            <a:r>
+              <a:rPr lang="en-IN" sz="1400" dirty="0">
+                <a:solidFill>
+                  <a:srgbClr val="FF0000"/>
+                </a:solidFill>
+                <a:highlight>
+                  <a:srgbClr val="FF9900"/>
+                </a:highlight>
+                <a:latin typeface="Bookman Old Style" panose="02050604050505020204" pitchFamily="18" charset="0"/>
+              </a:rPr>
+              <a:t>SBT</a:t>
+            </a:r>
+          </a:p>
+          <a:p>
+            <a:r>
+              <a:rPr lang="en-IN" sz="1400" dirty="0">
+                <a:latin typeface="Bookman Old Style" panose="02050604050505020204" pitchFamily="18" charset="0"/>
+              </a:rPr>
+              <a:t>FP</a:t>
+            </a:r>
+          </a:p>
+          <a:p>
+            <a:pPr>
+              <a:buFont typeface="Courier New" panose="02070309020205020404" pitchFamily="49" charset="0"/>
+              <a:buChar char="o"/>
+            </a:pPr>
+            <a:r>
+              <a:rPr lang="en-IN" sz="1400" dirty="0">
+                <a:latin typeface="Bookman Old Style" panose="02050604050505020204" pitchFamily="18" charset="0"/>
+              </a:rPr>
+              <a:t>Scala Classes and Objects</a:t>
+            </a:r>
+          </a:p>
+          <a:p>
+            <a:pPr>
+              <a:buFont typeface="Courier New" panose="02070309020205020404" pitchFamily="49" charset="0"/>
+              <a:buChar char="o"/>
+            </a:pPr>
+            <a:r>
+              <a:rPr lang="en-IN" sz="1400" dirty="0">
+                <a:latin typeface="Bookman Old Style" panose="02050604050505020204" pitchFamily="18" charset="0"/>
+              </a:rPr>
+              <a:t>Inheritance and Its Implementation in Scala</a:t>
+            </a:r>
+          </a:p>
+          <a:p>
+            <a:pPr>
+              <a:buFont typeface="Courier New" panose="02070309020205020404" pitchFamily="49" charset="0"/>
+              <a:buChar char="o"/>
+            </a:pPr>
+            <a:r>
+              <a:rPr lang="en-IN" sz="1400" dirty="0">
+                <a:latin typeface="Bookman Old Style" panose="02050604050505020204" pitchFamily="18" charset="0"/>
+              </a:rPr>
+              <a:t>Traits</a:t>
+            </a:r>
+          </a:p>
+          <a:p>
+            <a:pPr>
+              <a:buFont typeface="Courier New" panose="02070309020205020404" pitchFamily="49" charset="0"/>
+              <a:buChar char="o"/>
+            </a:pPr>
+            <a:r>
+              <a:rPr lang="en-IN" sz="1400" dirty="0">
+                <a:latin typeface="Bookman Old Style" panose="02050604050505020204" pitchFamily="18" charset="0"/>
+              </a:rPr>
+              <a:t>Scala Type Hierarchy </a:t>
+            </a:r>
+          </a:p>
+          <a:p>
+            <a:pPr marL="0" lvl="0" indent="0">
+              <a:buNone/>
+            </a:pPr>
+            <a:endParaRPr lang="en-IN" sz="1400" dirty="0">
+              <a:latin typeface="Bookman Old Style" panose="02050604050505020204" pitchFamily="18" charset="0"/>
+            </a:endParaRPr>
+          </a:p>
+          <a:p>
+            <a:pPr marL="0" lvl="0" indent="0">
+              <a:buNone/>
+            </a:pPr>
+            <a:endParaRPr lang="en-IN" sz="1400" dirty="0">
+              <a:latin typeface="Bookman Old Style" panose="02050604050505020204" pitchFamily="18" charset="0"/>
+            </a:endParaRPr>
+          </a:p>
+          <a:p>
+            <a:pPr lvl="0">
+              <a:buFont typeface="Courier New" panose="02070309020205020404" pitchFamily="49" charset="0"/>
+              <a:buChar char="o"/>
+            </a:pPr>
+            <a:endParaRPr lang="en-IN" sz="1400" dirty="0">
+              <a:latin typeface="Bookman Old Style" panose="02050604050505020204" pitchFamily="18" charset="0"/>
+            </a:endParaRPr>
+          </a:p>
+        </p:txBody>
+      </p:sp>
+      <p:sp>
+        <p:nvSpPr>
+          <p:cNvPr id="4" name="Slide Number Placeholder 3">
+            <a:extLst>
+              <a:ext uri="{FF2B5EF4-FFF2-40B4-BE49-F238E27FC236}">
+                <a16:creationId xmlns:a16="http://schemas.microsoft.com/office/drawing/2014/main" id="{381B8578-EA4D-4EC6-8640-0B05E0D78C80}"/>
+              </a:ext>
+            </a:extLst>
+          </p:cNvPr>
+          <p:cNvSpPr>
+            <a:spLocks noGrp="1"/>
+          </p:cNvSpPr>
+          <p:nvPr>
+            <p:ph type="sldNum" sz="quarter" idx="10"/>
+          </p:nvPr>
+        </p:nvSpPr>
+        <p:spPr/>
+        <p:txBody>
+          <a:bodyPr/>
+          <a:lstStyle/>
+          <a:p>
+            <a:pPr>
+              <a:defRPr/>
+            </a:pPr>
+            <a:fld id="{02078D67-9971-4597-979D-CABA3043A3A5}" type="slidenum">
+              <a:rPr lang="en-US" smtClean="0"/>
+              <a:pPr>
+                <a:defRPr/>
+              </a:pPr>
+              <a:t>2</a:t>
+            </a:fld>
+            <a:endParaRPr lang="en-US" dirty="0"/>
+          </a:p>
+        </p:txBody>
+      </p:sp>
+    </p:spTree>
+    <p:extLst>
+      <p:ext uri="{BB962C8B-B14F-4D97-AF65-F5344CB8AC3E}">
+        <p14:creationId xmlns:p14="http://schemas.microsoft.com/office/powerpoint/2010/main" val="613136588"/>
+      </p:ext>
+    </p:extLst>
+  </p:cSld>
+  <p:clrMapOvr>
+    <a:masterClrMapping/>
+  </p:clrMapOvr>
+</p:sld>
+</file>
+
+<file path=ppt/slides/slide20.xml><?xml version="1.0" encoding="utf-8"?>
 <p:sld xmlns:a="http://schemas.openxmlformats.org/drawingml/2006/main" xmlns:r="http://schemas.openxmlformats.org/officeDocument/2006/relationships" xmlns:p="http://schemas.openxmlformats.org/presentationml/2006/main">
   <p:cSld>
     <p:spTree>
@@ -5879,7 +7571,7 @@
             <a:fld id="{BDBDC3FD-C9AB-4E79-B8B4-9AF708AF02E9}" type="slidenum">
               <a:rPr lang="en-US"/>
               <a:pPr/>
-              <a:t>16</a:t>
+              <a:t>20</a:t>
             </a:fld>
             <a:endParaRPr lang="en-US"/>
           </a:p>
@@ -5963,10 +7655,6 @@
                 </a:solidFill>
               </a:rPr>
             </a:br>
-            <a:r>
-              <a:rPr lang="en-US" sz="1800"/>
-              <a:t/>
-            </a:r>
             <a:br>
               <a:rPr lang="en-US" sz="1800"/>
             </a:br>
@@ -6023,10 +7711,6 @@
             <a:br>
               <a:rPr lang="en-US" sz="1800"/>
             </a:br>
-            <a:r>
-              <a:rPr lang="en-US" sz="1800"/>
-              <a:t/>
-            </a:r>
             <a:br>
               <a:rPr lang="en-US" sz="1800"/>
             </a:br>
@@ -6041,10 +7725,6 @@
             <a:br>
               <a:rPr lang="en-US" sz="1600"/>
             </a:br>
-            <a:r>
-              <a:rPr lang="en-US" sz="1600"/>
-              <a:t/>
-            </a:r>
             <a:br>
               <a:rPr lang="en-US" sz="1600"/>
             </a:br>
@@ -6103,10 +7783,6 @@
             <a:r>
               <a:rPr lang="en-US" sz="1600" baseline="-25000"/>
               <a:t>1</a:t>
-            </a:r>
-            <a:r>
-              <a:rPr lang="en-US" sz="1600"/>
-              <a:t/>
             </a:r>
             <a:br>
               <a:rPr lang="en-US" sz="1600"/>
@@ -6349,10 +8025,6 @@
               </a:rPr>
               <a:t>// statement</a:t>
             </a:r>
-            <a:r>
-              <a:rPr lang="en-US" sz="1600"/>
-              <a:t/>
-            </a:r>
             <a:br>
               <a:rPr lang="en-US" sz="1600"/>
             </a:br>
@@ -6523,17 +8195,10 @@
   <p:clrMapOvr>
     <a:masterClrMapping/>
   </p:clrMapOvr>
-  <p:timing>
-    <p:tnLst>
-      <p:par>
-        <p:cTn id="1" dur="indefinite" restart="never" nodeType="tmRoot"/>
-      </p:par>
-    </p:tnLst>
-  </p:timing>
 </p:sld>
 </file>
 
-<file path=ppt/slides/slide17.xml><?xml version="1.0" encoding="utf-8"?>
+<file path=ppt/slides/slide21.xml><?xml version="1.0" encoding="utf-8"?>
 <p:sld xmlns:a="http://schemas.openxmlformats.org/drawingml/2006/main" xmlns:r="http://schemas.openxmlformats.org/officeDocument/2006/relationships" xmlns:p="http://schemas.openxmlformats.org/presentationml/2006/main">
   <p:cSld>
     <p:spTree>
@@ -6576,7 +8241,7 @@
             <a:fld id="{85027976-DE01-4A20-ADD1-1D286957E000}" type="slidenum">
               <a:rPr lang="en-US"/>
               <a:pPr/>
-              <a:t>17</a:t>
+              <a:t>21</a:t>
             </a:fld>
             <a:endParaRPr lang="en-US"/>
           </a:p>
@@ -6662,17 +8327,9 @@
               <a:buFontTx/>
               <a:buNone/>
             </a:pPr>
-            <a:r>
-              <a:rPr lang="en-US" sz="1800"/>
-              <a:t/>
-            </a:r>
             <a:br>
               <a:rPr lang="en-US" sz="1800"/>
             </a:br>
-            <a:r>
-              <a:rPr lang="en-US" sz="1800"/>
-              <a:t/>
-            </a:r>
             <a:br>
               <a:rPr lang="en-US" sz="1800"/>
             </a:br>
@@ -6709,10 +8366,6 @@
             <a:br>
               <a:rPr lang="en-US" sz="1600"/>
             </a:br>
-            <a:r>
-              <a:rPr lang="en-US" sz="1600"/>
-              <a:t/>
-            </a:r>
             <a:br>
               <a:rPr lang="en-US" sz="1600"/>
             </a:br>
@@ -6755,10 +8408,6 @@
               <a:buFontTx/>
               <a:buNone/>
             </a:pPr>
-            <a:r>
-              <a:rPr lang="en-US" sz="1600"/>
-              <a:t/>
-            </a:r>
             <a:br>
               <a:rPr lang="en-US" sz="1600"/>
             </a:br>
@@ -6897,10 +8546,6 @@
             <a:br>
               <a:rPr lang="en-US" sz="1600"/>
             </a:br>
-            <a:r>
-              <a:rPr lang="en-US" sz="1600"/>
-              <a:t/>
-            </a:r>
             <a:br>
               <a:rPr lang="en-US" sz="1600"/>
             </a:br>
@@ -7056,17 +8701,10 @@
   <p:clrMapOvr>
     <a:masterClrMapping/>
   </p:clrMapOvr>
-  <p:timing>
-    <p:tnLst>
-      <p:par>
-        <p:cTn id="1" dur="indefinite" restart="never" nodeType="tmRoot"/>
-      </p:par>
-    </p:tnLst>
-  </p:timing>
 </p:sld>
 </file>
 
-<file path=ppt/slides/slide18.xml><?xml version="1.0" encoding="utf-8"?>
+<file path=ppt/slides/slide22.xml><?xml version="1.0" encoding="utf-8"?>
 <p:sld xmlns:a="http://schemas.openxmlformats.org/drawingml/2006/main" xmlns:r="http://schemas.openxmlformats.org/officeDocument/2006/relationships" xmlns:p="http://schemas.openxmlformats.org/presentationml/2006/main">
   <p:cSld>
     <p:spTree>
@@ -7109,7 +8747,7 @@
             <a:fld id="{4B3D5422-8DBC-433C-8DF3-2D5B4D20CBC7}" type="slidenum">
               <a:rPr lang="en-US"/>
               <a:pPr/>
-              <a:t>18</a:t>
+              <a:t>22</a:t>
             </a:fld>
             <a:endParaRPr lang="en-US"/>
           </a:p>
@@ -7168,7 +8806,7 @@
               <a:buNone/>
             </a:pPr>
             <a:r>
-              <a:rPr lang="en-US" sz="1800">
+              <a:rPr lang="en-US" sz="1800" dirty="0">
                 <a:solidFill>
                   <a:srgbClr val="CC0000"/>
                 </a:solidFill>
@@ -7176,99 +8814,103 @@
               <a:t>Scala </a:t>
             </a:r>
             <a:r>
-              <a:rPr lang="en-US" sz="1800">
+              <a:rPr lang="en-US" sz="1800" dirty="0">
                 <a:solidFill>
                   <a:schemeClr val="accent2"/>
                 </a:solidFill>
               </a:rPr>
               <a:t>Trait</a:t>
             </a:r>
-            <a:r>
-              <a:rPr lang="en-US" sz="1800"/>
-              <a:t/>
-            </a:r>
             <a:br>
-              <a:rPr lang="en-US" sz="1800"/>
+              <a:rPr lang="en-US" sz="1800" dirty="0"/>
             </a:br>
-            <a:r>
-              <a:rPr lang="en-US" sz="1800"/>
-              <a:t/>
-            </a:r>
             <a:br>
-              <a:rPr lang="en-US" sz="1800"/>
+              <a:rPr lang="en-US" sz="1800" dirty="0"/>
             </a:br>
             <a:r>
-              <a:rPr lang="en-US" sz="1600" b="1"/>
+              <a:rPr lang="en-US" sz="1600" b="1" dirty="0" err="1"/>
               <a:t>trait</a:t>
             </a:r>
             <a:r>
-              <a:rPr lang="en-US" sz="1600"/>
+              <a:rPr lang="en-US" sz="1600" dirty="0"/>
               <a:t> T {</a:t>
             </a:r>
             <a:br>
-              <a:rPr lang="en-US" sz="1600"/>
+              <a:rPr lang="en-US" sz="1600" dirty="0"/>
             </a:br>
             <a:r>
-              <a:rPr lang="en-US" sz="1600"/>
+              <a:rPr lang="en-US" sz="1600" dirty="0"/>
               <a:t>    </a:t>
             </a:r>
             <a:r>
-              <a:rPr lang="en-US" sz="1600" b="1"/>
+              <a:rPr lang="en-US" sz="1600" b="1" dirty="0"/>
               <a:t>def</a:t>
             </a:r>
             <a:r>
-              <a:rPr lang="en-US" sz="1600"/>
-              <a:t> abstractMeth(x: String): String</a:t>
+              <a:rPr lang="en-US" sz="1600" dirty="0"/>
+              <a:t> </a:t>
+            </a:r>
+            <a:r>
+              <a:rPr lang="en-US" sz="1600" dirty="0" err="1"/>
+              <a:t>abstractMeth</a:t>
+            </a:r>
+            <a:r>
+              <a:rPr lang="en-US" sz="1600" dirty="0"/>
+              <a:t>(x: String): String</a:t>
             </a:r>
             <a:br>
-              <a:rPr lang="en-US" sz="1600"/>
+              <a:rPr lang="en-US" sz="1600" dirty="0"/>
             </a:br>
-            <a:r>
-              <a:rPr lang="en-US" sz="1600"/>
-              <a:t/>
-            </a:r>
             <a:br>
-              <a:rPr lang="en-US" sz="1600"/>
+              <a:rPr lang="en-US" sz="1600" dirty="0"/>
             </a:br>
             <a:r>
-              <a:rPr lang="en-US" sz="1600"/>
+              <a:rPr lang="en-US" sz="1600" dirty="0"/>
               <a:t>    </a:t>
             </a:r>
             <a:r>
-              <a:rPr lang="en-US" sz="1600" b="1"/>
+              <a:rPr lang="en-US" sz="1600" b="1" dirty="0"/>
               <a:t>def</a:t>
             </a:r>
             <a:r>
-              <a:rPr lang="en-US" sz="1600"/>
-              <a:t> concreteMeth(x: String) = </a:t>
+              <a:rPr lang="en-US" sz="1600" dirty="0"/>
+              <a:t> </a:t>
+            </a:r>
+            <a:r>
+              <a:rPr lang="en-US" sz="1600" dirty="0" err="1"/>
+              <a:t>concreteMeth</a:t>
+            </a:r>
+            <a:r>
+              <a:rPr lang="en-US" sz="1600" dirty="0"/>
+              <a:t>(x: String) = </a:t>
             </a:r>
             <a:br>
-              <a:rPr lang="en-US" sz="1600"/>
+              <a:rPr lang="en-US" sz="1600" dirty="0"/>
             </a:br>
             <a:r>
-              <a:rPr lang="en-US" sz="1600"/>
-              <a:t>        x+field</a:t>
+              <a:rPr lang="en-US" sz="1600" dirty="0"/>
+              <a:t>        </a:t>
+            </a:r>
+            <a:r>
+              <a:rPr lang="en-US" sz="1600" dirty="0" err="1"/>
+              <a:t>x+field</a:t>
             </a:r>
             <a:br>
-              <a:rPr lang="en-US" sz="1600"/>
+              <a:rPr lang="en-US" sz="1600" dirty="0"/>
             </a:br>
-            <a:r>
-              <a:rPr lang="en-US" sz="1600"/>
-              <a:t/>
-            </a:r>
             <a:br>
-              <a:rPr lang="en-US" sz="1600"/>
+              <a:rPr lang="en-US" sz="1600" dirty="0"/>
             </a:br>
             <a:r>
-              <a:rPr lang="en-US" sz="1600"/>
+              <a:rPr lang="en-US" sz="1600" dirty="0"/>
               <a:t>    </a:t>
             </a:r>
             <a:r>
-              <a:rPr lang="en-US" sz="1600" b="1"/>
+              <a:rPr lang="en-US" sz="1600" b="1" dirty="0" err="1"/>
               <a:t>var</a:t>
             </a:r>
             <a:r>
-              <a:rPr lang="en-US" sz="1600"/>
+              <a:rPr lang="en-US" sz="1600" dirty="0"/>
               <a:t> field = “!”</a:t>
             </a:r>
           </a:p>
@@ -7278,13 +8920,13 @@
               <a:buNone/>
             </a:pPr>
             <a:r>
-              <a:rPr lang="en-US" sz="1600"/>
+              <a:rPr lang="en-US" sz="1600" dirty="0"/>
               <a:t>	}</a:t>
             </a:r>
             <a:br>
-              <a:rPr lang="en-US" sz="1600"/>
+              <a:rPr lang="en-US" sz="1600" dirty="0"/>
             </a:br>
-            <a:endParaRPr lang="en-US" sz="1600"/>
+            <a:endParaRPr lang="en-US" sz="1600" dirty="0"/>
           </a:p>
           <a:p>
             <a:pPr>
@@ -7292,7 +8934,7 @@
               <a:buNone/>
             </a:pPr>
             <a:r>
-              <a:rPr lang="en-US" sz="1800">
+              <a:rPr lang="en-US" sz="1800" dirty="0">
                 <a:solidFill>
                   <a:srgbClr val="CC0000"/>
                 </a:solidFill>
@@ -7300,12 +8942,20 @@
               <a:t>Scala </a:t>
             </a:r>
             <a:r>
-              <a:rPr lang="en-US" sz="1800">
+              <a:rPr lang="en-US" sz="1800" dirty="0" err="1">
                 <a:solidFill>
                   <a:schemeClr val="accent2"/>
                 </a:solidFill>
               </a:rPr>
-              <a:t>mixin composition:</a:t>
+              <a:t>mixin</a:t>
+            </a:r>
+            <a:r>
+              <a:rPr lang="en-US" sz="1800" dirty="0">
+                <a:solidFill>
+                  <a:schemeClr val="accent2"/>
+                </a:solidFill>
+              </a:rPr>
+              <a:t> composition:</a:t>
             </a:r>
           </a:p>
           <a:p>
@@ -7314,34 +8964,34 @@
               <a:buNone/>
             </a:pPr>
             <a:r>
-              <a:rPr lang="en-US" sz="1600"/>
+              <a:rPr lang="en-US" sz="1600" dirty="0"/>
               <a:t>	</a:t>
             </a:r>
             <a:br>
-              <a:rPr lang="en-US" sz="1600"/>
+              <a:rPr lang="en-US" sz="1600" dirty="0"/>
             </a:br>
             <a:r>
-              <a:rPr lang="en-US" sz="1600" b="1"/>
+              <a:rPr lang="en-US" sz="1600" b="1" dirty="0"/>
               <a:t>class</a:t>
             </a:r>
             <a:r>
-              <a:rPr lang="en-US" sz="1600"/>
+              <a:rPr lang="en-US" sz="1600" dirty="0"/>
               <a:t> C </a:t>
             </a:r>
             <a:r>
-              <a:rPr lang="en-US" sz="1600" b="1"/>
+              <a:rPr lang="en-US" sz="1600" b="1" dirty="0"/>
               <a:t>extends</a:t>
             </a:r>
             <a:r>
-              <a:rPr lang="en-US" sz="1600"/>
+              <a:rPr lang="en-US" sz="1600" dirty="0"/>
               <a:t> Super </a:t>
             </a:r>
             <a:r>
-              <a:rPr lang="en-US" sz="1600" b="1"/>
+              <a:rPr lang="en-US" sz="1600" b="1" dirty="0"/>
               <a:t>with</a:t>
             </a:r>
             <a:r>
-              <a:rPr lang="en-US" sz="1600"/>
+              <a:rPr lang="en-US" sz="1600" dirty="0"/>
               <a:t> T    </a:t>
             </a:r>
           </a:p>
@@ -7424,10 +9074,6 @@
             <a:br>
               <a:rPr lang="en-US" sz="1600"/>
             </a:br>
-            <a:r>
-              <a:rPr lang="en-US" sz="1600"/>
-              <a:t/>
-            </a:r>
             <a:br>
               <a:rPr lang="en-US" sz="1600"/>
             </a:br>
@@ -7450,17 +9096,9 @@
                 </a:solidFill>
               </a:rPr>
             </a:br>
-            <a:r>
-              <a:rPr lang="en-US" sz="1600"/>
-              <a:t/>
-            </a:r>
             <a:br>
               <a:rPr lang="en-US" sz="1600"/>
             </a:br>
-            <a:r>
-              <a:rPr lang="en-US" sz="1600"/>
-              <a:t/>
-            </a:r>
             <a:br>
               <a:rPr lang="en-US" sz="1600"/>
             </a:br>
@@ -7551,1063 +9189,6 @@
               <a:rPr lang="en-US" sz="1600"/>
               <a:t> T</a:t>
             </a:r>
-          </a:p>
-        </p:txBody>
-      </p:sp>
-    </p:spTree>
-  </p:cSld>
-  <p:clrMapOvr>
-    <a:masterClrMapping/>
-  </p:clrMapOvr>
-  <p:timing>
-    <p:tnLst>
-      <p:par>
-        <p:cTn id="1" dur="indefinite" restart="never" nodeType="tmRoot"/>
-      </p:par>
-    </p:tnLst>
-  </p:timing>
-</p:sld>
-</file>
-
-<file path=ppt/slides/slide19.xml><?xml version="1.0" encoding="utf-8"?>
-<p:sld xmlns:a="http://schemas.openxmlformats.org/drawingml/2006/main" xmlns:r="http://schemas.openxmlformats.org/officeDocument/2006/relationships" xmlns:p="http://schemas.openxmlformats.org/presentationml/2006/main">
-  <p:cSld>
-    <p:spTree>
-      <p:nvGrpSpPr>
-        <p:cNvPr id="1" name=""/>
-        <p:cNvGrpSpPr/>
-        <p:nvPr/>
-      </p:nvGrpSpPr>
-      <p:grpSpPr>
-        <a:xfrm>
-          <a:off x="0" y="0"/>
-          <a:ext cx="0" cy="0"/>
-          <a:chOff x="0" y="0"/>
-          <a:chExt cx="0" cy="0"/>
-        </a:xfrm>
-      </p:grpSpPr>
-      <p:sp>
-        <p:nvSpPr>
-          <p:cNvPr id="2" name="Title 1">
-            <a:extLst>
-              <a:ext uri="{FF2B5EF4-FFF2-40B4-BE49-F238E27FC236}">
-                <a16:creationId xmlns:a16="http://schemas.microsoft.com/office/drawing/2014/main" xmlns="" id="{9FCDC1D9-86AA-40F3-A7E8-8E28093920AC}"/>
-              </a:ext>
-            </a:extLst>
-          </p:cNvPr>
-          <p:cNvSpPr>
-            <a:spLocks noGrp="1"/>
-          </p:cNvSpPr>
-          <p:nvPr>
-            <p:ph type="title"/>
-          </p:nvPr>
-        </p:nvSpPr>
-        <p:spPr/>
-        <p:txBody>
-          <a:bodyPr/>
-          <a:lstStyle/>
-          <a:p>
-            <a:r>
-              <a:rPr lang="en-US" sz="3300" dirty="0"/>
-              <a:t>SBT</a:t>
-            </a:r>
-          </a:p>
-        </p:txBody>
-      </p:sp>
-      <p:sp>
-        <p:nvSpPr>
-          <p:cNvPr id="3" name="Content Placeholder 2">
-            <a:extLst>
-              <a:ext uri="{FF2B5EF4-FFF2-40B4-BE49-F238E27FC236}">
-                <a16:creationId xmlns:a16="http://schemas.microsoft.com/office/drawing/2014/main" xmlns="" id="{4402E8F6-E378-4A26-A39B-8CD0FFDC4066}"/>
-              </a:ext>
-            </a:extLst>
-          </p:cNvPr>
-          <p:cNvSpPr>
-            <a:spLocks noGrp="1"/>
-          </p:cNvSpPr>
-          <p:nvPr>
-            <p:ph idx="1"/>
-          </p:nvPr>
-        </p:nvSpPr>
-        <p:spPr>
-          <a:xfrm>
-            <a:off x="685800" y="1290256"/>
-            <a:ext cx="7772400" cy="4222493"/>
-          </a:xfrm>
-        </p:spPr>
-        <p:txBody>
-          <a:bodyPr/>
-          <a:lstStyle/>
-          <a:p>
-            <a:pPr lvl="0"/>
-            <a:r>
-              <a:rPr lang="en-US" sz="1800" dirty="0" smtClean="0">
-                <a:hlinkClick r:id="rId2" tooltip="Recursion  // sum n + (n-1) + (n-2) + ... + 0  def sum(n: I..."/>
-              </a:rPr>
-              <a:t>12. </a:t>
-            </a:r>
-            <a:r>
-              <a:rPr lang="en-US" sz="1800" dirty="0" smtClean="0"/>
-              <a:t>Recursion // sum n + (n-1) + (n-2) + ... + 0 def sum(n: </a:t>
-            </a:r>
-            <a:r>
-              <a:rPr lang="en-US" sz="1800" dirty="0" err="1" smtClean="0"/>
-              <a:t>Int</a:t>
-            </a:r>
-            <a:r>
-              <a:rPr lang="en-US" sz="1800" dirty="0" smtClean="0"/>
-              <a:t>): </a:t>
-            </a:r>
-            <a:r>
-              <a:rPr lang="en-US" sz="1800" dirty="0" err="1" smtClean="0"/>
-              <a:t>Int</a:t>
-            </a:r>
-            <a:r>
-              <a:rPr lang="en-US" sz="1800" dirty="0" smtClean="0"/>
-              <a:t> = if (n == 0) 0 else n + sum(n - 1) </a:t>
-            </a:r>
-            <a:r>
-              <a:rPr lang="en-US" sz="1800" dirty="0" err="1" smtClean="0"/>
-              <a:t>val</a:t>
-            </a:r>
-            <a:r>
-              <a:rPr lang="en-US" sz="1800" dirty="0" smtClean="0"/>
-              <a:t> m = sum(10) </a:t>
-            </a:r>
-            <a:r>
-              <a:rPr lang="en-US" sz="1800" dirty="0" err="1" smtClean="0"/>
-              <a:t>println</a:t>
-            </a:r>
-            <a:r>
-              <a:rPr lang="en-US" sz="1800" dirty="0" smtClean="0"/>
-              <a:t>(m) Try calling the function ”sum” with a large number (say 10000) as parameter! You get a stack </a:t>
-            </a:r>
-            <a:r>
-              <a:rPr lang="en-US" sz="1800" dirty="0" err="1" smtClean="0"/>
-              <a:t>overﬂow</a:t>
-            </a:r>
-            <a:r>
-              <a:rPr lang="en-US" sz="1800" dirty="0" smtClean="0"/>
-              <a:t>! </a:t>
-            </a:r>
-            <a:r>
-              <a:rPr lang="en-US" sz="1800" dirty="0" err="1" smtClean="0"/>
-              <a:t>Pramode</a:t>
-            </a:r>
-            <a:r>
-              <a:rPr lang="en-US" sz="1800" dirty="0" smtClean="0"/>
-              <a:t> C.E Introduction to Functional Programming with </a:t>
-            </a:r>
-            <a:r>
-              <a:rPr lang="en-US" sz="1800" dirty="0" err="1" smtClean="0"/>
-              <a:t>Scala</a:t>
-            </a:r>
-            <a:endParaRPr lang="en-US" sz="1800" dirty="0" smtClean="0"/>
-          </a:p>
-        </p:txBody>
-      </p:sp>
-      <p:sp>
-        <p:nvSpPr>
-          <p:cNvPr id="4" name="Slide Number Placeholder 3">
-            <a:extLst>
-              <a:ext uri="{FF2B5EF4-FFF2-40B4-BE49-F238E27FC236}">
-                <a16:creationId xmlns:a16="http://schemas.microsoft.com/office/drawing/2014/main" xmlns="" id="{381B8578-EA4D-4EC6-8640-0B05E0D78C80}"/>
-              </a:ext>
-            </a:extLst>
-          </p:cNvPr>
-          <p:cNvSpPr>
-            <a:spLocks noGrp="1"/>
-          </p:cNvSpPr>
-          <p:nvPr>
-            <p:ph type="sldNum" sz="quarter" idx="10"/>
-          </p:nvPr>
-        </p:nvSpPr>
-        <p:spPr/>
-        <p:txBody>
-          <a:bodyPr/>
-          <a:lstStyle/>
-          <a:p>
-            <a:pPr>
-              <a:defRPr/>
-            </a:pPr>
-            <a:fld id="{02078D67-9971-4597-979D-CABA3043A3A5}" type="slidenum">
-              <a:rPr lang="en-US" smtClean="0"/>
-              <a:pPr>
-                <a:defRPr/>
-              </a:pPr>
-              <a:t>19</a:t>
-            </a:fld>
-            <a:endParaRPr lang="en-US" dirty="0"/>
-          </a:p>
-        </p:txBody>
-      </p:sp>
-    </p:spTree>
-    <p:extLst>
-      <p:ext uri="{BB962C8B-B14F-4D97-AF65-F5344CB8AC3E}">
-        <p14:creationId xmlns:p14="http://schemas.microsoft.com/office/powerpoint/2010/main" xmlns="" val="961643616"/>
-      </p:ext>
-    </p:extLst>
-  </p:cSld>
-  <p:clrMapOvr>
-    <a:masterClrMapping/>
-  </p:clrMapOvr>
-  <p:timing>
-    <p:tnLst>
-      <p:par>
-        <p:cTn id="1" dur="indefinite" restart="never" nodeType="tmRoot"/>
-      </p:par>
-    </p:tnLst>
-  </p:timing>
-</p:sld>
-</file>
-
-<file path=ppt/slides/slide2.xml><?xml version="1.0" encoding="utf-8"?>
-<p:sld xmlns:a="http://schemas.openxmlformats.org/drawingml/2006/main" xmlns:r="http://schemas.openxmlformats.org/officeDocument/2006/relationships" xmlns:p="http://schemas.openxmlformats.org/presentationml/2006/main">
-  <p:cSld>
-    <p:spTree>
-      <p:nvGrpSpPr>
-        <p:cNvPr id="1" name=""/>
-        <p:cNvGrpSpPr/>
-        <p:nvPr/>
-      </p:nvGrpSpPr>
-      <p:grpSpPr>
-        <a:xfrm>
-          <a:off x="0" y="0"/>
-          <a:ext cx="0" cy="0"/>
-          <a:chOff x="0" y="0"/>
-          <a:chExt cx="0" cy="0"/>
-        </a:xfrm>
-      </p:grpSpPr>
-      <p:sp>
-        <p:nvSpPr>
-          <p:cNvPr id="2" name="Title 1">
-            <a:extLst>
-              <a:ext uri="{FF2B5EF4-FFF2-40B4-BE49-F238E27FC236}">
-                <a16:creationId xmlns:a16="http://schemas.microsoft.com/office/drawing/2014/main" xmlns="" id="{9FCDC1D9-86AA-40F3-A7E8-8E28093920AC}"/>
-              </a:ext>
-            </a:extLst>
-          </p:cNvPr>
-          <p:cNvSpPr>
-            <a:spLocks noGrp="1"/>
-          </p:cNvSpPr>
-          <p:nvPr>
-            <p:ph type="title"/>
-          </p:nvPr>
-        </p:nvSpPr>
-        <p:spPr>
-          <a:xfrm>
-            <a:off x="685800" y="309563"/>
-            <a:ext cx="7772400" cy="1143000"/>
-          </a:xfrm>
-        </p:spPr>
-        <p:txBody>
-          <a:bodyPr/>
-          <a:lstStyle/>
-          <a:p>
-            <a:r>
-              <a:rPr lang="en-US" dirty="0"/>
-              <a:t> </a:t>
-            </a:r>
-            <a:r>
-              <a:rPr lang="en-US" sz="3300" dirty="0"/>
-              <a:t>Agenda</a:t>
-            </a:r>
-          </a:p>
-        </p:txBody>
-      </p:sp>
-      <p:sp>
-        <p:nvSpPr>
-          <p:cNvPr id="3" name="Content Placeholder 2">
-            <a:extLst>
-              <a:ext uri="{FF2B5EF4-FFF2-40B4-BE49-F238E27FC236}">
-                <a16:creationId xmlns:a16="http://schemas.microsoft.com/office/drawing/2014/main" xmlns="" id="{4402E8F6-E378-4A26-A39B-8CD0FFDC4066}"/>
-              </a:ext>
-            </a:extLst>
-          </p:cNvPr>
-          <p:cNvSpPr>
-            <a:spLocks noGrp="1"/>
-          </p:cNvSpPr>
-          <p:nvPr>
-            <p:ph idx="1"/>
-          </p:nvPr>
-        </p:nvSpPr>
-        <p:spPr>
-          <a:xfrm>
-            <a:off x="685800" y="1533975"/>
-            <a:ext cx="7772400" cy="3313330"/>
-          </a:xfrm>
-        </p:spPr>
-        <p:txBody>
-          <a:bodyPr/>
-          <a:lstStyle/>
-          <a:p>
-            <a:pPr lvl="0">
-              <a:buFont typeface="Courier New" panose="02070309020205020404" pitchFamily="49" charset="0"/>
-              <a:buChar char="o"/>
-            </a:pPr>
-            <a:r>
-              <a:rPr lang="en-IN" sz="1400" dirty="0">
-                <a:latin typeface="Bookman Old Style" panose="02050604050505020204" pitchFamily="18" charset="0"/>
-              </a:rPr>
-              <a:t>Scala Setup </a:t>
-            </a:r>
-          </a:p>
-          <a:p>
-            <a:pPr marL="342900" lvl="0" indent="-342900">
-              <a:buAutoNum type="alphaLcPeriod"/>
-            </a:pPr>
-            <a:r>
-              <a:rPr lang="en-IN" sz="1400" dirty="0">
-                <a:latin typeface="Bookman Old Style" panose="02050604050505020204" pitchFamily="18" charset="0"/>
-              </a:rPr>
-              <a:t>Eclipse Plugin</a:t>
-            </a:r>
-          </a:p>
-          <a:p>
-            <a:pPr marL="342900" lvl="0" indent="-342900">
-              <a:buAutoNum type="alphaLcPeriod"/>
-            </a:pPr>
-            <a:r>
-              <a:rPr lang="en-IN" sz="1400" dirty="0">
-                <a:latin typeface="Bookman Old Style" panose="02050604050505020204" pitchFamily="18" charset="0"/>
-              </a:rPr>
-              <a:t>Command Line</a:t>
-            </a:r>
-          </a:p>
-          <a:p>
-            <a:pPr marL="342900" lvl="0" indent="-342900">
-              <a:buAutoNum type="alphaLcPeriod"/>
-            </a:pPr>
-            <a:r>
-              <a:rPr lang="en-IN" sz="1400" dirty="0">
-                <a:latin typeface="Bookman Old Style" panose="02050604050505020204" pitchFamily="18" charset="0"/>
-              </a:rPr>
-              <a:t>SBT</a:t>
-            </a:r>
-          </a:p>
-          <a:p>
-            <a:pPr>
-              <a:buFont typeface="Courier New" panose="02070309020205020404" pitchFamily="49" charset="0"/>
-              <a:buChar char="o"/>
-            </a:pPr>
-            <a:r>
-              <a:rPr lang="en-IN" sz="1400" dirty="0">
-                <a:latin typeface="Bookman Old Style" panose="02050604050505020204" pitchFamily="18" charset="0"/>
-              </a:rPr>
-              <a:t>Scala Classes and Objects</a:t>
-            </a:r>
-          </a:p>
-          <a:p>
-            <a:pPr>
-              <a:buFont typeface="Courier New" panose="02070309020205020404" pitchFamily="49" charset="0"/>
-              <a:buChar char="o"/>
-            </a:pPr>
-            <a:r>
-              <a:rPr lang="en-IN" sz="1400" dirty="0">
-                <a:latin typeface="Bookman Old Style" panose="02050604050505020204" pitchFamily="18" charset="0"/>
-              </a:rPr>
-              <a:t>Inheritance and Its Implementation in Scala</a:t>
-            </a:r>
-          </a:p>
-          <a:p>
-            <a:pPr>
-              <a:buFont typeface="Courier New" panose="02070309020205020404" pitchFamily="49" charset="0"/>
-              <a:buChar char="o"/>
-            </a:pPr>
-            <a:r>
-              <a:rPr lang="en-IN" sz="1400" dirty="0">
-                <a:latin typeface="Bookman Old Style" panose="02050604050505020204" pitchFamily="18" charset="0"/>
-              </a:rPr>
-              <a:t>Traits</a:t>
-            </a:r>
-          </a:p>
-          <a:p>
-            <a:pPr>
-              <a:buFont typeface="Courier New" panose="02070309020205020404" pitchFamily="49" charset="0"/>
-              <a:buChar char="o"/>
-            </a:pPr>
-            <a:r>
-              <a:rPr lang="en-IN" sz="1400" dirty="0">
-                <a:latin typeface="Bookman Old Style" panose="02050604050505020204" pitchFamily="18" charset="0"/>
-              </a:rPr>
-              <a:t>Scala Type Hierarchy </a:t>
-            </a:r>
-          </a:p>
-          <a:p>
-            <a:pPr marL="0" lvl="0" indent="0">
-              <a:buNone/>
-            </a:pPr>
-            <a:endParaRPr lang="en-IN" sz="1400" dirty="0">
-              <a:latin typeface="Bookman Old Style" panose="02050604050505020204" pitchFamily="18" charset="0"/>
-            </a:endParaRPr>
-          </a:p>
-          <a:p>
-            <a:pPr marL="0" lvl="0" indent="0">
-              <a:buNone/>
-            </a:pPr>
-            <a:endParaRPr lang="en-IN" sz="1400" dirty="0">
-              <a:latin typeface="Bookman Old Style" panose="02050604050505020204" pitchFamily="18" charset="0"/>
-            </a:endParaRPr>
-          </a:p>
-          <a:p>
-            <a:pPr lvl="0">
-              <a:buFont typeface="Courier New" panose="02070309020205020404" pitchFamily="49" charset="0"/>
-              <a:buChar char="o"/>
-            </a:pPr>
-            <a:endParaRPr lang="en-IN" sz="1400" dirty="0">
-              <a:latin typeface="Bookman Old Style" panose="02050604050505020204" pitchFamily="18" charset="0"/>
-            </a:endParaRPr>
-          </a:p>
-        </p:txBody>
-      </p:sp>
-      <p:sp>
-        <p:nvSpPr>
-          <p:cNvPr id="4" name="Slide Number Placeholder 3">
-            <a:extLst>
-              <a:ext uri="{FF2B5EF4-FFF2-40B4-BE49-F238E27FC236}">
-                <a16:creationId xmlns:a16="http://schemas.microsoft.com/office/drawing/2014/main" xmlns="" id="{381B8578-EA4D-4EC6-8640-0B05E0D78C80}"/>
-              </a:ext>
-            </a:extLst>
-          </p:cNvPr>
-          <p:cNvSpPr>
-            <a:spLocks noGrp="1"/>
-          </p:cNvSpPr>
-          <p:nvPr>
-            <p:ph type="sldNum" sz="quarter" idx="10"/>
-          </p:nvPr>
-        </p:nvSpPr>
-        <p:spPr/>
-        <p:txBody>
-          <a:bodyPr/>
-          <a:lstStyle/>
-          <a:p>
-            <a:pPr>
-              <a:defRPr/>
-            </a:pPr>
-            <a:fld id="{02078D67-9971-4597-979D-CABA3043A3A5}" type="slidenum">
-              <a:rPr lang="en-US" smtClean="0"/>
-              <a:pPr>
-                <a:defRPr/>
-              </a:pPr>
-              <a:t>2</a:t>
-            </a:fld>
-            <a:endParaRPr lang="en-US" dirty="0"/>
-          </a:p>
-        </p:txBody>
-      </p:sp>
-    </p:spTree>
-    <p:extLst>
-      <p:ext uri="{BB962C8B-B14F-4D97-AF65-F5344CB8AC3E}">
-        <p14:creationId xmlns:p14="http://schemas.microsoft.com/office/powerpoint/2010/main" xmlns="" val="613136588"/>
-      </p:ext>
-    </p:extLst>
-  </p:cSld>
-  <p:clrMapOvr>
-    <a:masterClrMapping/>
-  </p:clrMapOvr>
-  <p:timing>
-    <p:tnLst>
-      <p:par>
-        <p:cTn id="1" dur="indefinite" restart="never" nodeType="tmRoot"/>
-      </p:par>
-    </p:tnLst>
-  </p:timing>
-</p:sld>
-</file>
-
-<file path=ppt/slides/slide20.xml><?xml version="1.0" encoding="utf-8"?>
-<p:sld xmlns:a="http://schemas.openxmlformats.org/drawingml/2006/main" xmlns:r="http://schemas.openxmlformats.org/officeDocument/2006/relationships" xmlns:p="http://schemas.openxmlformats.org/presentationml/2006/main">
-  <p:cSld>
-    <p:spTree>
-      <p:nvGrpSpPr>
-        <p:cNvPr id="1" name=""/>
-        <p:cNvGrpSpPr/>
-        <p:nvPr/>
-      </p:nvGrpSpPr>
-      <p:grpSpPr>
-        <a:xfrm>
-          <a:off x="0" y="0"/>
-          <a:ext cx="0" cy="0"/>
-          <a:chOff x="0" y="0"/>
-          <a:chExt cx="0" cy="0"/>
-        </a:xfrm>
-      </p:grpSpPr>
-      <p:sp>
-        <p:nvSpPr>
-          <p:cNvPr id="2" name="Title 1"/>
-          <p:cNvSpPr>
-            <a:spLocks noGrp="1"/>
-          </p:cNvSpPr>
-          <p:nvPr>
-            <p:ph type="title"/>
-          </p:nvPr>
-        </p:nvSpPr>
-        <p:spPr/>
-        <p:txBody>
-          <a:bodyPr/>
-          <a:lstStyle/>
-          <a:p>
-            <a:endParaRPr lang="en-US"/>
-          </a:p>
-        </p:txBody>
-      </p:sp>
-      <p:sp>
-        <p:nvSpPr>
-          <p:cNvPr id="3" name="Content Placeholder 2"/>
-          <p:cNvSpPr>
-            <a:spLocks noGrp="1"/>
-          </p:cNvSpPr>
-          <p:nvPr>
-            <p:ph idx="1"/>
-          </p:nvPr>
-        </p:nvSpPr>
-        <p:spPr/>
-        <p:txBody>
-          <a:bodyPr/>
-          <a:lstStyle/>
-          <a:p>
-            <a:pPr lvl="0"/>
-            <a:r>
-              <a:rPr lang="en-US" dirty="0" smtClean="0">
-                <a:hlinkClick r:id="rId2" tooltip="Tail Calls and TCO  def sum(n: Int, acc: Int):Int =    if(n..."/>
-              </a:rPr>
-              <a:t>13. </a:t>
-            </a:r>
-            <a:r>
-              <a:rPr lang="en-US" dirty="0" smtClean="0"/>
-              <a:t>Tail Calls and TCO def sum(n: </a:t>
-            </a:r>
-            <a:r>
-              <a:rPr lang="en-US" dirty="0" err="1" smtClean="0"/>
-              <a:t>Int</a:t>
-            </a:r>
-            <a:r>
-              <a:rPr lang="en-US" dirty="0" smtClean="0"/>
-              <a:t>, acc: </a:t>
-            </a:r>
-            <a:r>
-              <a:rPr lang="en-US" dirty="0" err="1" smtClean="0"/>
-              <a:t>Int</a:t>
-            </a:r>
-            <a:r>
-              <a:rPr lang="en-US" dirty="0" smtClean="0"/>
-              <a:t>):</a:t>
-            </a:r>
-            <a:r>
-              <a:rPr lang="en-US" dirty="0" err="1" smtClean="0"/>
-              <a:t>Int</a:t>
-            </a:r>
-            <a:r>
-              <a:rPr lang="en-US" dirty="0" smtClean="0"/>
-              <a:t> = if(n == 0) acc else sum(n - 1, acc + n) </a:t>
-            </a:r>
-            <a:r>
-              <a:rPr lang="en-US" dirty="0" err="1" smtClean="0"/>
-              <a:t>val</a:t>
-            </a:r>
-            <a:r>
-              <a:rPr lang="en-US" dirty="0" smtClean="0"/>
-              <a:t> r = sum(10000, 0) </a:t>
-            </a:r>
-            <a:r>
-              <a:rPr lang="en-US" dirty="0" err="1" smtClean="0"/>
-              <a:t>println</a:t>
-            </a:r>
-            <a:r>
-              <a:rPr lang="en-US" dirty="0" smtClean="0"/>
-              <a:t>(r) This is a ”tail-recursive” version of the previous function - the </a:t>
-            </a:r>
-            <a:r>
-              <a:rPr lang="en-US" dirty="0" err="1" smtClean="0"/>
-              <a:t>Scala</a:t>
-            </a:r>
-            <a:r>
-              <a:rPr lang="en-US" dirty="0" smtClean="0"/>
-              <a:t> compiler converts the tail call to a loop, thereby avoiding stack </a:t>
-            </a:r>
-            <a:r>
-              <a:rPr lang="en-US" dirty="0" err="1" smtClean="0"/>
-              <a:t>overﬂow</a:t>
-            </a:r>
-            <a:r>
-              <a:rPr lang="en-US" dirty="0" smtClean="0"/>
-              <a:t>! </a:t>
-            </a:r>
-            <a:r>
-              <a:rPr lang="en-US" dirty="0" err="1" smtClean="0"/>
-              <a:t>Pramode</a:t>
-            </a:r>
-            <a:r>
-              <a:rPr lang="en-US" dirty="0" smtClean="0"/>
-              <a:t> C.E Introduction to Functional Programming with </a:t>
-            </a:r>
-            <a:r>
-              <a:rPr lang="en-US" dirty="0" err="1" smtClean="0"/>
-              <a:t>Scala</a:t>
-            </a:r>
-            <a:endParaRPr lang="en-US" dirty="0" smtClean="0"/>
-          </a:p>
-          <a:p>
-            <a:pPr marL="0" indent="0">
-              <a:buNone/>
-            </a:pPr>
-            <a:endParaRPr lang="en-IN" dirty="0" smtClean="0"/>
-          </a:p>
-          <a:p>
-            <a:endParaRPr lang="en-US" dirty="0"/>
-          </a:p>
-        </p:txBody>
-      </p:sp>
-      <p:sp>
-        <p:nvSpPr>
-          <p:cNvPr id="4" name="Slide Number Placeholder 3"/>
-          <p:cNvSpPr>
-            <a:spLocks noGrp="1"/>
-          </p:cNvSpPr>
-          <p:nvPr>
-            <p:ph type="sldNum" sz="quarter" idx="10"/>
-          </p:nvPr>
-        </p:nvSpPr>
-        <p:spPr/>
-        <p:txBody>
-          <a:bodyPr/>
-          <a:lstStyle/>
-          <a:p>
-            <a:pPr>
-              <a:defRPr/>
-            </a:pPr>
-            <a:fld id="{02078D67-9971-4597-979D-CABA3043A3A5}" type="slidenum">
-              <a:rPr lang="en-US" smtClean="0"/>
-              <a:pPr>
-                <a:defRPr/>
-              </a:pPr>
-              <a:t>20</a:t>
-            </a:fld>
-            <a:endParaRPr lang="en-US" dirty="0"/>
-          </a:p>
-        </p:txBody>
-      </p:sp>
-    </p:spTree>
-  </p:cSld>
-  <p:clrMapOvr>
-    <a:masterClrMapping/>
-  </p:clrMapOvr>
-</p:sld>
-</file>
-
-<file path=ppt/slides/slide21.xml><?xml version="1.0" encoding="utf-8"?>
-<p:sld xmlns:a="http://schemas.openxmlformats.org/drawingml/2006/main" xmlns:r="http://schemas.openxmlformats.org/officeDocument/2006/relationships" xmlns:p="http://schemas.openxmlformats.org/presentationml/2006/main">
-  <p:cSld>
-    <p:spTree>
-      <p:nvGrpSpPr>
-        <p:cNvPr id="1" name=""/>
-        <p:cNvGrpSpPr/>
-        <p:nvPr/>
-      </p:nvGrpSpPr>
-      <p:grpSpPr>
-        <a:xfrm>
-          <a:off x="0" y="0"/>
-          <a:ext cx="0" cy="0"/>
-          <a:chOff x="0" y="0"/>
-          <a:chExt cx="0" cy="0"/>
-        </a:xfrm>
-      </p:grpSpPr>
-      <p:sp>
-        <p:nvSpPr>
-          <p:cNvPr id="2" name="Title 1"/>
-          <p:cNvSpPr>
-            <a:spLocks noGrp="1"/>
-          </p:cNvSpPr>
-          <p:nvPr>
-            <p:ph type="title"/>
-          </p:nvPr>
-        </p:nvSpPr>
-        <p:spPr/>
-        <p:txBody>
-          <a:bodyPr/>
-          <a:lstStyle/>
-          <a:p>
-            <a:endParaRPr lang="en-US"/>
-          </a:p>
-        </p:txBody>
-      </p:sp>
-      <p:sp>
-        <p:nvSpPr>
-          <p:cNvPr id="3" name="Content Placeholder 2"/>
-          <p:cNvSpPr>
-            <a:spLocks noGrp="1"/>
-          </p:cNvSpPr>
-          <p:nvPr>
-            <p:ph idx="1"/>
-          </p:nvPr>
-        </p:nvSpPr>
-        <p:spPr/>
-        <p:txBody>
-          <a:bodyPr/>
-          <a:lstStyle/>
-          <a:p>
-            <a:endParaRPr lang="en-US" dirty="0"/>
-          </a:p>
-        </p:txBody>
-      </p:sp>
-      <p:sp>
-        <p:nvSpPr>
-          <p:cNvPr id="4" name="Slide Number Placeholder 3"/>
-          <p:cNvSpPr>
-            <a:spLocks noGrp="1"/>
-          </p:cNvSpPr>
-          <p:nvPr>
-            <p:ph type="sldNum" sz="quarter" idx="10"/>
-          </p:nvPr>
-        </p:nvSpPr>
-        <p:spPr/>
-        <p:txBody>
-          <a:bodyPr/>
-          <a:lstStyle/>
-          <a:p>
-            <a:pPr>
-              <a:defRPr/>
-            </a:pPr>
-            <a:fld id="{02078D67-9971-4597-979D-CABA3043A3A5}" type="slidenum">
-              <a:rPr lang="en-US" smtClean="0"/>
-              <a:pPr>
-                <a:defRPr/>
-              </a:pPr>
-              <a:t>21</a:t>
-            </a:fld>
-            <a:endParaRPr lang="en-US" dirty="0"/>
-          </a:p>
-        </p:txBody>
-      </p:sp>
-      <p:sp>
-        <p:nvSpPr>
-          <p:cNvPr id="5" name="Oval 4"/>
-          <p:cNvSpPr/>
-          <p:nvPr/>
-        </p:nvSpPr>
-        <p:spPr>
-          <a:xfrm>
-            <a:off x="1763486" y="2769326"/>
-            <a:ext cx="2220685" cy="1267097"/>
-          </a:xfrm>
-          <a:prstGeom prst="ellipse">
-            <a:avLst/>
-          </a:prstGeom>
-        </p:spPr>
-        <p:style>
-          <a:lnRef idx="2">
-            <a:schemeClr val="accent1">
-              <a:shade val="50000"/>
-            </a:schemeClr>
-          </a:lnRef>
-          <a:fillRef idx="1">
-            <a:schemeClr val="accent1"/>
-          </a:fillRef>
-          <a:effectRef idx="0">
-            <a:schemeClr val="accent1"/>
-          </a:effectRef>
-          <a:fontRef idx="minor">
-            <a:schemeClr val="lt1"/>
-          </a:fontRef>
-        </p:style>
-        <p:txBody>
-          <a:bodyPr rtlCol="0" anchor="ctr"/>
-          <a:lstStyle/>
-          <a:p>
-            <a:pPr algn="ctr"/>
-            <a:r>
-              <a:rPr lang="en-US" dirty="0" err="1" smtClean="0"/>
-              <a:t>buyCofee</a:t>
-            </a:r>
-            <a:endParaRPr lang="en-US" dirty="0"/>
-          </a:p>
-        </p:txBody>
-      </p:sp>
-      <p:cxnSp>
-        <p:nvCxnSpPr>
-          <p:cNvPr id="7" name="Straight Arrow Connector 6"/>
-          <p:cNvCxnSpPr/>
-          <p:nvPr/>
-        </p:nvCxnSpPr>
-        <p:spPr>
-          <a:xfrm>
-            <a:off x="1763486" y="3004457"/>
-            <a:ext cx="914400" cy="914400"/>
-          </a:xfrm>
-          <a:prstGeom prst="straightConnector1">
-            <a:avLst/>
-          </a:prstGeom>
-          <a:ln>
-            <a:tailEnd type="arrow"/>
-          </a:ln>
-        </p:spPr>
-        <p:style>
-          <a:lnRef idx="1">
-            <a:schemeClr val="accent1"/>
-          </a:lnRef>
-          <a:fillRef idx="0">
-            <a:schemeClr val="accent1"/>
-          </a:fillRef>
-          <a:effectRef idx="0">
-            <a:schemeClr val="accent1"/>
-          </a:effectRef>
-          <a:fontRef idx="minor">
-            <a:schemeClr val="tx1"/>
-          </a:fontRef>
-        </p:style>
-      </p:cxnSp>
-      <p:cxnSp>
-        <p:nvCxnSpPr>
-          <p:cNvPr id="16" name="Elbow Connector 15"/>
-          <p:cNvCxnSpPr/>
-          <p:nvPr/>
-        </p:nvCxnSpPr>
-        <p:spPr>
-          <a:xfrm rot="16200000" flipH="1">
-            <a:off x="2005149" y="2318657"/>
-            <a:ext cx="457201" cy="444140"/>
-          </a:xfrm>
-          <a:prstGeom prst="bentConnector3">
-            <a:avLst>
-              <a:gd name="adj1" fmla="val 50000"/>
-            </a:avLst>
-          </a:prstGeom>
-          <a:ln>
-            <a:tailEnd type="arrow"/>
-          </a:ln>
-        </p:spPr>
-        <p:style>
-          <a:lnRef idx="1">
-            <a:schemeClr val="accent1"/>
-          </a:lnRef>
-          <a:fillRef idx="0">
-            <a:schemeClr val="accent1"/>
-          </a:fillRef>
-          <a:effectRef idx="0">
-            <a:schemeClr val="accent1"/>
-          </a:effectRef>
-          <a:fontRef idx="minor">
-            <a:schemeClr val="tx1"/>
-          </a:fontRef>
-        </p:style>
-      </p:cxnSp>
-      <p:cxnSp>
-        <p:nvCxnSpPr>
-          <p:cNvPr id="21" name="Elbow Connector 20"/>
-          <p:cNvCxnSpPr/>
-          <p:nvPr/>
-        </p:nvCxnSpPr>
-        <p:spPr>
-          <a:xfrm rot="5400000">
-            <a:off x="2965269" y="2168435"/>
-            <a:ext cx="914400" cy="287383"/>
-          </a:xfrm>
-          <a:prstGeom prst="bentConnector3">
-            <a:avLst>
-              <a:gd name="adj1" fmla="val 50000"/>
-            </a:avLst>
-          </a:prstGeom>
-          <a:ln>
-            <a:tailEnd type="arrow"/>
-          </a:ln>
-        </p:spPr>
-        <p:style>
-          <a:lnRef idx="1">
-            <a:schemeClr val="accent1"/>
-          </a:lnRef>
-          <a:fillRef idx="0">
-            <a:schemeClr val="accent1"/>
-          </a:fillRef>
-          <a:effectRef idx="0">
-            <a:schemeClr val="accent1"/>
-          </a:effectRef>
-          <a:fontRef idx="minor">
-            <a:schemeClr val="tx1"/>
-          </a:fontRef>
-        </p:style>
-      </p:cxnSp>
-    </p:spTree>
-  </p:cSld>
-  <p:clrMapOvr>
-    <a:masterClrMapping/>
-  </p:clrMapOvr>
-</p:sld>
-</file>
-
-<file path=ppt/slides/slide22.xml><?xml version="1.0" encoding="utf-8"?>
-<p:sld xmlns:a="http://schemas.openxmlformats.org/drawingml/2006/main" xmlns:r="http://schemas.openxmlformats.org/officeDocument/2006/relationships" xmlns:p="http://schemas.openxmlformats.org/presentationml/2006/main">
-  <p:cSld>
-    <p:spTree>
-      <p:nvGrpSpPr>
-        <p:cNvPr id="1" name=""/>
-        <p:cNvGrpSpPr/>
-        <p:nvPr/>
-      </p:nvGrpSpPr>
-      <p:grpSpPr>
-        <a:xfrm>
-          <a:off x="0" y="0"/>
-          <a:ext cx="0" cy="0"/>
-          <a:chOff x="0" y="0"/>
-          <a:chExt cx="0" cy="0"/>
-        </a:xfrm>
-      </p:grpSpPr>
-      <p:sp>
-        <p:nvSpPr>
-          <p:cNvPr id="2" name="Title 1"/>
-          <p:cNvSpPr>
-            <a:spLocks noGrp="1"/>
-          </p:cNvSpPr>
-          <p:nvPr>
-            <p:ph type="title"/>
-          </p:nvPr>
-        </p:nvSpPr>
-        <p:spPr/>
-        <p:txBody>
-          <a:bodyPr/>
-          <a:lstStyle/>
-          <a:p>
-            <a:endParaRPr lang="en-US"/>
-          </a:p>
-        </p:txBody>
-      </p:sp>
-      <p:sp>
-        <p:nvSpPr>
-          <p:cNvPr id="3" name="Content Placeholder 2"/>
-          <p:cNvSpPr>
-            <a:spLocks noGrp="1"/>
-          </p:cNvSpPr>
-          <p:nvPr>
-            <p:ph idx="1"/>
-          </p:nvPr>
-        </p:nvSpPr>
-        <p:spPr/>
-        <p:txBody>
-          <a:bodyPr/>
-          <a:lstStyle/>
-          <a:p>
-            <a:endParaRPr lang="en-US" dirty="0"/>
-          </a:p>
-        </p:txBody>
-      </p:sp>
-      <p:sp>
-        <p:nvSpPr>
-          <p:cNvPr id="4" name="Slide Number Placeholder 3"/>
-          <p:cNvSpPr>
-            <a:spLocks noGrp="1"/>
-          </p:cNvSpPr>
-          <p:nvPr>
-            <p:ph type="sldNum" sz="quarter" idx="10"/>
-          </p:nvPr>
-        </p:nvSpPr>
-        <p:spPr/>
-        <p:txBody>
-          <a:bodyPr/>
-          <a:lstStyle/>
-          <a:p>
-            <a:pPr>
-              <a:defRPr/>
-            </a:pPr>
-            <a:fld id="{02078D67-9971-4597-979D-CABA3043A3A5}" type="slidenum">
-              <a:rPr lang="en-US" smtClean="0"/>
-              <a:pPr>
-                <a:defRPr/>
-              </a:pPr>
-              <a:t>22</a:t>
-            </a:fld>
-            <a:endParaRPr lang="en-US" dirty="0"/>
-          </a:p>
-        </p:txBody>
-      </p:sp>
-    </p:spTree>
-  </p:cSld>
-  <p:clrMapOvr>
-    <a:masterClrMapping/>
-  </p:clrMapOvr>
-</p:sld>
-</file>
-
-<file path=ppt/slides/slide23.xml><?xml version="1.0" encoding="utf-8"?>
-<p:sld xmlns:a="http://schemas.openxmlformats.org/drawingml/2006/main" xmlns:r="http://schemas.openxmlformats.org/officeDocument/2006/relationships" xmlns:p="http://schemas.openxmlformats.org/presentationml/2006/main">
-  <p:cSld>
-    <p:spTree>
-      <p:nvGrpSpPr>
-        <p:cNvPr id="1" name=""/>
-        <p:cNvGrpSpPr/>
-        <p:nvPr/>
-      </p:nvGrpSpPr>
-      <p:grpSpPr>
-        <a:xfrm>
-          <a:off x="0" y="0"/>
-          <a:ext cx="0" cy="0"/>
-          <a:chOff x="0" y="0"/>
-          <a:chExt cx="0" cy="0"/>
-        </a:xfrm>
-      </p:grpSpPr>
-      <p:sp>
-        <p:nvSpPr>
-          <p:cNvPr id="2" name="Title 1"/>
-          <p:cNvSpPr>
-            <a:spLocks noGrp="1"/>
-          </p:cNvSpPr>
-          <p:nvPr>
-            <p:ph type="title"/>
-          </p:nvPr>
-        </p:nvSpPr>
-        <p:spPr/>
-        <p:txBody>
-          <a:bodyPr/>
-          <a:lstStyle/>
-          <a:p>
-            <a:endParaRPr lang="en-US"/>
-          </a:p>
-        </p:txBody>
-      </p:sp>
-      <p:sp>
-        <p:nvSpPr>
-          <p:cNvPr id="3" name="Content Placeholder 2"/>
-          <p:cNvSpPr>
-            <a:spLocks noGrp="1"/>
-          </p:cNvSpPr>
-          <p:nvPr>
-            <p:ph idx="1"/>
-          </p:nvPr>
-        </p:nvSpPr>
-        <p:spPr/>
-        <p:txBody>
-          <a:bodyPr/>
-          <a:lstStyle/>
-          <a:p>
-            <a:endParaRPr lang="en-US"/>
-          </a:p>
-        </p:txBody>
-      </p:sp>
-      <p:sp>
-        <p:nvSpPr>
-          <p:cNvPr id="4" name="Slide Number Placeholder 3"/>
-          <p:cNvSpPr>
-            <a:spLocks noGrp="1"/>
-          </p:cNvSpPr>
-          <p:nvPr>
-            <p:ph type="sldNum" sz="quarter" idx="10"/>
-          </p:nvPr>
-        </p:nvSpPr>
-        <p:spPr/>
-        <p:txBody>
-          <a:bodyPr/>
-          <a:lstStyle/>
-          <a:p>
-            <a:pPr>
-              <a:defRPr/>
-            </a:pPr>
-            <a:fld id="{02078D67-9971-4597-979D-CABA3043A3A5}" type="slidenum">
-              <a:rPr lang="en-US" smtClean="0"/>
-              <a:pPr>
-                <a:defRPr/>
-              </a:pPr>
-              <a:t>23</a:t>
-            </a:fld>
-            <a:endParaRPr lang="en-US" dirty="0"/>
           </a:p>
         </p:txBody>
       </p:sp>
@@ -8641,7 +9222,7 @@
           <p:cNvPr id="2" name="Title 1">
             <a:extLst>
               <a:ext uri="{FF2B5EF4-FFF2-40B4-BE49-F238E27FC236}">
-                <a16:creationId xmlns:a16="http://schemas.microsoft.com/office/drawing/2014/main" xmlns="" id="{9FCDC1D9-86AA-40F3-A7E8-8E28093920AC}"/>
+                <a16:creationId xmlns:a16="http://schemas.microsoft.com/office/drawing/2014/main" id="{9FCDC1D9-86AA-40F3-A7E8-8E28093920AC}"/>
               </a:ext>
             </a:extLst>
           </p:cNvPr>
@@ -8669,7 +9250,7 @@
           <p:cNvPr id="3" name="Content Placeholder 2">
             <a:extLst>
               <a:ext uri="{FF2B5EF4-FFF2-40B4-BE49-F238E27FC236}">
-                <a16:creationId xmlns:a16="http://schemas.microsoft.com/office/drawing/2014/main" xmlns="" id="{4402E8F6-E378-4A26-A39B-8CD0FFDC4066}"/>
+                <a16:creationId xmlns:a16="http://schemas.microsoft.com/office/drawing/2014/main" id="{4402E8F6-E378-4A26-A39B-8CD0FFDC4066}"/>
               </a:ext>
             </a:extLst>
           </p:cNvPr>
@@ -8863,7 +9444,7 @@
           <p:cNvPr id="4" name="Slide Number Placeholder 3">
             <a:extLst>
               <a:ext uri="{FF2B5EF4-FFF2-40B4-BE49-F238E27FC236}">
-                <a16:creationId xmlns:a16="http://schemas.microsoft.com/office/drawing/2014/main" xmlns="" id="{381B8578-EA4D-4EC6-8640-0B05E0D78C80}"/>
+                <a16:creationId xmlns:a16="http://schemas.microsoft.com/office/drawing/2014/main" id="{381B8578-EA4D-4EC6-8640-0B05E0D78C80}"/>
               </a:ext>
             </a:extLst>
           </p:cNvPr>
@@ -8896,20 +9477,13 @@
     </p:spTree>
     <p:extLst>
       <p:ext uri="{BB962C8B-B14F-4D97-AF65-F5344CB8AC3E}">
-        <p14:creationId xmlns:p14="http://schemas.microsoft.com/office/powerpoint/2010/main" xmlns="" val="1954068315"/>
+        <p14:creationId xmlns:p14="http://schemas.microsoft.com/office/powerpoint/2010/main" val="1954068315"/>
       </p:ext>
     </p:extLst>
   </p:cSld>
   <p:clrMapOvr>
     <a:masterClrMapping/>
   </p:clrMapOvr>
-  <p:timing>
-    <p:tnLst>
-      <p:par>
-        <p:cTn id="1" dur="indefinite" restart="never" nodeType="tmRoot"/>
-      </p:par>
-    </p:tnLst>
-  </p:timing>
 </p:sld>
 </file>
 
@@ -8935,7 +9509,7 @@
           <p:cNvPr id="2" name="Title 1">
             <a:extLst>
               <a:ext uri="{FF2B5EF4-FFF2-40B4-BE49-F238E27FC236}">
-                <a16:creationId xmlns:a16="http://schemas.microsoft.com/office/drawing/2014/main" xmlns="" id="{9FCDC1D9-86AA-40F3-A7E8-8E28093920AC}"/>
+                <a16:creationId xmlns:a16="http://schemas.microsoft.com/office/drawing/2014/main" id="{9FCDC1D9-86AA-40F3-A7E8-8E28093920AC}"/>
               </a:ext>
             </a:extLst>
           </p:cNvPr>
@@ -8952,18 +9526,17 @@
           <a:lstStyle/>
           <a:p>
             <a:r>
-              <a:rPr lang="en-US" sz="3300" dirty="0" smtClean="0"/>
+              <a:rPr lang="en-US" sz="3300" dirty="0"/>
               <a:t>Scala </a:t>
             </a:r>
             <a:r>
-              <a:rPr lang="en-US" sz="3300" dirty="0" err="1" smtClean="0"/>
+              <a:rPr lang="en-US" sz="3300" dirty="0" err="1"/>
               <a:t>commandLine</a:t>
             </a:r>
             <a:r>
-              <a:rPr lang="en-US" sz="3300" dirty="0" smtClean="0"/>
+              <a:rPr lang="en-US" sz="3300" dirty="0"/>
               <a:t> </a:t>
             </a:r>
-            <a:endParaRPr lang="en-US" sz="3300" dirty="0"/>
           </a:p>
         </p:txBody>
       </p:sp>
@@ -8972,7 +9545,7 @@
           <p:cNvPr id="3" name="Content Placeholder 2">
             <a:extLst>
               <a:ext uri="{FF2B5EF4-FFF2-40B4-BE49-F238E27FC236}">
-                <a16:creationId xmlns:a16="http://schemas.microsoft.com/office/drawing/2014/main" xmlns="" id="{4402E8F6-E378-4A26-A39B-8CD0FFDC4066}"/>
+                <a16:creationId xmlns:a16="http://schemas.microsoft.com/office/drawing/2014/main" id="{4402E8F6-E378-4A26-A39B-8CD0FFDC4066}"/>
               </a:ext>
             </a:extLst>
           </p:cNvPr>
@@ -9065,7 +9638,7 @@
           <p:cNvPr id="4" name="Slide Number Placeholder 3">
             <a:extLst>
               <a:ext uri="{FF2B5EF4-FFF2-40B4-BE49-F238E27FC236}">
-                <a16:creationId xmlns:a16="http://schemas.microsoft.com/office/drawing/2014/main" xmlns="" id="{381B8578-EA4D-4EC6-8640-0B05E0D78C80}"/>
+                <a16:creationId xmlns:a16="http://schemas.microsoft.com/office/drawing/2014/main" id="{381B8578-EA4D-4EC6-8640-0B05E0D78C80}"/>
               </a:ext>
             </a:extLst>
           </p:cNvPr>
@@ -9100,7 +9673,7 @@
           <p:cNvPr id="6" name="Picture 5">
             <a:extLst>
               <a:ext uri="{FF2B5EF4-FFF2-40B4-BE49-F238E27FC236}">
-                <a16:creationId xmlns:a16="http://schemas.microsoft.com/office/drawing/2014/main" xmlns="" id="{F62545A8-7359-4F92-9A54-02F1FECD78F4}"/>
+                <a16:creationId xmlns:a16="http://schemas.microsoft.com/office/drawing/2014/main" id="{F62545A8-7359-4F92-9A54-02F1FECD78F4}"/>
               </a:ext>
             </a:extLst>
           </p:cNvPr>
@@ -9128,20 +9701,13 @@
     </p:spTree>
     <p:extLst>
       <p:ext uri="{BB962C8B-B14F-4D97-AF65-F5344CB8AC3E}">
-        <p14:creationId xmlns:p14="http://schemas.microsoft.com/office/powerpoint/2010/main" xmlns="" val="696143943"/>
+        <p14:creationId xmlns:p14="http://schemas.microsoft.com/office/powerpoint/2010/main" val="696143943"/>
       </p:ext>
     </p:extLst>
   </p:cSld>
   <p:clrMapOvr>
     <a:masterClrMapping/>
   </p:clrMapOvr>
-  <p:timing>
-    <p:tnLst>
-      <p:par>
-        <p:cTn id="1" dur="indefinite" restart="never" nodeType="tmRoot"/>
-      </p:par>
-    </p:tnLst>
-  </p:timing>
 </p:sld>
 </file>
 
@@ -9164,10 +9730,46 @@
       </p:grpSpPr>
       <p:sp>
         <p:nvSpPr>
+          <p:cNvPr id="2" name="Title 1">
+            <a:extLst>
+              <a:ext uri="{FF2B5EF4-FFF2-40B4-BE49-F238E27FC236}">
+                <a16:creationId xmlns:a16="http://schemas.microsoft.com/office/drawing/2014/main" id="{A165FB55-B307-483A-B762-B37B24878C3B}"/>
+              </a:ext>
+            </a:extLst>
+          </p:cNvPr>
+          <p:cNvSpPr>
+            <a:spLocks noGrp="1"/>
+          </p:cNvSpPr>
+          <p:nvPr>
+            <p:ph type="title"/>
+          </p:nvPr>
+        </p:nvSpPr>
+        <p:spPr/>
+        <p:txBody>
+          <a:bodyPr/>
+          <a:lstStyle/>
+          <a:p>
+            <a:r>
+              <a:rPr lang="en-US" sz="2800" b="1" i="1" dirty="0"/>
+              <a:t>Referential transparency, purity,</a:t>
+            </a:r>
+            <a:br>
+              <a:rPr lang="en-US" sz="2800" b="1" i="1" dirty="0"/>
+            </a:br>
+            <a:r>
+              <a:rPr lang="en-US" sz="2800" b="1" i="1" dirty="0"/>
+              <a:t>and the substitution model</a:t>
+            </a:r>
+            <a:endParaRPr lang="en-US" sz="2800" dirty="0"/>
+          </a:p>
+        </p:txBody>
+      </p:sp>
+      <p:sp>
+        <p:nvSpPr>
           <p:cNvPr id="3" name="Content Placeholder 2">
             <a:extLst>
               <a:ext uri="{FF2B5EF4-FFF2-40B4-BE49-F238E27FC236}">
-                <a16:creationId xmlns:a16="http://schemas.microsoft.com/office/drawing/2014/main" xmlns="" id="{4402E8F6-E378-4A26-A39B-8CD0FFDC4066}"/>
+                <a16:creationId xmlns:a16="http://schemas.microsoft.com/office/drawing/2014/main" id="{A7A86686-A803-4231-92DD-4164E4F277FA}"/>
               </a:ext>
             </a:extLst>
           </p:cNvPr>
@@ -9178,29 +9780,28 @@
             <p:ph idx="1"/>
           </p:nvPr>
         </p:nvSpPr>
-        <p:spPr>
-          <a:xfrm>
-            <a:off x="660400" y="1193509"/>
-            <a:ext cx="7772400" cy="4697840"/>
-          </a:xfrm>
-        </p:spPr>
+        <p:spPr/>
         <p:txBody>
           <a:bodyPr/>
           <a:lstStyle/>
           <a:p>
             <a:r>
-              <a:rPr lang="en-IN" sz="1200" dirty="0">
-                <a:latin typeface="Bookman Old Style" pitchFamily="18" charset="0"/>
-              </a:rPr>
-              <a:t>There are different way we can create the class in Scala and each approach has its business requirement.</a:t>
-            </a:r>
-          </a:p>
-          <a:p>
-            <a:r>
-              <a:rPr lang="en-IN" sz="1200" dirty="0">
-                <a:latin typeface="Bookman Old Style" pitchFamily="18" charset="0"/>
-              </a:rPr>
-              <a:t>Syntax</a:t>
+              <a:rPr lang="en-IN" sz="1800" dirty="0"/>
+              <a:t>Scala interpreter (also known as the Read-</a:t>
+            </a:r>
+            <a:r>
+              <a:rPr lang="en-IN" sz="1800" dirty="0" err="1"/>
+              <a:t>Eval</a:t>
+            </a:r>
+            <a:r>
+              <a:rPr lang="en-IN" sz="1800" dirty="0"/>
+              <a:t>-Print-Loop)</a:t>
+            </a:r>
+          </a:p>
+          <a:p>
+            <a:r>
+              <a:rPr lang="en-US" dirty="0"/>
+              <a:t>Functional programming</a:t>
             </a:r>
           </a:p>
           <a:p>
@@ -9208,64 +9809,16 @@
               <a:buNone/>
             </a:pPr>
             <a:r>
-              <a:rPr lang="en-IN" sz="1200" b="1" dirty="0" err="1">
-                <a:latin typeface="Bookman Old Style" pitchFamily="18" charset="0"/>
-              </a:rPr>
-              <a:t>Classs</a:t>
-            </a:r>
-            <a:r>
-              <a:rPr lang="en-IN" sz="1200" b="1" dirty="0">
-                <a:latin typeface="Bookman Old Style" pitchFamily="18" charset="0"/>
-              </a:rPr>
-              <a:t> &lt;</a:t>
-            </a:r>
-            <a:r>
-              <a:rPr lang="en-IN" sz="1200" b="1" dirty="0" err="1">
-                <a:latin typeface="Bookman Old Style" pitchFamily="18" charset="0"/>
-              </a:rPr>
-              <a:t>className</a:t>
-            </a:r>
-            <a:r>
-              <a:rPr lang="en-IN" sz="1200" b="1" dirty="0">
-                <a:latin typeface="Bookman Old Style" pitchFamily="18" charset="0"/>
-              </a:rPr>
-              <a:t>&gt;(&lt;</a:t>
-            </a:r>
-            <a:r>
-              <a:rPr lang="en-IN" sz="1200" b="1" dirty="0" err="1">
-                <a:latin typeface="Bookman Old Style" pitchFamily="18" charset="0"/>
-              </a:rPr>
-              <a:t>var</a:t>
-            </a:r>
-            <a:r>
-              <a:rPr lang="en-IN" sz="1200" b="1" dirty="0">
-                <a:latin typeface="Bookman Old Style" pitchFamily="18" charset="0"/>
-              </a:rPr>
-              <a:t>&gt;/&lt;</a:t>
-            </a:r>
-            <a:r>
-              <a:rPr lang="en-IN" sz="1200" b="1" dirty="0" err="1">
-                <a:latin typeface="Bookman Old Style" pitchFamily="18" charset="0"/>
-              </a:rPr>
-              <a:t>val</a:t>
-            </a:r>
-            <a:r>
-              <a:rPr lang="en-IN" sz="1200" b="1" dirty="0">
-                <a:latin typeface="Bookman Old Style" pitchFamily="18" charset="0"/>
-              </a:rPr>
-              <a:t>&gt; &lt;</a:t>
-            </a:r>
-            <a:r>
-              <a:rPr lang="en-IN" sz="1200" b="1" dirty="0" err="1">
-                <a:latin typeface="Bookman Old Style" pitchFamily="18" charset="0"/>
-              </a:rPr>
-              <a:t>namePro</a:t>
-            </a:r>
-            <a:r>
-              <a:rPr lang="en-IN" sz="1200" b="1" dirty="0">
-                <a:latin typeface="Bookman Old Style" pitchFamily="18" charset="0"/>
-              </a:rPr>
-              <a:t>&gt;:&lt;Type&gt;,..){</a:t>
+              <a:rPr lang="en-IN" sz="1400" dirty="0"/>
+              <a:t>we construct our programs using only </a:t>
+            </a:r>
+            <a:r>
+              <a:rPr lang="en-IN" sz="1400" i="1" dirty="0"/>
+              <a:t>pure functions</a:t>
+            </a:r>
+            <a:r>
+              <a:rPr lang="en-IN" sz="1400" dirty="0"/>
+              <a:t>—in other words, functions</a:t>
             </a:r>
           </a:p>
           <a:p>
@@ -9273,10 +9826,16 @@
               <a:buNone/>
             </a:pPr>
             <a:r>
-              <a:rPr lang="en-IN" sz="1200" b="1" dirty="0">
-                <a:latin typeface="Bookman Old Style" pitchFamily="18" charset="0"/>
-              </a:rPr>
-              <a:t>}</a:t>
+              <a:rPr lang="en-IN" sz="1400" dirty="0"/>
+              <a:t>that have no </a:t>
+            </a:r>
+            <a:r>
+              <a:rPr lang="en-IN" sz="1400" i="1" dirty="0"/>
+              <a:t>side effects</a:t>
+            </a:r>
+            <a:r>
+              <a:rPr lang="en-IN" sz="1400" dirty="0"/>
+              <a:t>. What are side effects? A function has a side effect if it</a:t>
             </a:r>
           </a:p>
           <a:p>
@@ -9284,273 +9843,51 @@
               <a:buNone/>
             </a:pPr>
             <a:r>
-              <a:rPr lang="en-IN" sz="1200" dirty="0">
-                <a:latin typeface="Bookman Old Style" pitchFamily="18" charset="0"/>
-              </a:rPr>
-              <a:t>Another way to create the class is </a:t>
-            </a:r>
-          </a:p>
-          <a:p>
-            <a:pPr marL="0" indent="0">
-              <a:buNone/>
-            </a:pPr>
-            <a:r>
-              <a:rPr lang="en-IN" sz="1200" dirty="0">
-                <a:latin typeface="Bookman Old Style" pitchFamily="18" charset="0"/>
-              </a:rPr>
-              <a:t>Class &lt;</a:t>
-            </a:r>
-            <a:r>
-              <a:rPr lang="en-IN" sz="1200" dirty="0" err="1">
-                <a:latin typeface="Bookman Old Style" pitchFamily="18" charset="0"/>
-              </a:rPr>
-              <a:t>className</a:t>
-            </a:r>
-            <a:r>
-              <a:rPr lang="en-IN" sz="1200" dirty="0">
-                <a:latin typeface="Bookman Old Style" pitchFamily="18" charset="0"/>
-              </a:rPr>
-              <a:t>&gt;{</a:t>
-            </a:r>
-          </a:p>
-          <a:p>
-            <a:pPr marL="0" indent="0">
-              <a:buNone/>
-            </a:pPr>
-            <a:r>
-              <a:rPr lang="en-IN" sz="1200" dirty="0">
-                <a:latin typeface="Bookman Old Style" pitchFamily="18" charset="0"/>
-              </a:rPr>
-              <a:t>&lt;</a:t>
-            </a:r>
-            <a:r>
-              <a:rPr lang="en-IN" sz="1200" dirty="0" err="1">
-                <a:latin typeface="Bookman Old Style" pitchFamily="18" charset="0"/>
-              </a:rPr>
-              <a:t>var</a:t>
-            </a:r>
-            <a:r>
-              <a:rPr lang="en-IN" sz="1200" dirty="0">
-                <a:latin typeface="Bookman Old Style" pitchFamily="18" charset="0"/>
-              </a:rPr>
-              <a:t>&gt;/&lt;</a:t>
-            </a:r>
-            <a:r>
-              <a:rPr lang="en-IN" sz="1200" dirty="0" err="1">
-                <a:latin typeface="Bookman Old Style" pitchFamily="18" charset="0"/>
-              </a:rPr>
-              <a:t>val</a:t>
-            </a:r>
-            <a:r>
-              <a:rPr lang="en-IN" sz="1200" dirty="0">
-                <a:latin typeface="Bookman Old Style" pitchFamily="18" charset="0"/>
-              </a:rPr>
-              <a:t>&gt; &lt;</a:t>
-            </a:r>
-            <a:r>
-              <a:rPr lang="en-IN" sz="1200" dirty="0" err="1">
-                <a:latin typeface="Bookman Old Style" pitchFamily="18" charset="0"/>
-              </a:rPr>
-              <a:t>nameProp</a:t>
-            </a:r>
-            <a:r>
-              <a:rPr lang="en-IN" sz="1200" dirty="0">
-                <a:latin typeface="Bookman Old Style" pitchFamily="18" charset="0"/>
-              </a:rPr>
-              <a:t>&gt;:&lt;type&gt;=&lt;some value&gt;</a:t>
-            </a:r>
-          </a:p>
-          <a:p>
-            <a:pPr marL="0" indent="0">
-              <a:buNone/>
-            </a:pPr>
-            <a:r>
-              <a:rPr lang="en-IN" sz="1200" dirty="0" smtClean="0">
-                <a:latin typeface="Bookman Old Style" pitchFamily="18" charset="0"/>
-              </a:rPr>
-              <a:t>}</a:t>
-            </a:r>
-          </a:p>
-          <a:p>
-            <a:pPr marL="0" indent="0">
-              <a:buNone/>
-            </a:pPr>
-            <a:r>
-              <a:rPr lang="en-US" sz="1200" b="1" dirty="0" smtClean="0">
-                <a:latin typeface="Bookman Old Style" pitchFamily="18" charset="0"/>
-              </a:rPr>
-              <a:t>In </a:t>
-            </a:r>
-            <a:r>
-              <a:rPr lang="en-US" sz="1200" b="1" dirty="0" err="1" smtClean="0">
-                <a:latin typeface="Bookman Old Style" pitchFamily="18" charset="0"/>
-              </a:rPr>
-              <a:t>scala</a:t>
-            </a:r>
-            <a:r>
-              <a:rPr lang="en-US" sz="1200" b="1" dirty="0" smtClean="0">
-                <a:latin typeface="Bookman Old Style" pitchFamily="18" charset="0"/>
-              </a:rPr>
-              <a:t>, if you don't specify primary constructor, compiler creates a constructor which is known as primary constructor. All the statements of class body treated as part of constructor. It is also known as default constructor.</a:t>
-            </a:r>
-            <a:endParaRPr lang="en-IN" sz="1200" b="1" dirty="0" smtClean="0">
-              <a:latin typeface="Bookman Old Style" pitchFamily="18" charset="0"/>
-            </a:endParaRPr>
-          </a:p>
-          <a:p>
-            <a:pPr marL="0" indent="0">
-              <a:buNone/>
-            </a:pPr>
-            <a:r>
-              <a:rPr lang="en-IN" sz="1200" dirty="0" smtClean="0">
-                <a:latin typeface="Bookman Old Style" pitchFamily="18" charset="0"/>
-              </a:rPr>
-              <a:t>There are different type of class as well like case class &amp; companion class we discuss these later</a:t>
-            </a:r>
-          </a:p>
-          <a:p>
-            <a:pPr>
-              <a:buFont typeface="Wingdings" panose="05000000000000000000" pitchFamily="2" charset="2"/>
-              <a:buChar char="q"/>
-            </a:pPr>
-            <a:r>
-              <a:rPr lang="en-IN" sz="1200" dirty="0" smtClean="0">
-                <a:latin typeface="Bookman Old Style" pitchFamily="18" charset="0"/>
-              </a:rPr>
-              <a:t> </a:t>
-            </a:r>
-            <a:r>
-              <a:rPr lang="en-IN" sz="1200" dirty="0">
-                <a:latin typeface="Bookman Old Style" pitchFamily="18" charset="0"/>
-              </a:rPr>
-              <a:t>Below are the point which need to remember :-</a:t>
-            </a:r>
-          </a:p>
-          <a:p>
-            <a:pPr>
-              <a:buFont typeface="Wingdings" panose="05000000000000000000" pitchFamily="2" charset="2"/>
-              <a:buChar char="ü"/>
-            </a:pPr>
-            <a:r>
-              <a:rPr lang="en-IN" sz="1200" dirty="0">
-                <a:latin typeface="Bookman Old Style" pitchFamily="18" charset="0"/>
-              </a:rPr>
-              <a:t> If a field is declared as a </a:t>
-            </a:r>
-            <a:r>
-              <a:rPr lang="en-IN" sz="1200" dirty="0" err="1">
-                <a:latin typeface="Bookman Old Style" pitchFamily="18" charset="0"/>
-              </a:rPr>
-              <a:t>var</a:t>
-            </a:r>
-            <a:r>
-              <a:rPr lang="en-IN" sz="1200" dirty="0">
-                <a:latin typeface="Bookman Old Style" pitchFamily="18" charset="0"/>
-              </a:rPr>
-              <a:t>, Scala generates both getter and setter methods for that field.</a:t>
-            </a:r>
-          </a:p>
-          <a:p>
-            <a:pPr>
-              <a:buFont typeface="Wingdings" panose="05000000000000000000" pitchFamily="2" charset="2"/>
-              <a:buChar char="ü"/>
-            </a:pPr>
-            <a:r>
-              <a:rPr lang="en-IN" sz="1200" dirty="0">
-                <a:latin typeface="Bookman Old Style" pitchFamily="18" charset="0"/>
-              </a:rPr>
-              <a:t>If the field is a </a:t>
-            </a:r>
-            <a:r>
-              <a:rPr lang="en-IN" sz="1200" dirty="0" err="1">
-                <a:latin typeface="Bookman Old Style" pitchFamily="18" charset="0"/>
-              </a:rPr>
-              <a:t>val</a:t>
-            </a:r>
-            <a:r>
-              <a:rPr lang="en-IN" sz="1200" dirty="0">
-                <a:latin typeface="Bookman Old Style" pitchFamily="18" charset="0"/>
-              </a:rPr>
-              <a:t>, Scala generates only a getter method for it.</a:t>
-            </a:r>
-          </a:p>
-          <a:p>
-            <a:pPr>
-              <a:buFont typeface="Wingdings" panose="05000000000000000000" pitchFamily="2" charset="2"/>
-              <a:buChar char="ü"/>
-            </a:pPr>
-            <a:r>
-              <a:rPr lang="en-IN" sz="1200" dirty="0">
-                <a:latin typeface="Bookman Old Style" pitchFamily="18" charset="0"/>
-              </a:rPr>
-              <a:t>If a field doesn’t have a </a:t>
-            </a:r>
-            <a:r>
-              <a:rPr lang="en-IN" sz="1200" dirty="0" err="1">
-                <a:latin typeface="Bookman Old Style" pitchFamily="18" charset="0"/>
-              </a:rPr>
-              <a:t>var</a:t>
-            </a:r>
-            <a:r>
-              <a:rPr lang="en-IN" sz="1200" dirty="0">
-                <a:latin typeface="Bookman Old Style" pitchFamily="18" charset="0"/>
-              </a:rPr>
-              <a:t> or </a:t>
-            </a:r>
-            <a:r>
-              <a:rPr lang="en-IN" sz="1200" dirty="0" err="1">
-                <a:latin typeface="Bookman Old Style" pitchFamily="18" charset="0"/>
-              </a:rPr>
-              <a:t>val</a:t>
-            </a:r>
-            <a:r>
-              <a:rPr lang="en-IN" sz="1200" dirty="0">
-                <a:latin typeface="Bookman Old Style" pitchFamily="18" charset="0"/>
-              </a:rPr>
-              <a:t> modifier, Scala gets conservative, and doesn’t generate a getter or setter method for the field.</a:t>
-            </a:r>
-          </a:p>
-          <a:p>
-            <a:pPr>
-              <a:buFont typeface="Wingdings" panose="05000000000000000000" pitchFamily="2" charset="2"/>
-              <a:buChar char="ü"/>
-            </a:pPr>
-            <a:r>
-              <a:rPr lang="en-IN" sz="1200" dirty="0">
-                <a:latin typeface="Bookman Old Style" pitchFamily="18" charset="0"/>
-              </a:rPr>
-              <a:t>Additionally, </a:t>
-            </a:r>
-            <a:r>
-              <a:rPr lang="en-IN" sz="1200" dirty="0" err="1">
-                <a:latin typeface="Bookman Old Style" pitchFamily="18" charset="0"/>
-              </a:rPr>
-              <a:t>var</a:t>
-            </a:r>
-            <a:r>
-              <a:rPr lang="en-IN" sz="1200" dirty="0">
-                <a:latin typeface="Bookman Old Style" pitchFamily="18" charset="0"/>
-              </a:rPr>
-              <a:t> and </a:t>
-            </a:r>
-            <a:r>
-              <a:rPr lang="en-IN" sz="1200" dirty="0" err="1">
-                <a:latin typeface="Bookman Old Style" pitchFamily="18" charset="0"/>
-              </a:rPr>
-              <a:t>val</a:t>
-            </a:r>
-            <a:r>
-              <a:rPr lang="en-IN" sz="1200" dirty="0">
-                <a:latin typeface="Bookman Old Style" pitchFamily="18" charset="0"/>
-              </a:rPr>
-              <a:t> fields can be modified with the private keyword, which prevents getters and setters from being generated.</a:t>
-            </a:r>
-          </a:p>
-          <a:p>
-            <a:pPr marL="0" indent="0">
-              <a:buNone/>
-            </a:pPr>
-            <a:endParaRPr lang="en-IN" sz="1300" dirty="0"/>
+              <a:rPr lang="en-IN" sz="1400" dirty="0"/>
+              <a:t>does something other than simply return a result, for example</a:t>
+            </a:r>
+          </a:p>
+          <a:p>
+            <a:r>
+              <a:rPr lang="en-US" sz="1400" dirty="0"/>
+              <a:t>Modifying a variable</a:t>
+            </a:r>
+          </a:p>
+          <a:p>
+            <a:r>
+              <a:rPr lang="en-IN" sz="1400" dirty="0"/>
+              <a:t> Modifying a data structure in place</a:t>
+            </a:r>
+          </a:p>
+          <a:p>
+            <a:r>
+              <a:rPr lang="en-IN" sz="1400" dirty="0"/>
+              <a:t> Setting a field on an object</a:t>
+            </a:r>
+          </a:p>
+          <a:p>
+            <a:r>
+              <a:rPr lang="en-IN" sz="1400" dirty="0"/>
+              <a:t> Throwing an exception or halting with an error</a:t>
+            </a:r>
+          </a:p>
+          <a:p>
+            <a:r>
+              <a:rPr lang="en-IN" sz="1400" dirty="0"/>
+              <a:t> Printing to the console or reading user input</a:t>
+            </a:r>
+          </a:p>
+          <a:p>
+            <a:r>
+              <a:rPr lang="en-IN" sz="1400" dirty="0"/>
+              <a:t> Reading from or writing to a file</a:t>
+            </a:r>
+          </a:p>
+          <a:p>
+            <a:r>
+              <a:rPr lang="en-US" sz="1400" dirty="0"/>
+              <a:t> Drawing on the screen</a:t>
+            </a:r>
           </a:p>
         </p:txBody>
       </p:sp>
@@ -9559,7 +9896,7 @@
           <p:cNvPr id="4" name="Slide Number Placeholder 3">
             <a:extLst>
               <a:ext uri="{FF2B5EF4-FFF2-40B4-BE49-F238E27FC236}">
-                <a16:creationId xmlns:a16="http://schemas.microsoft.com/office/drawing/2014/main" xmlns="" id="{381B8578-EA4D-4EC6-8640-0B05E0D78C80}"/>
+                <a16:creationId xmlns:a16="http://schemas.microsoft.com/office/drawing/2014/main" id="{4F6891F0-487C-42B4-A725-3D6DE9638560}"/>
               </a:ext>
             </a:extLst>
           </p:cNvPr>
@@ -9589,56 +9926,16 @@
           </a:p>
         </p:txBody>
       </p:sp>
-      <p:sp>
-        <p:nvSpPr>
-          <p:cNvPr id="13" name="Title 1">
-            <a:extLst>
-              <a:ext uri="{FF2B5EF4-FFF2-40B4-BE49-F238E27FC236}">
-                <a16:creationId xmlns:a16="http://schemas.microsoft.com/office/drawing/2014/main" xmlns="" id="{3538780B-963C-4892-9ABA-DE861C84C1BB}"/>
-              </a:ext>
-            </a:extLst>
-          </p:cNvPr>
-          <p:cNvSpPr>
-            <a:spLocks noGrp="1"/>
-          </p:cNvSpPr>
-          <p:nvPr>
-            <p:ph type="title"/>
-          </p:nvPr>
-        </p:nvSpPr>
-        <p:spPr>
-          <a:xfrm>
-            <a:off x="685800" y="309563"/>
-            <a:ext cx="7772400" cy="1143000"/>
-          </a:xfrm>
-        </p:spPr>
-        <p:txBody>
-          <a:bodyPr/>
-          <a:lstStyle/>
-          <a:p>
-            <a:r>
-              <a:rPr lang="en-US" sz="3300" dirty="0"/>
-              <a:t>Scala Classes </a:t>
-            </a:r>
-          </a:p>
-        </p:txBody>
-      </p:sp>
     </p:spTree>
     <p:extLst>
       <p:ext uri="{BB962C8B-B14F-4D97-AF65-F5344CB8AC3E}">
-        <p14:creationId xmlns:p14="http://schemas.microsoft.com/office/powerpoint/2010/main" xmlns="" val="4026592679"/>
+        <p14:creationId xmlns:p14="http://schemas.microsoft.com/office/powerpoint/2010/main" val="3525571395"/>
       </p:ext>
     </p:extLst>
   </p:cSld>
   <p:clrMapOvr>
     <a:masterClrMapping/>
   </p:clrMapOvr>
-  <p:timing>
-    <p:tnLst>
-      <p:par>
-        <p:cTn id="1" dur="indefinite" restart="never" nodeType="tmRoot"/>
-      </p:par>
-    </p:tnLst>
-  </p:timing>
 </p:sld>
 </file>
 
@@ -9661,10 +9958,10 @@
       </p:grpSpPr>
       <p:sp>
         <p:nvSpPr>
-          <p:cNvPr id="5" name="Title 4">
+          <p:cNvPr id="2" name="Title 1">
             <a:extLst>
               <a:ext uri="{FF2B5EF4-FFF2-40B4-BE49-F238E27FC236}">
-                <a16:creationId xmlns:a16="http://schemas.microsoft.com/office/drawing/2014/main" xmlns="" id="{7C5A1C29-05C5-4FF0-9EEA-B1F8A8B7B271}"/>
+                <a16:creationId xmlns:a16="http://schemas.microsoft.com/office/drawing/2014/main" id="{DD25C21A-08E4-4733-AC27-16575A6F907F}"/>
               </a:ext>
             </a:extLst>
           </p:cNvPr>
@@ -9681,18 +9978,18 @@
           <a:lstStyle/>
           <a:p>
             <a:r>
-              <a:rPr lang="en-US" sz="3200" dirty="0"/>
-              <a:t>Scala Classes continue…</a:t>
+              <a:rPr lang="en-US" sz="1100" dirty="0"/>
+              <a:t>Continue…</a:t>
             </a:r>
           </a:p>
         </p:txBody>
       </p:sp>
       <p:sp>
         <p:nvSpPr>
-          <p:cNvPr id="7" name="Content Placeholder 6">
+          <p:cNvPr id="3" name="Content Placeholder 2">
             <a:extLst>
               <a:ext uri="{FF2B5EF4-FFF2-40B4-BE49-F238E27FC236}">
-                <a16:creationId xmlns:a16="http://schemas.microsoft.com/office/drawing/2014/main" xmlns="" id="{E463E4B3-458B-4CCD-B0A2-25B3AC072A9E}"/>
+                <a16:creationId xmlns:a16="http://schemas.microsoft.com/office/drawing/2014/main" id="{7D67B804-F029-4482-ACE6-93A4241E1B87}"/>
               </a:ext>
             </a:extLst>
           </p:cNvPr>
@@ -9708,14 +10005,18 @@
           <a:bodyPr/>
           <a:lstStyle/>
           <a:p>
+            <a:r>
+              <a:rPr lang="en-IN" dirty="0"/>
+              <a:t>Simple program with side effects</a:t>
+            </a:r>
+          </a:p>
+          <a:p>
             <a:pPr marL="0" indent="0">
               <a:buNone/>
             </a:pPr>
             <a:r>
-              <a:rPr lang="en-US" sz="1400" dirty="0">
-                <a:latin typeface="Bookman Old Style" pitchFamily="18" charset="0"/>
-              </a:rPr>
-              <a:t>Scala Singleton :- Scala is more object oriented then java because Scala don’t have static keyword. So to create a singleton object in Scala we don’t need static instead Scala introduce new keyword called object . You define the singleton using object keyword .</a:t>
+              <a:rPr lang="en-US" sz="1100" b="1" dirty="0"/>
+              <a:t>class Cafe {</a:t>
             </a:r>
           </a:p>
           <a:p>
@@ -9723,29 +10024,94 @@
               <a:buNone/>
             </a:pPr>
             <a:r>
-              <a:rPr lang="en-US" sz="1400" dirty="0">
-                <a:latin typeface="Bookman Old Style" pitchFamily="18" charset="0"/>
-              </a:rPr>
-              <a:t>Like this .</a:t>
+              <a:rPr lang="en-IN" sz="1100" dirty="0"/>
+              <a:t>  </a:t>
+            </a:r>
+            <a:r>
+              <a:rPr lang="en-IN" sz="1100" b="1" dirty="0"/>
+              <a:t>def </a:t>
+            </a:r>
+            <a:r>
+              <a:rPr lang="en-IN" sz="1100" b="1" dirty="0" err="1"/>
+              <a:t>buyCofee</a:t>
+            </a:r>
+            <a:r>
+              <a:rPr lang="en-IN" sz="1100" b="1" dirty="0"/>
+              <a:t>(cc: </a:t>
+            </a:r>
+            <a:r>
+              <a:rPr lang="en-IN" sz="1100" b="1" dirty="0" err="1"/>
+              <a:t>CreditCard</a:t>
+            </a:r>
+            <a:r>
+              <a:rPr lang="en-IN" sz="1100" b="1" dirty="0"/>
+              <a:t>): </a:t>
+            </a:r>
+            <a:r>
+              <a:rPr lang="en-IN" sz="1100" b="1" dirty="0" err="1"/>
+              <a:t>Cofee</a:t>
+            </a:r>
+            <a:r>
+              <a:rPr lang="en-IN" sz="1100" b="1" dirty="0"/>
+              <a:t> = {</a:t>
             </a:r>
           </a:p>
           <a:p>
             <a:pPr marL="0" indent="0">
               <a:buNone/>
             </a:pPr>
-            <a:endParaRPr lang="en-US" sz="1400" dirty="0">
-              <a:latin typeface="Bookman Old Style" pitchFamily="18" charset="0"/>
-            </a:endParaRPr>
+            <a:r>
+              <a:rPr lang="en-IN" sz="1100" dirty="0"/>
+              <a:t>    </a:t>
+            </a:r>
+            <a:r>
+              <a:rPr lang="en-IN" sz="1100" b="1" dirty="0" err="1"/>
+              <a:t>val</a:t>
+            </a:r>
+            <a:r>
+              <a:rPr lang="en-IN" sz="1100" b="1" dirty="0"/>
+              <a:t> cup = new </a:t>
+            </a:r>
+            <a:r>
+              <a:rPr lang="en-IN" sz="1100" b="1" dirty="0" err="1"/>
+              <a:t>Cofee</a:t>
+            </a:r>
+            <a:r>
+              <a:rPr lang="en-IN" sz="1100" b="1" dirty="0"/>
+              <a:t>(</a:t>
+            </a:r>
+            <a:r>
+              <a:rPr lang="en-IN" sz="1100" b="1" dirty="0" err="1"/>
+              <a:t>cofeePrice</a:t>
+            </a:r>
+            <a:r>
+              <a:rPr lang="en-IN" sz="1100" b="1" dirty="0"/>
+              <a:t>)</a:t>
+            </a:r>
           </a:p>
           <a:p>
             <a:pPr marL="0" indent="0">
               <a:buNone/>
             </a:pPr>
             <a:r>
-              <a:rPr lang="en-US" sz="1400" dirty="0">
-                <a:latin typeface="Bookman Old Style" pitchFamily="18" charset="0"/>
-              </a:rPr>
-              <a:t>Object A{</a:t>
+              <a:rPr lang="en-US" sz="1100" dirty="0"/>
+              <a:t>    </a:t>
+            </a:r>
+            <a:r>
+              <a:rPr lang="en-US" sz="1100" dirty="0" err="1"/>
+              <a:t>cc.charge</a:t>
+            </a:r>
+            <a:r>
+              <a:rPr lang="en-US" sz="1100" dirty="0"/>
+              <a:t>(</a:t>
+            </a:r>
+            <a:r>
+              <a:rPr lang="en-US" sz="1100" dirty="0" err="1"/>
+              <a:t>cup.price</a:t>
+            </a:r>
+            <a:r>
+              <a:rPr lang="en-US" sz="1100" dirty="0"/>
+              <a:t>)</a:t>
             </a:r>
           </a:p>
           <a:p>
@@ -9753,22 +10119,8 @@
               <a:buNone/>
             </a:pPr>
             <a:r>
-              <a:rPr lang="en-US" sz="1400" dirty="0">
-                <a:latin typeface="Bookman Old Style" pitchFamily="18" charset="0"/>
-              </a:rPr>
-              <a:t> def main(</a:t>
-            </a:r>
-            <a:r>
-              <a:rPr lang="en-US" sz="1400" dirty="0" err="1">
-                <a:latin typeface="Bookman Old Style" pitchFamily="18" charset="0"/>
-              </a:rPr>
-              <a:t>args:Array</a:t>
-            </a:r>
-            <a:r>
-              <a:rPr lang="en-US" sz="1400" dirty="0">
-                <a:latin typeface="Bookman Old Style" pitchFamily="18" charset="0"/>
-              </a:rPr>
-              <a:t>[String]){</a:t>
+              <a:rPr lang="en-US" sz="1100" dirty="0"/>
+              <a:t>    cup</a:t>
             </a:r>
           </a:p>
           <a:p>
@@ -9776,28 +10128,37 @@
               <a:buNone/>
             </a:pPr>
             <a:r>
-              <a:rPr lang="en-US" sz="1400" dirty="0" err="1">
-                <a:latin typeface="Bookman Old Style" pitchFamily="18" charset="0"/>
-              </a:rPr>
-              <a:t>println</a:t>
-            </a:r>
-            <a:r>
-              <a:rPr lang="en-US" sz="1400" dirty="0">
-                <a:latin typeface="Bookman Old Style" pitchFamily="18" charset="0"/>
-              </a:rPr>
-              <a:t>(“hello </a:t>
-            </a:r>
-            <a:r>
-              <a:rPr lang="en-US" sz="1400" dirty="0" err="1">
-                <a:latin typeface="Bookman Old Style" pitchFamily="18" charset="0"/>
-              </a:rPr>
-              <a:t>scala</a:t>
-            </a:r>
-            <a:r>
-              <a:rPr lang="en-US" sz="1400" dirty="0">
-                <a:latin typeface="Bookman Old Style" pitchFamily="18" charset="0"/>
-              </a:rPr>
-              <a:t>”)</a:t>
+              <a:rPr lang="en-US" sz="1100" dirty="0"/>
+              <a:t>  }</a:t>
+            </a:r>
+          </a:p>
+          <a:p>
+            <a:r>
+              <a:rPr lang="en-US" sz="1600" dirty="0"/>
+              <a:t>Charging a credit card-</a:t>
+            </a:r>
+            <a:r>
+              <a:rPr lang="en-IN" sz="1600" dirty="0"/>
+              <a:t>involves some interaction with the outside world</a:t>
+            </a:r>
+            <a:endParaRPr lang="en-IN" sz="1100" dirty="0"/>
+          </a:p>
+          <a:p>
+            <a:r>
+              <a:rPr lang="en-US" sz="1100" dirty="0"/>
+              <a:t>Actions are happening </a:t>
+            </a:r>
+            <a:r>
+              <a:rPr lang="en-US" sz="1100" i="1" dirty="0"/>
+              <a:t>on-</a:t>
+            </a:r>
+            <a:r>
+              <a:rPr lang="en-IN" sz="1100" i="1" dirty="0"/>
+              <a:t>the side</a:t>
+            </a:r>
+            <a:r>
+              <a:rPr lang="en-IN" sz="1100" dirty="0"/>
+              <a:t>, hence the term “side effect.”</a:t>
             </a:r>
           </a:p>
           <a:p>
@@ -9805,49 +10166,92 @@
               <a:buNone/>
             </a:pPr>
             <a:r>
-              <a:rPr lang="en-US" sz="1400" dirty="0">
-                <a:latin typeface="Bookman Old Style" pitchFamily="18" charset="0"/>
-              </a:rPr>
+              <a:rPr lang="en-IN" sz="1100" b="1" dirty="0"/>
+              <a:t>def </a:t>
+            </a:r>
+            <a:r>
+              <a:rPr lang="en-IN" sz="1100" dirty="0" err="1"/>
+              <a:t>buyCoffee</a:t>
+            </a:r>
+            <a:r>
+              <a:rPr lang="en-IN" sz="1100" dirty="0"/>
+              <a:t>(cc: </a:t>
+            </a:r>
+            <a:r>
+              <a:rPr lang="en-IN" sz="1100" dirty="0" err="1"/>
+              <a:t>CreditCard</a:t>
+            </a:r>
+            <a:r>
+              <a:rPr lang="en-IN" sz="1100" dirty="0"/>
+              <a:t>, p: Payments): Coffee = {</a:t>
+            </a:r>
+          </a:p>
+          <a:p>
+            <a:pPr marL="0" indent="0">
+              <a:buNone/>
+            </a:pPr>
+            <a:r>
+              <a:rPr lang="en-US" sz="1100" b="1" dirty="0" err="1"/>
+              <a:t>val</a:t>
+            </a:r>
+            <a:r>
+              <a:rPr lang="en-US" sz="1100" b="1" dirty="0"/>
+              <a:t> </a:t>
+            </a:r>
+            <a:r>
+              <a:rPr lang="en-US" sz="1100" dirty="0"/>
+              <a:t>cup = </a:t>
+            </a:r>
+            <a:r>
+              <a:rPr lang="en-US" sz="1100" b="1" dirty="0"/>
+              <a:t>new </a:t>
+            </a:r>
+            <a:r>
+              <a:rPr lang="en-US" sz="1100" dirty="0"/>
+              <a:t>Coffee()</a:t>
+            </a:r>
+          </a:p>
+          <a:p>
+            <a:pPr marL="0" indent="0">
+              <a:buNone/>
+            </a:pPr>
+            <a:r>
+              <a:rPr lang="en-IN" sz="1100" dirty="0" err="1"/>
+              <a:t>p.charge</a:t>
+            </a:r>
+            <a:r>
+              <a:rPr lang="en-IN" sz="1100" dirty="0"/>
+              <a:t>(cc, </a:t>
+            </a:r>
+            <a:r>
+              <a:rPr lang="en-IN" sz="1100" dirty="0" err="1"/>
+              <a:t>cup.price</a:t>
+            </a:r>
+            <a:r>
+              <a:rPr lang="en-IN" sz="1100" dirty="0"/>
+              <a:t>)</a:t>
+            </a:r>
+          </a:p>
+          <a:p>
+            <a:pPr marL="0" indent="0">
+              <a:buNone/>
+            </a:pPr>
+            <a:r>
+              <a:rPr lang="en-US" sz="1100" dirty="0"/>
+              <a:t>cup</a:t>
+            </a:r>
+          </a:p>
+          <a:p>
+            <a:pPr marL="0" indent="0">
+              <a:buNone/>
+            </a:pPr>
+            <a:r>
+              <a:rPr lang="en-US" sz="1100" dirty="0"/>
               <a:t>}</a:t>
             </a:r>
           </a:p>
           <a:p>
-            <a:pPr marL="0" indent="0">
-              <a:buNone/>
-            </a:pPr>
-            <a:r>
-              <a:rPr lang="en-US" sz="1400" dirty="0">
-                <a:latin typeface="Bookman Old Style" pitchFamily="18" charset="0"/>
-              </a:rPr>
-              <a:t>}</a:t>
-            </a:r>
-          </a:p>
-          <a:p>
-            <a:pPr marL="0" indent="0">
-              <a:buNone/>
-            </a:pPr>
-            <a:endParaRPr lang="en-US" sz="1600" dirty="0"/>
-          </a:p>
-          <a:p>
-            <a:pPr marL="0" indent="0">
-              <a:buNone/>
-            </a:pPr>
-            <a:endParaRPr lang="en-US" sz="1600" dirty="0"/>
-          </a:p>
-          <a:p>
-            <a:pPr marL="0" indent="0">
-              <a:buNone/>
-            </a:pPr>
-            <a:r>
-              <a:rPr lang="en-US" dirty="0"/>
-              <a:t> </a:t>
-            </a:r>
-          </a:p>
-          <a:p>
-            <a:pPr marL="0" indent="0">
-              <a:buNone/>
-            </a:pPr>
-            <a:endParaRPr lang="en-US" sz="1600" dirty="0"/>
+            <a:endParaRPr lang="en-US" sz="1100" dirty="0"/>
           </a:p>
         </p:txBody>
       </p:sp>
@@ -9856,7 +10260,7 @@
           <p:cNvPr id="4" name="Slide Number Placeholder 3">
             <a:extLst>
               <a:ext uri="{FF2B5EF4-FFF2-40B4-BE49-F238E27FC236}">
-                <a16:creationId xmlns:a16="http://schemas.microsoft.com/office/drawing/2014/main" xmlns="" id="{381B8578-EA4D-4EC6-8640-0B05E0D78C80}"/>
+                <a16:creationId xmlns:a16="http://schemas.microsoft.com/office/drawing/2014/main" id="{9829E710-9423-426D-867C-61484103F5EA}"/>
               </a:ext>
             </a:extLst>
           </p:cNvPr>
@@ -9889,20 +10293,13 @@
     </p:spTree>
     <p:extLst>
       <p:ext uri="{BB962C8B-B14F-4D97-AF65-F5344CB8AC3E}">
-        <p14:creationId xmlns:p14="http://schemas.microsoft.com/office/powerpoint/2010/main" xmlns="" val="2565174248"/>
+        <p14:creationId xmlns:p14="http://schemas.microsoft.com/office/powerpoint/2010/main" val="4013928343"/>
       </p:ext>
     </p:extLst>
   </p:cSld>
   <p:clrMapOvr>
     <a:masterClrMapping/>
   </p:clrMapOvr>
-  <p:timing>
-    <p:tnLst>
-      <p:par>
-        <p:cTn id="1" dur="indefinite" restart="never" nodeType="tmRoot"/>
-      </p:par>
-    </p:tnLst>
-  </p:timing>
 </p:sld>
 </file>
 
@@ -9925,10 +10322,10 @@
       </p:grpSpPr>
       <p:sp>
         <p:nvSpPr>
-          <p:cNvPr id="6" name="Title 1">
+          <p:cNvPr id="2" name="Title 1">
             <a:extLst>
               <a:ext uri="{FF2B5EF4-FFF2-40B4-BE49-F238E27FC236}">
-                <a16:creationId xmlns:a16="http://schemas.microsoft.com/office/drawing/2014/main" xmlns="" id="{530793DB-E11E-4185-8E0A-19C598A25404}"/>
+                <a16:creationId xmlns:a16="http://schemas.microsoft.com/office/drawing/2014/main" id="{396E8D8E-CA4A-43B1-9573-A44588163C0E}"/>
               </a:ext>
             </a:extLst>
           </p:cNvPr>
@@ -9945,18 +10342,18 @@
           <a:lstStyle/>
           <a:p>
             <a:r>
-              <a:rPr lang="en-US" sz="3300" dirty="0"/>
-              <a:t>Companion object and class</a:t>
+              <a:rPr lang="en-US" sz="1100" dirty="0"/>
+              <a:t>Continue….</a:t>
             </a:r>
           </a:p>
         </p:txBody>
       </p:sp>
       <p:sp>
         <p:nvSpPr>
-          <p:cNvPr id="2" name="Content Placeholder 1">
+          <p:cNvPr id="3" name="Content Placeholder 2">
             <a:extLst>
               <a:ext uri="{FF2B5EF4-FFF2-40B4-BE49-F238E27FC236}">
-                <a16:creationId xmlns:a16="http://schemas.microsoft.com/office/drawing/2014/main" xmlns="" id="{4C7760E9-A82C-48FD-9177-D45C6336D758}"/>
+                <a16:creationId xmlns:a16="http://schemas.microsoft.com/office/drawing/2014/main" id="{483E7D96-4BA9-4088-BC02-01BBFABD5A4F}"/>
               </a:ext>
             </a:extLst>
           </p:cNvPr>
@@ -9967,35 +10364,51 @@
             <p:ph idx="1"/>
           </p:nvPr>
         </p:nvSpPr>
-        <p:spPr>
-          <a:xfrm>
-            <a:off x="685800" y="1509713"/>
-            <a:ext cx="7772400" cy="3935412"/>
-          </a:xfrm>
-        </p:spPr>
+        <p:spPr/>
         <p:txBody>
           <a:bodyPr/>
           <a:lstStyle/>
           <a:p>
             <a:r>
-              <a:rPr lang="en-IN" sz="1400" dirty="0">
-                <a:latin typeface="Bookman Old Style" pitchFamily="18" charset="0"/>
-              </a:rPr>
-              <a:t>When a singleton object is named the same as a class, it is called a companion object. A companion object must be defined inside the same source file as the class.</a:t>
-            </a:r>
-            <a:endParaRPr lang="en-US" sz="1400" dirty="0">
-              <a:latin typeface="Bookman Old Style" pitchFamily="18" charset="0"/>
-            </a:endParaRPr>
+              <a:rPr lang="en-IN" b="1" i="1" dirty="0"/>
+              <a:t>A functional solution: removing the side effects</a:t>
+            </a:r>
           </a:p>
           <a:p>
             <a:pPr marL="0" indent="0">
               <a:buNone/>
             </a:pPr>
             <a:r>
-              <a:rPr lang="en-IN" sz="1400" dirty="0">
-                <a:latin typeface="Bookman Old Style" pitchFamily="18" charset="0"/>
-              </a:rPr>
-              <a:t>class Main {</a:t>
+              <a:rPr lang="en-IN" dirty="0"/>
+              <a:t> </a:t>
+            </a:r>
+            <a:r>
+              <a:rPr lang="en-IN" sz="1100" dirty="0"/>
+              <a:t>def </a:t>
+            </a:r>
+            <a:r>
+              <a:rPr lang="en-IN" sz="1100" dirty="0" err="1"/>
+              <a:t>buyCofee</a:t>
+            </a:r>
+            <a:r>
+              <a:rPr lang="en-IN" sz="1100" dirty="0"/>
+              <a:t>(cc: </a:t>
+            </a:r>
+            <a:r>
+              <a:rPr lang="en-IN" sz="1100" dirty="0" err="1"/>
+              <a:t>CreditCard</a:t>
+            </a:r>
+            <a:r>
+              <a:rPr lang="en-IN" sz="1100" dirty="0"/>
+              <a:t>):(</a:t>
+            </a:r>
+            <a:r>
+              <a:rPr lang="en-IN" sz="1100" dirty="0" err="1"/>
+              <a:t>Cofee</a:t>
+            </a:r>
+            <a:r>
+              <a:rPr lang="en-IN" sz="1100" dirty="0"/>
+              <a:t>, Charge)={</a:t>
             </a:r>
           </a:p>
           <a:p>
@@ -10003,22 +10416,32 @@
               <a:buNone/>
             </a:pPr>
             <a:r>
-              <a:rPr lang="en-IN" sz="1400" dirty="0">
-                <a:latin typeface="Bookman Old Style" pitchFamily="18" charset="0"/>
-              </a:rPr>
-              <a:t>    def </a:t>
-            </a:r>
-            <a:r>
-              <a:rPr lang="en-IN" sz="1400" dirty="0" err="1">
-                <a:latin typeface="Bookman Old Style" pitchFamily="18" charset="0"/>
-              </a:rPr>
-              <a:t>sayHelloWorld</a:t>
-            </a:r>
-            <a:r>
-              <a:rPr lang="en-IN" sz="1400" dirty="0">
-                <a:latin typeface="Bookman Old Style" pitchFamily="18" charset="0"/>
-              </a:rPr>
-              <a:t>() {</a:t>
+              <a:rPr lang="en-IN" sz="1100" dirty="0"/>
+              <a:t>   </a:t>
+            </a:r>
+            <a:r>
+              <a:rPr lang="en-IN" sz="1100" dirty="0" err="1"/>
+              <a:t>val</a:t>
+            </a:r>
+            <a:r>
+              <a:rPr lang="en-IN" sz="1100" dirty="0"/>
+              <a:t> cup=new </a:t>
+            </a:r>
+            <a:r>
+              <a:rPr lang="en-IN" sz="1100" dirty="0" err="1"/>
+              <a:t>Cofee</a:t>
+            </a:r>
+            <a:r>
+              <a:rPr lang="en-IN" sz="1100" dirty="0"/>
+              <a:t>(</a:t>
+            </a:r>
+            <a:r>
+              <a:rPr lang="en-IN" sz="1100" dirty="0" err="1"/>
+              <a:t>cofeePrice</a:t>
+            </a:r>
+            <a:r>
+              <a:rPr lang="en-IN" sz="1100" dirty="0"/>
+              <a:t>)</a:t>
             </a:r>
           </a:p>
           <a:p>
@@ -10026,22 +10449,16 @@
               <a:buNone/>
             </a:pPr>
             <a:r>
-              <a:rPr lang="en-IN" sz="1400" dirty="0">
-                <a:latin typeface="Bookman Old Style" pitchFamily="18" charset="0"/>
-              </a:rPr>
-              <a:t>        </a:t>
-            </a:r>
-            <a:r>
-              <a:rPr lang="en-IN" sz="1400" dirty="0" err="1">
-                <a:latin typeface="Bookman Old Style" pitchFamily="18" charset="0"/>
-              </a:rPr>
-              <a:t>println</a:t>
-            </a:r>
-            <a:r>
-              <a:rPr lang="en-IN" sz="1400" dirty="0">
-                <a:latin typeface="Bookman Old Style" pitchFamily="18" charset="0"/>
-              </a:rPr>
-              <a:t>("Hello World");</a:t>
+              <a:rPr lang="en-US" sz="1100" dirty="0"/>
+              <a:t>   (cup, Charge(cc, </a:t>
+            </a:r>
+            <a:r>
+              <a:rPr lang="en-US" sz="1100" dirty="0" err="1"/>
+              <a:t>cup.price</a:t>
+            </a:r>
+            <a:r>
+              <a:rPr lang="en-US" sz="1100" dirty="0"/>
+              <a:t>))</a:t>
             </a:r>
           </a:p>
           <a:p>
@@ -10049,10 +10466,14 @@
               <a:buNone/>
             </a:pPr>
             <a:r>
-              <a:rPr lang="en-IN" sz="1400" dirty="0">
-                <a:latin typeface="Bookman Old Style" pitchFamily="18" charset="0"/>
-              </a:rPr>
-              <a:t>    }</a:t>
+              <a:rPr lang="en-US" sz="1100" dirty="0"/>
+              <a:t> }</a:t>
+            </a:r>
+          </a:p>
+          <a:p>
+            <a:r>
+              <a:rPr lang="en-US" sz="1600" dirty="0"/>
+              <a:t>What-is-Charge-Here</a:t>
             </a:r>
           </a:p>
           <a:p>
@@ -10060,9 +10481,93 @@
               <a:buNone/>
             </a:pPr>
             <a:r>
-              <a:rPr lang="en-IN" sz="1400" dirty="0">
-                <a:latin typeface="Bookman Old Style" pitchFamily="18" charset="0"/>
-              </a:rPr>
+              <a:rPr lang="en-IN" sz="1200" b="1" dirty="0"/>
+              <a:t>case class </a:t>
+            </a:r>
+            <a:r>
+              <a:rPr lang="en-IN" sz="1200" dirty="0"/>
+              <a:t>Charge(cc: </a:t>
+            </a:r>
+            <a:r>
+              <a:rPr lang="en-IN" sz="1200" dirty="0" err="1"/>
+              <a:t>CreditCard</a:t>
+            </a:r>
+            <a:r>
+              <a:rPr lang="en-IN" sz="1200" dirty="0"/>
+              <a:t>, amount: Double) {</a:t>
+            </a:r>
+          </a:p>
+          <a:p>
+            <a:pPr marL="0" indent="0">
+              <a:buNone/>
+            </a:pPr>
+            <a:r>
+              <a:rPr lang="en-IN" sz="1200" b="1" dirty="0"/>
+              <a:t>def </a:t>
+            </a:r>
+            <a:r>
+              <a:rPr lang="en-IN" sz="1200" dirty="0"/>
+              <a:t>combine(other: Charge): Charge =</a:t>
+            </a:r>
+          </a:p>
+          <a:p>
+            <a:pPr marL="0" indent="0">
+              <a:buNone/>
+            </a:pPr>
+            <a:r>
+              <a:rPr lang="en-US" sz="1200" b="1" dirty="0"/>
+              <a:t>if </a:t>
+            </a:r>
+            <a:r>
+              <a:rPr lang="en-US" sz="1200" dirty="0"/>
+              <a:t>(cc == other.cc)</a:t>
+            </a:r>
+          </a:p>
+          <a:p>
+            <a:pPr marL="0" indent="0">
+              <a:buNone/>
+            </a:pPr>
+            <a:r>
+              <a:rPr lang="en-IN" sz="1200" dirty="0"/>
+              <a:t>Charge(cc, amount + </a:t>
+            </a:r>
+            <a:r>
+              <a:rPr lang="en-IN" sz="1200" dirty="0" err="1"/>
+              <a:t>other.amount</a:t>
+            </a:r>
+            <a:r>
+              <a:rPr lang="en-IN" sz="1200" dirty="0"/>
+              <a:t>)</a:t>
+            </a:r>
+          </a:p>
+          <a:p>
+            <a:pPr marL="0" indent="0">
+              <a:buNone/>
+            </a:pPr>
+            <a:r>
+              <a:rPr lang="en-US" sz="1200" b="1" dirty="0"/>
+              <a:t>else</a:t>
+            </a:r>
+          </a:p>
+          <a:p>
+            <a:pPr marL="0" indent="0">
+              <a:buNone/>
+            </a:pPr>
+            <a:r>
+              <a:rPr lang="en-IN" sz="1200" b="1" dirty="0"/>
+              <a:t>throw new Exception</a:t>
+            </a:r>
+            <a:r>
+              <a:rPr lang="en-IN" sz="1200" dirty="0"/>
+              <a:t>("Can't combine charges to different cards")</a:t>
+            </a:r>
+          </a:p>
+          <a:p>
+            <a:pPr marL="0" indent="0">
+              <a:buNone/>
+            </a:pPr>
+            <a:r>
+              <a:rPr lang="en-US" sz="1200" dirty="0"/>
               <a:t>}</a:t>
             </a:r>
           </a:p>
@@ -10070,80 +10575,13 @@
             <a:pPr marL="0" indent="0">
               <a:buNone/>
             </a:pPr>
-            <a:r>
-              <a:rPr lang="en-IN" sz="1400" dirty="0">
-                <a:latin typeface="Bookman Old Style" pitchFamily="18" charset="0"/>
-              </a:rPr>
-              <a:t>object Main {</a:t>
-            </a:r>
+            <a:endParaRPr lang="en-US" sz="1600" dirty="0"/>
           </a:p>
           <a:p>
             <a:pPr marL="0" indent="0">
               <a:buNone/>
             </a:pPr>
-            <a:r>
-              <a:rPr lang="en-IN" sz="1400" dirty="0">
-                <a:latin typeface="Bookman Old Style" pitchFamily="18" charset="0"/>
-              </a:rPr>
-              <a:t>    def </a:t>
-            </a:r>
-            <a:r>
-              <a:rPr lang="en-IN" sz="1400" dirty="0" err="1">
-                <a:latin typeface="Bookman Old Style" pitchFamily="18" charset="0"/>
-              </a:rPr>
-              <a:t>sayHi</a:t>
-            </a:r>
-            <a:r>
-              <a:rPr lang="en-IN" sz="1400" dirty="0">
-                <a:latin typeface="Bookman Old Style" pitchFamily="18" charset="0"/>
-              </a:rPr>
-              <a:t>() {</a:t>
-            </a:r>
-          </a:p>
-          <a:p>
-            <a:pPr marL="0" indent="0">
-              <a:buNone/>
-            </a:pPr>
-            <a:r>
-              <a:rPr lang="en-IN" sz="1400" dirty="0">
-                <a:latin typeface="Bookman Old Style" pitchFamily="18" charset="0"/>
-              </a:rPr>
-              <a:t>        </a:t>
-            </a:r>
-            <a:r>
-              <a:rPr lang="en-IN" sz="1400" dirty="0" err="1">
-                <a:latin typeface="Bookman Old Style" pitchFamily="18" charset="0"/>
-              </a:rPr>
-              <a:t>println</a:t>
-            </a:r>
-            <a:r>
-              <a:rPr lang="en-IN" sz="1400" dirty="0">
-                <a:latin typeface="Bookman Old Style" pitchFamily="18" charset="0"/>
-              </a:rPr>
-              <a:t>("Hi!");</a:t>
-            </a:r>
-          </a:p>
-          <a:p>
-            <a:pPr marL="0" indent="0">
-              <a:buNone/>
-            </a:pPr>
-            <a:r>
-              <a:rPr lang="en-IN" sz="1400" dirty="0">
-                <a:latin typeface="Bookman Old Style" pitchFamily="18" charset="0"/>
-              </a:rPr>
-              <a:t>    }</a:t>
-            </a:r>
-          </a:p>
-          <a:p>
-            <a:pPr marL="0" indent="0">
-              <a:buNone/>
-            </a:pPr>
-            <a:r>
-              <a:rPr lang="en-IN" sz="1400" dirty="0">
-                <a:latin typeface="Bookman Old Style" pitchFamily="18" charset="0"/>
-              </a:rPr>
-              <a:t>}</a:t>
-            </a:r>
+            <a:endParaRPr lang="en-US" sz="1600" dirty="0"/>
           </a:p>
         </p:txBody>
       </p:sp>
@@ -10152,7 +10590,7 @@
           <p:cNvPr id="4" name="Slide Number Placeholder 3">
             <a:extLst>
               <a:ext uri="{FF2B5EF4-FFF2-40B4-BE49-F238E27FC236}">
-                <a16:creationId xmlns:a16="http://schemas.microsoft.com/office/drawing/2014/main" xmlns="" id="{381B8578-EA4D-4EC6-8640-0B05E0D78C80}"/>
+                <a16:creationId xmlns:a16="http://schemas.microsoft.com/office/drawing/2014/main" id="{9F19EBBF-11B1-4E3F-A7AD-3481711243A0}"/>
               </a:ext>
             </a:extLst>
           </p:cNvPr>
@@ -10185,20 +10623,13 @@
     </p:spTree>
     <p:extLst>
       <p:ext uri="{BB962C8B-B14F-4D97-AF65-F5344CB8AC3E}">
-        <p14:creationId xmlns:p14="http://schemas.microsoft.com/office/powerpoint/2010/main" xmlns="" val="2016841915"/>
+        <p14:creationId xmlns:p14="http://schemas.microsoft.com/office/powerpoint/2010/main" val="1178441848"/>
       </p:ext>
     </p:extLst>
   </p:cSld>
   <p:clrMapOvr>
     <a:masterClrMapping/>
   </p:clrMapOvr>
-  <p:timing>
-    <p:tnLst>
-      <p:par>
-        <p:cTn id="1" dur="indefinite" restart="never" nodeType="tmRoot"/>
-      </p:par>
-    </p:tnLst>
-  </p:timing>
 </p:sld>
 </file>
 
@@ -10224,7 +10655,7 @@
           <p:cNvPr id="2" name="Title 1">
             <a:extLst>
               <a:ext uri="{FF2B5EF4-FFF2-40B4-BE49-F238E27FC236}">
-                <a16:creationId xmlns:a16="http://schemas.microsoft.com/office/drawing/2014/main" xmlns="" id="{9FCDC1D9-86AA-40F3-A7E8-8E28093920AC}"/>
+                <a16:creationId xmlns:a16="http://schemas.microsoft.com/office/drawing/2014/main" id="{A38E9754-9BEF-4159-8292-824368E25D8C}"/>
               </a:ext>
             </a:extLst>
           </p:cNvPr>
@@ -10235,21 +10666,15 @@
             <p:ph type="title"/>
           </p:nvPr>
         </p:nvSpPr>
-        <p:spPr>
-          <a:xfrm>
-            <a:off x="685800" y="309563"/>
-            <a:ext cx="7772400" cy="1143000"/>
-          </a:xfrm>
-        </p:spPr>
+        <p:spPr/>
         <p:txBody>
           <a:bodyPr/>
           <a:lstStyle/>
           <a:p>
             <a:r>
-              <a:rPr lang="en-US" sz="3300" dirty="0" smtClean="0"/>
-              <a:t>Companion class and objects singleton …</a:t>
-            </a:r>
-            <a:endParaRPr lang="en-US" sz="3300" dirty="0"/>
+              <a:rPr lang="en-US" sz="1100" dirty="0"/>
+              <a:t>Continues…</a:t>
+            </a:r>
           </a:p>
         </p:txBody>
       </p:sp>
@@ -10258,7 +10683,7 @@
           <p:cNvPr id="3" name="Content Placeholder 2">
             <a:extLst>
               <a:ext uri="{FF2B5EF4-FFF2-40B4-BE49-F238E27FC236}">
-                <a16:creationId xmlns:a16="http://schemas.microsoft.com/office/drawing/2014/main" xmlns="" id="{4402E8F6-E378-4A26-A39B-8CD0FFDC4066}"/>
+                <a16:creationId xmlns:a16="http://schemas.microsoft.com/office/drawing/2014/main" id="{8964F204-72DE-4973-89C4-394F86E40FBD}"/>
               </a:ext>
             </a:extLst>
           </p:cNvPr>
@@ -10269,440 +10694,198 @@
             <p:ph idx="1"/>
           </p:nvPr>
         </p:nvSpPr>
-        <p:spPr>
-          <a:xfrm>
-            <a:off x="685800" y="1409128"/>
-            <a:ext cx="7772400" cy="4222493"/>
-          </a:xfrm>
-          <a:ln>
-            <a:solidFill>
-              <a:schemeClr val="accent1"/>
-            </a:solidFill>
-          </a:ln>
-        </p:spPr>
+        <p:spPr/>
         <p:txBody>
           <a:bodyPr/>
           <a:lstStyle/>
           <a:p>
-            <a:r>
-              <a:rPr lang="en-IN" sz="1400" dirty="0" smtClean="0">
-                <a:latin typeface="Bookman Old Style" pitchFamily="18" charset="0"/>
-              </a:rPr>
-              <a:t>Generally  singleton object  is always used with companion class . We used companion class and companion object for factory  design.</a:t>
-            </a:r>
-          </a:p>
-          <a:p>
-            <a:r>
-              <a:rPr lang="en-IN" sz="1400" b="1" dirty="0" smtClean="0">
-                <a:solidFill>
-                  <a:srgbClr val="00B050"/>
-                </a:solidFill>
-                <a:latin typeface="Bookman Old Style" pitchFamily="18" charset="0"/>
-              </a:rPr>
-              <a:t>sealed trait </a:t>
-            </a:r>
-            <a:r>
-              <a:rPr lang="en-IN" sz="1400" b="1" dirty="0" err="1" smtClean="0">
-                <a:solidFill>
-                  <a:srgbClr val="00B050"/>
-                </a:solidFill>
-                <a:latin typeface="Bookman Old Style" pitchFamily="18" charset="0"/>
-              </a:rPr>
-              <a:t>PersonService</a:t>
-            </a:r>
-            <a:r>
-              <a:rPr lang="en-IN" sz="1400" b="1" dirty="0" smtClean="0">
-                <a:solidFill>
-                  <a:srgbClr val="00B050"/>
-                </a:solidFill>
-                <a:latin typeface="Bookman Old Style" pitchFamily="18" charset="0"/>
-              </a:rPr>
-              <a:t>{</a:t>
-            </a:r>
-          </a:p>
-          <a:p>
-            <a:r>
-              <a:rPr lang="en-IN" sz="1400" b="1" dirty="0" smtClean="0">
-                <a:solidFill>
-                  <a:srgbClr val="00B050"/>
-                </a:solidFill>
-                <a:latin typeface="Bookman Old Style" pitchFamily="18" charset="0"/>
-              </a:rPr>
-              <a:t>  def </a:t>
-            </a:r>
-            <a:r>
-              <a:rPr lang="en-IN" sz="1400" b="1" dirty="0" err="1" smtClean="0">
-                <a:solidFill>
-                  <a:srgbClr val="00B050"/>
-                </a:solidFill>
-                <a:latin typeface="Bookman Old Style" pitchFamily="18" charset="0"/>
-              </a:rPr>
-              <a:t>getPerson</a:t>
-            </a:r>
-            <a:r>
-              <a:rPr lang="en-IN" sz="1400" b="1" dirty="0" smtClean="0">
-                <a:solidFill>
-                  <a:srgbClr val="00B050"/>
-                </a:solidFill>
-                <a:latin typeface="Bookman Old Style" pitchFamily="18" charset="0"/>
-              </a:rPr>
-              <a:t>():String</a:t>
-            </a:r>
-          </a:p>
-          <a:p>
-            <a:r>
-              <a:rPr lang="en-IN" sz="1400" b="1" dirty="0" smtClean="0">
-                <a:solidFill>
-                  <a:srgbClr val="00B050"/>
-                </a:solidFill>
-                <a:latin typeface="Bookman Old Style" pitchFamily="18" charset="0"/>
-              </a:rPr>
+            <a:pPr marL="0" indent="0">
+              <a:buNone/>
+            </a:pPr>
+            <a:r>
+              <a:rPr lang="en-IN" sz="1400" b="1" dirty="0"/>
+              <a:t>def </a:t>
+            </a:r>
+            <a:r>
+              <a:rPr lang="en-IN" sz="1400" dirty="0" err="1"/>
+              <a:t>buyCoffees</a:t>
+            </a:r>
+            <a:r>
+              <a:rPr lang="en-IN" sz="1400" dirty="0"/>
+              <a:t>(cc: </a:t>
+            </a:r>
+            <a:r>
+              <a:rPr lang="en-IN" sz="1400" dirty="0" err="1"/>
+              <a:t>CreditCard</a:t>
+            </a:r>
+            <a:r>
+              <a:rPr lang="en-IN" sz="1400" dirty="0"/>
+              <a:t>, n: </a:t>
+            </a:r>
+            <a:r>
+              <a:rPr lang="en-IN" sz="1400" dirty="0" err="1"/>
+              <a:t>Int</a:t>
+            </a:r>
+            <a:r>
+              <a:rPr lang="en-IN" sz="1400" dirty="0"/>
+              <a:t>): (List[Coffee], Charge) = {</a:t>
+            </a:r>
+          </a:p>
+          <a:p>
+            <a:pPr marL="0" indent="0">
+              <a:buNone/>
+            </a:pPr>
+            <a:r>
+              <a:rPr lang="en-IN" sz="1400" b="1" dirty="0" err="1"/>
+              <a:t>val</a:t>
+            </a:r>
+            <a:r>
+              <a:rPr lang="en-IN" sz="1400" b="1" dirty="0"/>
+              <a:t> </a:t>
+            </a:r>
+            <a:r>
+              <a:rPr lang="en-IN" sz="1400" dirty="0"/>
+              <a:t>purchases: List[(Coffee, Charge)] = </a:t>
+            </a:r>
+            <a:r>
+              <a:rPr lang="en-IN" sz="1400" dirty="0" err="1"/>
+              <a:t>List.fill</a:t>
+            </a:r>
+            <a:r>
+              <a:rPr lang="en-IN" sz="1400" dirty="0"/>
+              <a:t>(n)(</a:t>
+            </a:r>
+            <a:r>
+              <a:rPr lang="en-IN" sz="1400" dirty="0" err="1"/>
+              <a:t>buyCoffee</a:t>
+            </a:r>
+            <a:r>
+              <a:rPr lang="en-IN" sz="1400" dirty="0"/>
+              <a:t>(cc))</a:t>
+            </a:r>
+          </a:p>
+          <a:p>
+            <a:pPr marL="0" indent="0">
+              <a:buNone/>
+            </a:pPr>
+            <a:r>
+              <a:rPr lang="en-IN" sz="1400" b="1" dirty="0" err="1"/>
+              <a:t>val</a:t>
+            </a:r>
+            <a:r>
+              <a:rPr lang="en-IN" sz="1400" b="1" dirty="0"/>
+              <a:t> </a:t>
+            </a:r>
+            <a:r>
+              <a:rPr lang="en-IN" sz="1400" dirty="0"/>
+              <a:t>(coffees, charges) = </a:t>
+            </a:r>
+            <a:r>
+              <a:rPr lang="en-IN" sz="1400" dirty="0" err="1"/>
+              <a:t>purchases.unzip</a:t>
+            </a:r>
+            <a:endParaRPr lang="en-IN" sz="1400" dirty="0"/>
+          </a:p>
+          <a:p>
+            <a:pPr marL="0" indent="0">
+              <a:buNone/>
+            </a:pPr>
+            <a:r>
+              <a:rPr lang="en-IN" sz="1400" dirty="0"/>
+              <a:t>(coffees, </a:t>
+            </a:r>
+            <a:r>
+              <a:rPr lang="en-IN" sz="1400" dirty="0" err="1"/>
+              <a:t>charges.reduce</a:t>
+            </a:r>
+            <a:r>
+              <a:rPr lang="en-IN" sz="1400" dirty="0"/>
+              <a:t>((c1,c2) =&gt; c1.combine(c2)))</a:t>
+            </a:r>
+          </a:p>
+          <a:p>
+            <a:pPr marL="0" indent="0">
+              <a:buNone/>
+            </a:pPr>
+            <a:r>
+              <a:rPr lang="en-US" sz="1400" dirty="0"/>
               <a:t>}</a:t>
             </a:r>
           </a:p>
           <a:p>
-            <a:r>
-              <a:rPr lang="en-IN" sz="1400" b="1" dirty="0" smtClean="0">
-                <a:solidFill>
-                  <a:srgbClr val="00B050"/>
-                </a:solidFill>
-                <a:latin typeface="Bookman Old Style" pitchFamily="18" charset="0"/>
-              </a:rPr>
-              <a:t>private class </a:t>
-            </a:r>
-            <a:r>
-              <a:rPr lang="en-IN" sz="1400" b="1" dirty="0" err="1" smtClean="0">
-                <a:solidFill>
-                  <a:srgbClr val="00B050"/>
-                </a:solidFill>
-                <a:latin typeface="Bookman Old Style" pitchFamily="18" charset="0"/>
-              </a:rPr>
-              <a:t>PersonServiceImpl</a:t>
-            </a:r>
-            <a:r>
-              <a:rPr lang="en-IN" sz="1400" b="1" dirty="0" smtClean="0">
-                <a:solidFill>
-                  <a:srgbClr val="00B050"/>
-                </a:solidFill>
-                <a:latin typeface="Bookman Old Style" pitchFamily="18" charset="0"/>
-              </a:rPr>
-              <a:t>(private[this] </a:t>
-            </a:r>
-            <a:r>
-              <a:rPr lang="en-IN" sz="1400" b="1" dirty="0" err="1" smtClean="0">
-                <a:solidFill>
-                  <a:srgbClr val="00B050"/>
-                </a:solidFill>
-                <a:latin typeface="Bookman Old Style" pitchFamily="18" charset="0"/>
-              </a:rPr>
-              <a:t>val</a:t>
-            </a:r>
-            <a:r>
-              <a:rPr lang="en-IN" sz="1400" b="1" dirty="0" smtClean="0">
-                <a:solidFill>
-                  <a:srgbClr val="00B050"/>
-                </a:solidFill>
-                <a:latin typeface="Bookman Old Style" pitchFamily="18" charset="0"/>
-              </a:rPr>
-              <a:t> </a:t>
-            </a:r>
-            <a:r>
-              <a:rPr lang="en-IN" sz="1400" b="1" dirty="0" err="1" smtClean="0">
-                <a:solidFill>
-                  <a:srgbClr val="00B050"/>
-                </a:solidFill>
-                <a:latin typeface="Bookman Old Style" pitchFamily="18" charset="0"/>
-              </a:rPr>
-              <a:t>jString:String</a:t>
-            </a:r>
-            <a:r>
-              <a:rPr lang="en-IN" sz="1400" b="1" dirty="0" smtClean="0">
-                <a:solidFill>
-                  <a:srgbClr val="00B050"/>
-                </a:solidFill>
-                <a:latin typeface="Bookman Old Style" pitchFamily="18" charset="0"/>
-              </a:rPr>
-              <a:t>) extends </a:t>
-            </a:r>
-            <a:r>
-              <a:rPr lang="en-IN" sz="1400" b="1" dirty="0" err="1" smtClean="0">
-                <a:solidFill>
-                  <a:srgbClr val="00B050"/>
-                </a:solidFill>
-                <a:latin typeface="Bookman Old Style" pitchFamily="18" charset="0"/>
-              </a:rPr>
-              <a:t>PersonService</a:t>
-            </a:r>
-            <a:r>
-              <a:rPr lang="en-IN" sz="1400" b="1" dirty="0" smtClean="0">
-                <a:solidFill>
-                  <a:srgbClr val="00B050"/>
-                </a:solidFill>
-                <a:latin typeface="Bookman Old Style" pitchFamily="18" charset="0"/>
-              </a:rPr>
-              <a:t> {</a:t>
-            </a:r>
-          </a:p>
-          <a:p>
-            <a:r>
-              <a:rPr lang="en-IN" sz="1400" b="1" dirty="0" smtClean="0">
-                <a:solidFill>
-                  <a:srgbClr val="00B050"/>
-                </a:solidFill>
-                <a:latin typeface="Bookman Old Style" pitchFamily="18" charset="0"/>
-              </a:rPr>
-              <a:t>	private </a:t>
-            </a:r>
-            <a:r>
-              <a:rPr lang="en-IN" sz="1400" b="1" dirty="0" err="1" smtClean="0">
-                <a:solidFill>
-                  <a:srgbClr val="00B050"/>
-                </a:solidFill>
-                <a:latin typeface="Bookman Old Style" pitchFamily="18" charset="0"/>
-              </a:rPr>
-              <a:t>var</a:t>
-            </a:r>
-            <a:r>
-              <a:rPr lang="en-IN" sz="1400" b="1" dirty="0" smtClean="0">
-                <a:solidFill>
-                  <a:srgbClr val="00B050"/>
-                </a:solidFill>
-                <a:latin typeface="Bookman Old Style" pitchFamily="18" charset="0"/>
-              </a:rPr>
-              <a:t> </a:t>
-            </a:r>
-            <a:r>
-              <a:rPr lang="en-IN" sz="1400" b="1" dirty="0" err="1" smtClean="0">
-                <a:solidFill>
-                  <a:srgbClr val="00B050"/>
-                </a:solidFill>
-                <a:latin typeface="Bookman Old Style" pitchFamily="18" charset="0"/>
-              </a:rPr>
-              <a:t>extraData</a:t>
-            </a:r>
-            <a:r>
-              <a:rPr lang="en-IN" sz="1400" b="1" dirty="0" smtClean="0">
-                <a:solidFill>
-                  <a:srgbClr val="00B050"/>
-                </a:solidFill>
-                <a:latin typeface="Bookman Old Style" pitchFamily="18" charset="0"/>
-              </a:rPr>
-              <a:t>= ""</a:t>
-            </a:r>
-          </a:p>
-          <a:p>
-            <a:r>
-              <a:rPr lang="en-IN" sz="1400" b="1" dirty="0" smtClean="0">
-                <a:solidFill>
-                  <a:srgbClr val="00B050"/>
-                </a:solidFill>
-                <a:latin typeface="Bookman Old Style" pitchFamily="18" charset="0"/>
-              </a:rPr>
-              <a:t>			override def </a:t>
-            </a:r>
-            <a:r>
-              <a:rPr lang="en-IN" sz="1400" b="1" dirty="0" err="1" smtClean="0">
-                <a:solidFill>
-                  <a:srgbClr val="00B050"/>
-                </a:solidFill>
-                <a:latin typeface="Bookman Old Style" pitchFamily="18" charset="0"/>
-              </a:rPr>
-              <a:t>toString</a:t>
-            </a:r>
-            <a:r>
-              <a:rPr lang="en-IN" sz="1400" b="1" dirty="0" smtClean="0">
-                <a:solidFill>
-                  <a:srgbClr val="00B050"/>
-                </a:solidFill>
-                <a:latin typeface="Bookman Old Style" pitchFamily="18" charset="0"/>
-              </a:rPr>
-              <a:t> =</a:t>
-            </a:r>
-            <a:r>
-              <a:rPr lang="en-IN" sz="1400" b="1" dirty="0" err="1" smtClean="0">
-                <a:solidFill>
-                  <a:srgbClr val="00B050"/>
-                </a:solidFill>
-                <a:latin typeface="Bookman Old Style" pitchFamily="18" charset="0"/>
-              </a:rPr>
-              <a:t>jString+extraData</a:t>
-            </a:r>
-            <a:endParaRPr lang="en-IN" sz="1400" b="1" dirty="0" smtClean="0">
-              <a:solidFill>
-                <a:srgbClr val="00B050"/>
-              </a:solidFill>
-              <a:latin typeface="Bookman Old Style" pitchFamily="18" charset="0"/>
-            </a:endParaRPr>
-          </a:p>
-          <a:p>
-            <a:r>
-              <a:rPr lang="en-IN" sz="1400" b="1" dirty="0" smtClean="0">
-                <a:solidFill>
-                  <a:srgbClr val="00B050"/>
-                </a:solidFill>
-                <a:latin typeface="Bookman Old Style" pitchFamily="18" charset="0"/>
-              </a:rPr>
-              <a:t>			def </a:t>
-            </a:r>
-            <a:r>
-              <a:rPr lang="en-IN" sz="1400" b="1" dirty="0" err="1" smtClean="0">
-                <a:solidFill>
-                  <a:srgbClr val="00B050"/>
-                </a:solidFill>
-                <a:latin typeface="Bookman Old Style" pitchFamily="18" charset="0"/>
-              </a:rPr>
-              <a:t>getMsg</a:t>
-            </a:r>
-            <a:r>
-              <a:rPr lang="en-IN" sz="1400" b="1" dirty="0" smtClean="0">
-                <a:solidFill>
-                  <a:srgbClr val="00B050"/>
-                </a:solidFill>
-                <a:latin typeface="Bookman Old Style" pitchFamily="18" charset="0"/>
-              </a:rPr>
-              <a:t>():String={</a:t>
-            </a:r>
-          </a:p>
-          <a:p>
-            <a:r>
-              <a:rPr lang="en-IN" sz="1400" b="1" dirty="0" smtClean="0">
-                <a:solidFill>
-                  <a:srgbClr val="00B050"/>
-                </a:solidFill>
-                <a:latin typeface="Bookman Old Style" pitchFamily="18" charset="0"/>
-              </a:rPr>
-              <a:t>					return </a:t>
-            </a:r>
-            <a:r>
-              <a:rPr lang="en-IN" sz="1400" b="1" dirty="0" err="1" smtClean="0">
-                <a:solidFill>
-                  <a:srgbClr val="00B050"/>
-                </a:solidFill>
-                <a:latin typeface="Bookman Old Style" pitchFamily="18" charset="0"/>
-              </a:rPr>
-              <a:t>this.jString</a:t>
-            </a:r>
-            <a:endParaRPr lang="en-IN" sz="1400" b="1" dirty="0" smtClean="0">
-              <a:solidFill>
-                <a:srgbClr val="00B050"/>
-              </a:solidFill>
-              <a:latin typeface="Bookman Old Style" pitchFamily="18" charset="0"/>
-            </a:endParaRPr>
-          </a:p>
-          <a:p>
-            <a:r>
-              <a:rPr lang="en-IN" sz="1400" b="1" dirty="0" smtClean="0">
-                <a:solidFill>
-                  <a:srgbClr val="00B050"/>
-                </a:solidFill>
-                <a:latin typeface="Bookman Old Style" pitchFamily="18" charset="0"/>
-              </a:rPr>
-              <a:t>			}</a:t>
-            </a:r>
-          </a:p>
-          <a:p>
-            <a:r>
-              <a:rPr lang="en-IN" sz="1400" b="1" dirty="0" smtClean="0">
-                <a:solidFill>
-                  <a:srgbClr val="00B050"/>
-                </a:solidFill>
-                <a:latin typeface="Bookman Old Style" pitchFamily="18" charset="0"/>
-              </a:rPr>
-              <a:t>	override def </a:t>
-            </a:r>
-            <a:r>
-              <a:rPr lang="en-IN" sz="1400" b="1" dirty="0" err="1" smtClean="0">
-                <a:solidFill>
-                  <a:srgbClr val="00B050"/>
-                </a:solidFill>
-                <a:latin typeface="Bookman Old Style" pitchFamily="18" charset="0"/>
-              </a:rPr>
-              <a:t>getPerson</a:t>
-            </a:r>
-            <a:r>
-              <a:rPr lang="en-IN" sz="1400" b="1" dirty="0" smtClean="0">
-                <a:solidFill>
-                  <a:srgbClr val="00B050"/>
-                </a:solidFill>
-                <a:latin typeface="Bookman Old Style" pitchFamily="18" charset="0"/>
-              </a:rPr>
-              <a:t>():String={</a:t>
-            </a:r>
-          </a:p>
-          <a:p>
-            <a:r>
-              <a:rPr lang="en-IN" sz="1400" b="1" dirty="0" smtClean="0">
-                <a:solidFill>
-                  <a:srgbClr val="00B050"/>
-                </a:solidFill>
-                <a:latin typeface="Bookman Old Style" pitchFamily="18" charset="0"/>
-              </a:rPr>
-              <a:t>	  </a:t>
-            </a:r>
-            <a:r>
-              <a:rPr lang="en-IN" sz="1400" b="1" dirty="0" err="1" smtClean="0">
-                <a:solidFill>
-                  <a:srgbClr val="00B050"/>
-                </a:solidFill>
-                <a:latin typeface="Bookman Old Style" pitchFamily="18" charset="0"/>
-              </a:rPr>
-              <a:t>return"you</a:t>
-            </a:r>
-            <a:r>
-              <a:rPr lang="en-IN" sz="1400" b="1" dirty="0" smtClean="0">
-                <a:solidFill>
-                  <a:srgbClr val="00B050"/>
-                </a:solidFill>
-                <a:latin typeface="Bookman Old Style" pitchFamily="18" charset="0"/>
-              </a:rPr>
-              <a:t> can call </a:t>
-            </a:r>
-            <a:r>
-              <a:rPr lang="en-IN" sz="1400" b="1" dirty="0" err="1" smtClean="0">
-                <a:solidFill>
-                  <a:srgbClr val="00B050"/>
-                </a:solidFill>
-                <a:latin typeface="Bookman Old Style" pitchFamily="18" charset="0"/>
-              </a:rPr>
-              <a:t>dao</a:t>
-            </a:r>
-            <a:r>
-              <a:rPr lang="en-IN" sz="1400" b="1" dirty="0" smtClean="0">
-                <a:solidFill>
-                  <a:srgbClr val="00B050"/>
-                </a:solidFill>
-                <a:latin typeface="Bookman Old Style" pitchFamily="18" charset="0"/>
-              </a:rPr>
-              <a:t> here"</a:t>
-            </a:r>
-          </a:p>
-          <a:p>
-            <a:r>
-              <a:rPr lang="en-IN" sz="1400" b="1" dirty="0" smtClean="0">
-                <a:solidFill>
-                  <a:srgbClr val="00B050"/>
-                </a:solidFill>
-                <a:latin typeface="Bookman Old Style" pitchFamily="18" charset="0"/>
-              </a:rPr>
-              <a:t>	}</a:t>
-            </a:r>
-          </a:p>
-          <a:p>
-            <a:r>
-              <a:rPr lang="en-IN" sz="1400" b="1" dirty="0" smtClean="0">
-                <a:solidFill>
-                  <a:srgbClr val="00B050"/>
-                </a:solidFill>
-                <a:latin typeface="Bookman Old Style" pitchFamily="18" charset="0"/>
-              </a:rPr>
-              <a:t>}</a:t>
-            </a:r>
-            <a:endParaRPr lang="en-IN" sz="1400" b="1" dirty="0">
-              <a:solidFill>
-                <a:srgbClr val="00B050"/>
-              </a:solidFill>
-              <a:latin typeface="Bookman Old Style" pitchFamily="18" charset="0"/>
-            </a:endParaRPr>
+            <a:pPr marL="0" indent="0">
+              <a:buNone/>
+            </a:pPr>
+            <a:endParaRPr lang="en-US" sz="1400" dirty="0"/>
+          </a:p>
+          <a:p>
+            <a:pPr marL="0" indent="0">
+              <a:buNone/>
+            </a:pPr>
+            <a:r>
+              <a:rPr lang="en-US" sz="1400" b="1" dirty="0"/>
+              <a:t>def </a:t>
+            </a:r>
+            <a:r>
+              <a:rPr lang="en-US" sz="1400" dirty="0"/>
+              <a:t>coalesce(charges: List[Charge]): List[Charge] =</a:t>
+            </a:r>
+          </a:p>
+          <a:p>
+            <a:pPr marL="0" indent="0">
+              <a:buNone/>
+            </a:pPr>
+            <a:r>
+              <a:rPr lang="en-IN" sz="1400" dirty="0" err="1"/>
+              <a:t>charges.groupBy</a:t>
+            </a:r>
+            <a:r>
+              <a:rPr lang="en-IN" sz="1400" dirty="0"/>
+              <a:t>(_.cc).</a:t>
+            </a:r>
+            <a:r>
+              <a:rPr lang="en-IN" sz="1400" dirty="0" err="1"/>
+              <a:t>values.map</a:t>
+            </a:r>
+            <a:r>
+              <a:rPr lang="en-IN" sz="1400" dirty="0"/>
+              <a:t>(_.reduce(_ combine _)).</a:t>
+            </a:r>
+            <a:r>
+              <a:rPr lang="en-IN" sz="1400" dirty="0" err="1"/>
+              <a:t>toList</a:t>
+            </a:r>
+            <a:endParaRPr lang="en-IN" sz="1400" dirty="0"/>
+          </a:p>
+          <a:p>
+            <a:pPr marL="0" indent="0">
+              <a:buNone/>
+            </a:pPr>
+            <a:endParaRPr lang="en-IN" sz="1400" dirty="0"/>
+          </a:p>
+          <a:p>
+            <a:pPr marL="0" indent="0">
+              <a:buNone/>
+            </a:pPr>
+            <a:endParaRPr lang="en-IN" sz="1400" dirty="0"/>
+          </a:p>
+          <a:p>
+            <a:r>
+              <a:rPr lang="en-IN" sz="1400" b="1" i="1" dirty="0"/>
+              <a:t>Exactly what is a (pure) function?</a:t>
+            </a:r>
+          </a:p>
+          <a:p>
+            <a:r>
+              <a:rPr lang="en-US" sz="1400" b="1" dirty="0"/>
+              <a:t>Referential transparency and purity</a:t>
+            </a:r>
+          </a:p>
+          <a:p>
+            <a:pPr marL="0" indent="0">
+              <a:buNone/>
+            </a:pPr>
+            <a:endParaRPr lang="en-US" sz="1400" dirty="0"/>
           </a:p>
         </p:txBody>
       </p:sp>
@@ -10711,7 +10894,7 @@
           <p:cNvPr id="4" name="Slide Number Placeholder 3">
             <a:extLst>
               <a:ext uri="{FF2B5EF4-FFF2-40B4-BE49-F238E27FC236}">
-                <a16:creationId xmlns:a16="http://schemas.microsoft.com/office/drawing/2014/main" xmlns="" id="{381B8578-EA4D-4EC6-8640-0B05E0D78C80}"/>
+                <a16:creationId xmlns:a16="http://schemas.microsoft.com/office/drawing/2014/main" id="{02CF501E-9C0F-41C5-BFA8-050A4488063D}"/>
               </a:ext>
             </a:extLst>
           </p:cNvPr>
@@ -10744,20 +10927,13 @@
     </p:spTree>
     <p:extLst>
       <p:ext uri="{BB962C8B-B14F-4D97-AF65-F5344CB8AC3E}">
-        <p14:creationId xmlns:p14="http://schemas.microsoft.com/office/powerpoint/2010/main" xmlns="" val="3371754286"/>
+        <p14:creationId xmlns:p14="http://schemas.microsoft.com/office/powerpoint/2010/main" val="3881879206"/>
       </p:ext>
     </p:extLst>
   </p:cSld>
   <p:clrMapOvr>
     <a:masterClrMapping/>
   </p:clrMapOvr>
-  <p:timing>
-    <p:tnLst>
-      <p:par>
-        <p:cTn id="1" dur="indefinite" restart="never" nodeType="tmRoot"/>
-      </p:par>
-    </p:tnLst>
-  </p:timing>
 </p:sld>
 </file>
 
@@ -10783,7 +10959,7 @@
           <p:cNvPr id="3" name="Content Placeholder 2">
             <a:extLst>
               <a:ext uri="{FF2B5EF4-FFF2-40B4-BE49-F238E27FC236}">
-                <a16:creationId xmlns:a16="http://schemas.microsoft.com/office/drawing/2014/main" xmlns="" id="{4402E8F6-E378-4A26-A39B-8CD0FFDC4066}"/>
+                <a16:creationId xmlns:a16="http://schemas.microsoft.com/office/drawing/2014/main" id="{4402E8F6-E378-4A26-A39B-8CD0FFDC4066}"/>
               </a:ext>
             </a:extLst>
           </p:cNvPr>
@@ -10796,8 +10972,8 @@
         </p:nvSpPr>
         <p:spPr>
           <a:xfrm>
-            <a:off x="685800" y="339634"/>
-            <a:ext cx="7772400" cy="5127395"/>
+            <a:off x="660400" y="1193509"/>
+            <a:ext cx="7772400" cy="4697840"/>
           </a:xfrm>
         </p:spPr>
         <p:txBody>
@@ -10805,320 +10981,362 @@
           <a:lstStyle/>
           <a:p>
             <a:r>
-              <a:rPr lang="en-IN" sz="1400" dirty="0" smtClean="0">
-                <a:solidFill>
-                  <a:srgbClr val="00B050"/>
-                </a:solidFill>
-                <a:latin typeface="Bookman Old Style" pitchFamily="18" charset="0"/>
-              </a:rPr>
-              <a:t>object </a:t>
-            </a:r>
-            <a:r>
-              <a:rPr lang="en-IN" sz="1400" dirty="0" err="1" smtClean="0">
-                <a:solidFill>
-                  <a:srgbClr val="00B050"/>
-                </a:solidFill>
-                <a:latin typeface="Bookman Old Style" pitchFamily="18" charset="0"/>
-              </a:rPr>
-              <a:t>PersonServiceImpl</a:t>
-            </a:r>
-            <a:r>
-              <a:rPr lang="en-IN" sz="1400" dirty="0" smtClean="0">
-                <a:solidFill>
-                  <a:srgbClr val="00B050"/>
-                </a:solidFill>
-                <a:latin typeface="Bookman Old Style" pitchFamily="18" charset="0"/>
-              </a:rPr>
-              <a:t> {</a:t>
-            </a:r>
-          </a:p>
-          <a:p>
-            <a:r>
-              <a:rPr lang="en-IN" sz="1400" dirty="0" smtClean="0">
-                <a:solidFill>
-                  <a:srgbClr val="00B050"/>
-                </a:solidFill>
-                <a:latin typeface="Bookman Old Style" pitchFamily="18" charset="0"/>
-              </a:rPr>
-              <a:t>	def </a:t>
-            </a:r>
-            <a:r>
-              <a:rPr lang="en-IN" sz="1400" dirty="0" err="1" smtClean="0">
-                <a:solidFill>
-                  <a:srgbClr val="00B050"/>
-                </a:solidFill>
-                <a:latin typeface="Bookman Old Style" pitchFamily="18" charset="0"/>
-              </a:rPr>
-              <a:t>sayhello</a:t>
-            </a:r>
-            <a:r>
-              <a:rPr lang="en-IN" sz="1400" dirty="0" smtClean="0">
-                <a:solidFill>
-                  <a:srgbClr val="00B050"/>
-                </a:solidFill>
-                <a:latin typeface="Bookman Old Style" pitchFamily="18" charset="0"/>
-              </a:rPr>
-              <a:t>():String={</a:t>
-            </a:r>
-          </a:p>
-          <a:p>
-            <a:r>
-              <a:rPr lang="en-IN" sz="1400" dirty="0" smtClean="0">
-                <a:solidFill>
-                  <a:srgbClr val="00B050"/>
-                </a:solidFill>
-                <a:latin typeface="Bookman Old Style" pitchFamily="18" charset="0"/>
-              </a:rPr>
-              <a:t>			</a:t>
-            </a:r>
-            <a:r>
-              <a:rPr lang="en-IN" sz="1400" dirty="0" err="1" smtClean="0">
-                <a:solidFill>
-                  <a:srgbClr val="00B050"/>
-                </a:solidFill>
+              <a:rPr lang="en-IN" sz="1200" dirty="0">
+                <a:latin typeface="Bookman Old Style" pitchFamily="18" charset="0"/>
+              </a:rPr>
+              <a:t>There are different way we can create the class in Scala and each approach has its business requirement.</a:t>
+            </a:r>
+          </a:p>
+          <a:p>
+            <a:r>
+              <a:rPr lang="en-IN" sz="1200" dirty="0">
+                <a:latin typeface="Bookman Old Style" pitchFamily="18" charset="0"/>
+              </a:rPr>
+              <a:t>Syntax</a:t>
+            </a:r>
+          </a:p>
+          <a:p>
+            <a:pPr marL="0" indent="0">
+              <a:buNone/>
+            </a:pPr>
+            <a:r>
+              <a:rPr lang="en-IN" sz="1200" b="1" dirty="0" err="1">
+                <a:latin typeface="Bookman Old Style" pitchFamily="18" charset="0"/>
+              </a:rPr>
+              <a:t>Classs</a:t>
+            </a:r>
+            <a:r>
+              <a:rPr lang="en-IN" sz="1200" b="1" dirty="0">
+                <a:latin typeface="Bookman Old Style" pitchFamily="18" charset="0"/>
+              </a:rPr>
+              <a:t> &lt;</a:t>
+            </a:r>
+            <a:r>
+              <a:rPr lang="en-IN" sz="1200" b="1" dirty="0" err="1">
+                <a:latin typeface="Bookman Old Style" pitchFamily="18" charset="0"/>
+              </a:rPr>
+              <a:t>className</a:t>
+            </a:r>
+            <a:r>
+              <a:rPr lang="en-IN" sz="1200" b="1" dirty="0">
+                <a:latin typeface="Bookman Old Style" pitchFamily="18" charset="0"/>
+              </a:rPr>
+              <a:t>&gt;(&lt;</a:t>
+            </a:r>
+            <a:r>
+              <a:rPr lang="en-IN" sz="1200" b="1" dirty="0" err="1">
+                <a:latin typeface="Bookman Old Style" pitchFamily="18" charset="0"/>
+              </a:rPr>
+              <a:t>var</a:t>
+            </a:r>
+            <a:r>
+              <a:rPr lang="en-IN" sz="1200" b="1" dirty="0">
+                <a:latin typeface="Bookman Old Style" pitchFamily="18" charset="0"/>
+              </a:rPr>
+              <a:t>&gt;/&lt;</a:t>
+            </a:r>
+            <a:r>
+              <a:rPr lang="en-IN" sz="1200" b="1" dirty="0" err="1">
                 <a:latin typeface="Bookman Old Style" pitchFamily="18" charset="0"/>
               </a:rPr>
               <a:t>val</a:t>
             </a:r>
             <a:r>
-              <a:rPr lang="en-IN" sz="1400" dirty="0" smtClean="0">
-                <a:solidFill>
-                  <a:srgbClr val="00B050"/>
-                </a:solidFill>
-                <a:latin typeface="Bookman Old Style" pitchFamily="18" charset="0"/>
-              </a:rPr>
-              <a:t> </a:t>
-            </a:r>
-            <a:r>
-              <a:rPr lang="en-IN" sz="1400" dirty="0" err="1" smtClean="0">
-                <a:solidFill>
-                  <a:srgbClr val="00B050"/>
-                </a:solidFill>
-                <a:latin typeface="Bookman Old Style" pitchFamily="18" charset="0"/>
-              </a:rPr>
-              <a:t>obj</a:t>
-            </a:r>
-            <a:r>
-              <a:rPr lang="en-IN" sz="1400" dirty="0" smtClean="0">
-                <a:solidFill>
-                  <a:srgbClr val="00B050"/>
-                </a:solidFill>
-                <a:latin typeface="Bookman Old Style" pitchFamily="18" charset="0"/>
-              </a:rPr>
-              <a:t>= </a:t>
-            </a:r>
-            <a:r>
-              <a:rPr lang="en-IN" sz="1400" dirty="0" err="1" smtClean="0">
-                <a:solidFill>
-                  <a:srgbClr val="00B050"/>
-                </a:solidFill>
-                <a:latin typeface="Bookman Old Style" pitchFamily="18" charset="0"/>
-              </a:rPr>
-              <a:t>PersonServiceImpl</a:t>
-            </a:r>
-            <a:r>
-              <a:rPr lang="en-IN" sz="1400" dirty="0" smtClean="0">
-                <a:solidFill>
-                  <a:srgbClr val="00B050"/>
-                </a:solidFill>
-                <a:latin typeface="Bookman Old Style" pitchFamily="18" charset="0"/>
-              </a:rPr>
-              <a:t>("</a:t>
-            </a:r>
-            <a:r>
-              <a:rPr lang="en-IN" sz="1400" dirty="0" err="1" smtClean="0">
-                <a:solidFill>
-                  <a:srgbClr val="00B050"/>
-                </a:solidFill>
-                <a:latin typeface="Bookman Old Style" pitchFamily="18" charset="0"/>
-              </a:rPr>
-              <a:t>TestObj</a:t>
-            </a:r>
-            <a:r>
-              <a:rPr lang="en-IN" sz="1400" dirty="0" smtClean="0">
-                <a:solidFill>
-                  <a:srgbClr val="00B050"/>
-                </a:solidFill>
-                <a:latin typeface="Bookman Old Style" pitchFamily="18" charset="0"/>
-              </a:rPr>
-              <a:t>")</a:t>
-            </a:r>
-          </a:p>
-          <a:p>
-            <a:r>
-              <a:rPr lang="en-IN" sz="1400" dirty="0" smtClean="0">
-                <a:solidFill>
-                  <a:srgbClr val="00B050"/>
-                </a:solidFill>
-                <a:latin typeface="Bookman Old Style" pitchFamily="18" charset="0"/>
-              </a:rPr>
-              <a:t>					return </a:t>
-            </a:r>
-            <a:r>
-              <a:rPr lang="en-IN" sz="1400" dirty="0" err="1" smtClean="0">
-                <a:solidFill>
-                  <a:srgbClr val="00B050"/>
-                </a:solidFill>
-                <a:latin typeface="Bookman Old Style" pitchFamily="18" charset="0"/>
-              </a:rPr>
-              <a:t>obj.getMsg</a:t>
-            </a:r>
-            <a:r>
-              <a:rPr lang="en-IN" sz="1400" dirty="0" smtClean="0">
-                <a:solidFill>
-                  <a:srgbClr val="00B050"/>
-                </a:solidFill>
-                <a:latin typeface="Bookman Old Style" pitchFamily="18" charset="0"/>
-              </a:rPr>
-              <a:t>()</a:t>
-            </a:r>
-          </a:p>
-          <a:p>
-            <a:r>
-              <a:rPr lang="en-IN" sz="1400" dirty="0" smtClean="0">
-                <a:solidFill>
-                  <a:srgbClr val="00B050"/>
-                </a:solidFill>
-                <a:latin typeface="Bookman Old Style" pitchFamily="18" charset="0"/>
-              </a:rPr>
-              <a:t>	}</a:t>
-            </a:r>
-          </a:p>
-          <a:p>
-            <a:r>
-              <a:rPr lang="en-IN" sz="1400" dirty="0" smtClean="0">
-                <a:solidFill>
-                  <a:srgbClr val="00B050"/>
-                </a:solidFill>
-                <a:latin typeface="Bookman Old Style" pitchFamily="18" charset="0"/>
-              </a:rPr>
-              <a:t>	private def apply(</a:t>
-            </a:r>
-            <a:r>
-              <a:rPr lang="en-IN" sz="1400" dirty="0" err="1" smtClean="0">
-                <a:solidFill>
-                  <a:srgbClr val="00B050"/>
-                </a:solidFill>
-                <a:latin typeface="Bookman Old Style" pitchFamily="18" charset="0"/>
-              </a:rPr>
-              <a:t>base:String</a:t>
-            </a:r>
-            <a:r>
-              <a:rPr lang="en-IN" sz="1400" dirty="0" smtClean="0">
-                <a:solidFill>
-                  <a:srgbClr val="00B050"/>
-                </a:solidFill>
-                <a:latin typeface="Bookman Old Style" pitchFamily="18" charset="0"/>
-              </a:rPr>
-              <a:t>) = new </a:t>
-            </a:r>
-            <a:r>
-              <a:rPr lang="en-IN" sz="1400" dirty="0" err="1" smtClean="0">
-                <a:solidFill>
-                  <a:srgbClr val="00B050"/>
-                </a:solidFill>
-                <a:latin typeface="Bookman Old Style" pitchFamily="18" charset="0"/>
-              </a:rPr>
-              <a:t>PersonServiceImpl</a:t>
-            </a:r>
-            <a:r>
-              <a:rPr lang="en-IN" sz="1400" dirty="0" smtClean="0">
-                <a:solidFill>
-                  <a:srgbClr val="00B050"/>
-                </a:solidFill>
-                <a:latin typeface="Bookman Old Style" pitchFamily="18" charset="0"/>
-              </a:rPr>
-              <a:t>(base)</a:t>
-            </a:r>
-          </a:p>
-          <a:p>
-            <a:r>
-              <a:rPr lang="en-IN" sz="1400" dirty="0" smtClean="0">
-                <a:solidFill>
-                  <a:srgbClr val="00B050"/>
-                </a:solidFill>
+              <a:rPr lang="en-IN" sz="1200" b="1" dirty="0">
+                <a:latin typeface="Bookman Old Style" pitchFamily="18" charset="0"/>
+              </a:rPr>
+              <a:t>&gt; &lt;</a:t>
+            </a:r>
+            <a:r>
+              <a:rPr lang="en-IN" sz="1200" b="1" dirty="0" err="1">
+                <a:latin typeface="Bookman Old Style" pitchFamily="18" charset="0"/>
+              </a:rPr>
+              <a:t>namePro</a:t>
+            </a:r>
+            <a:r>
+              <a:rPr lang="en-IN" sz="1200" b="1" dirty="0">
+                <a:latin typeface="Bookman Old Style" pitchFamily="18" charset="0"/>
+              </a:rPr>
+              <a:t>&gt;:&lt;Type&gt;,..){</a:t>
+            </a:r>
+          </a:p>
+          <a:p>
+            <a:pPr marL="0" indent="0">
+              <a:buNone/>
+            </a:pPr>
+            <a:r>
+              <a:rPr lang="en-IN" sz="1200" b="1" dirty="0">
                 <a:latin typeface="Bookman Old Style" pitchFamily="18" charset="0"/>
               </a:rPr>
               <a:t>}</a:t>
             </a:r>
           </a:p>
           <a:p>
-            <a:endParaRPr lang="en-IN" sz="1400" dirty="0" smtClean="0">
-              <a:solidFill>
-                <a:srgbClr val="00B050"/>
-              </a:solidFill>
+            <a:pPr marL="0" indent="0">
+              <a:buNone/>
+            </a:pPr>
+            <a:r>
+              <a:rPr lang="en-IN" sz="1200" dirty="0">
+                <a:latin typeface="Bookman Old Style" pitchFamily="18" charset="0"/>
+              </a:rPr>
+              <a:t>Another way to create the class is </a:t>
+            </a:r>
+          </a:p>
+          <a:p>
+            <a:pPr marL="0" indent="0">
+              <a:buNone/>
+            </a:pPr>
+            <a:r>
+              <a:rPr lang="en-IN" sz="1200" dirty="0">
+                <a:latin typeface="Bookman Old Style" pitchFamily="18" charset="0"/>
+              </a:rPr>
+              <a:t>Class &lt;</a:t>
+            </a:r>
+            <a:r>
+              <a:rPr lang="en-IN" sz="1200" dirty="0" err="1">
+                <a:latin typeface="Bookman Old Style" pitchFamily="18" charset="0"/>
+              </a:rPr>
+              <a:t>className</a:t>
+            </a:r>
+            <a:r>
+              <a:rPr lang="en-IN" sz="1200" dirty="0">
+                <a:latin typeface="Bookman Old Style" pitchFamily="18" charset="0"/>
+              </a:rPr>
+              <a:t>&gt;{</a:t>
+            </a:r>
+          </a:p>
+          <a:p>
+            <a:pPr marL="0" indent="0">
+              <a:buNone/>
+            </a:pPr>
+            <a:r>
+              <a:rPr lang="en-IN" sz="1200" dirty="0">
+                <a:latin typeface="Bookman Old Style" pitchFamily="18" charset="0"/>
+              </a:rPr>
+              <a:t>&lt;</a:t>
+            </a:r>
+            <a:r>
+              <a:rPr lang="en-IN" sz="1200" dirty="0" err="1">
+                <a:latin typeface="Bookman Old Style" pitchFamily="18" charset="0"/>
+              </a:rPr>
+              <a:t>var</a:t>
+            </a:r>
+            <a:r>
+              <a:rPr lang="en-IN" sz="1200" dirty="0">
+                <a:latin typeface="Bookman Old Style" pitchFamily="18" charset="0"/>
+              </a:rPr>
+              <a:t>&gt;/&lt;</a:t>
+            </a:r>
+            <a:r>
+              <a:rPr lang="en-IN" sz="1200" dirty="0" err="1">
+                <a:latin typeface="Bookman Old Style" pitchFamily="18" charset="0"/>
+              </a:rPr>
+              <a:t>val</a:t>
+            </a:r>
+            <a:r>
+              <a:rPr lang="en-IN" sz="1200" dirty="0">
+                <a:latin typeface="Bookman Old Style" pitchFamily="18" charset="0"/>
+              </a:rPr>
+              <a:t>&gt; &lt;</a:t>
+            </a:r>
+            <a:r>
+              <a:rPr lang="en-IN" sz="1200" dirty="0" err="1">
+                <a:latin typeface="Bookman Old Style" pitchFamily="18" charset="0"/>
+              </a:rPr>
+              <a:t>nameProp</a:t>
+            </a:r>
+            <a:r>
+              <a:rPr lang="en-IN" sz="1200" dirty="0">
+                <a:latin typeface="Bookman Old Style" pitchFamily="18" charset="0"/>
+              </a:rPr>
+              <a:t>&gt;:&lt;type&gt;=&lt;some value&gt;</a:t>
+            </a:r>
+          </a:p>
+          <a:p>
+            <a:pPr marL="0" indent="0">
+              <a:buNone/>
+            </a:pPr>
+            <a:r>
+              <a:rPr lang="en-IN" sz="1200" dirty="0">
+                <a:latin typeface="Bookman Old Style" pitchFamily="18" charset="0"/>
+              </a:rPr>
+              <a:t>}</a:t>
+            </a:r>
+          </a:p>
+          <a:p>
+            <a:pPr marL="0" indent="0">
+              <a:buNone/>
+            </a:pPr>
+            <a:r>
+              <a:rPr lang="en-US" sz="1200" b="1" dirty="0">
+                <a:latin typeface="Bookman Old Style" pitchFamily="18" charset="0"/>
+              </a:rPr>
+              <a:t>In </a:t>
+            </a:r>
+            <a:r>
+              <a:rPr lang="en-US" sz="1200" b="1" dirty="0" err="1">
+                <a:latin typeface="Bookman Old Style" pitchFamily="18" charset="0"/>
+              </a:rPr>
+              <a:t>scala</a:t>
+            </a:r>
+            <a:r>
+              <a:rPr lang="en-US" sz="1200" b="1" dirty="0">
+                <a:latin typeface="Bookman Old Style" pitchFamily="18" charset="0"/>
+              </a:rPr>
+              <a:t>, if you don't specify primary constructor, compiler creates a constructor which is known as primary constructor. All the statements of class body treated as part of constructor. It is also known as default constructor.</a:t>
+            </a:r>
+            <a:endParaRPr lang="en-IN" sz="1200" b="1" dirty="0">
               <a:latin typeface="Bookman Old Style" pitchFamily="18" charset="0"/>
             </a:endParaRPr>
           </a:p>
           <a:p>
-            <a:r>
-              <a:rPr lang="en-IN" sz="1400" dirty="0" smtClean="0">
-                <a:latin typeface="Bookman Old Style" pitchFamily="18" charset="0"/>
-              </a:rPr>
-              <a:t>We can directly used trait with object but for doing this we need to extend the trait to object .</a:t>
-            </a:r>
-          </a:p>
-          <a:p>
-            <a:r>
-              <a:rPr lang="en-IN" sz="1400" dirty="0" smtClean="0">
-                <a:latin typeface="Bookman Old Style" pitchFamily="18" charset="0"/>
-              </a:rPr>
-              <a:t>Companion object and companion classes share the all the properties and behaviour with each other. </a:t>
+            <a:pPr marL="0" indent="0">
+              <a:buNone/>
+            </a:pPr>
+            <a:r>
+              <a:rPr lang="en-IN" sz="1200" dirty="0">
+                <a:latin typeface="Bookman Old Style" pitchFamily="18" charset="0"/>
+              </a:rPr>
+              <a:t>There are different type of class as well like case class &amp; companion class we discuss these later</a:t>
             </a:r>
           </a:p>
           <a:p>
             <a:pPr>
-              <a:buNone/>
-            </a:pPr>
-            <a:r>
-              <a:rPr lang="en-US" sz="1600" b="1" u="sng" dirty="0" smtClean="0"/>
-              <a:t>Scala - Access Modifiers:</a:t>
-            </a:r>
-          </a:p>
-          <a:p>
-            <a:r>
-              <a:rPr lang="en-IN" sz="1400" dirty="0" smtClean="0">
-                <a:latin typeface="Bookman Old Style" pitchFamily="18" charset="0"/>
-              </a:rPr>
-              <a:t>1.Private  --- as java</a:t>
-            </a:r>
-          </a:p>
-          <a:p>
-            <a:r>
-              <a:rPr lang="en-IN" sz="1400" dirty="0" smtClean="0">
-                <a:latin typeface="Bookman Old Style" pitchFamily="18" charset="0"/>
-              </a:rPr>
-              <a:t>2.Protected  --- as java but you cannot access props in same package</a:t>
-            </a:r>
-          </a:p>
-          <a:p>
-            <a:r>
-              <a:rPr lang="en-IN" sz="1400" dirty="0" smtClean="0">
-                <a:latin typeface="Bookman Old Style" pitchFamily="18" charset="0"/>
-              </a:rPr>
-              <a:t>3.Private[this] --</a:t>
-            </a:r>
-            <a:r>
-              <a:rPr lang="en-US" sz="1400" dirty="0" smtClean="0">
-                <a:latin typeface="Bookman Old Style" pitchFamily="18" charset="0"/>
-              </a:rPr>
-              <a:t>In Scala you can make members really  private by restricting access to only the current instance, which isn’t possible in Java</a:t>
-            </a:r>
-            <a:endParaRPr lang="en-IN" sz="1400" dirty="0" smtClean="0">
-              <a:latin typeface="Bookman Old Style" pitchFamily="18" charset="0"/>
-            </a:endParaRPr>
-          </a:p>
-          <a:p>
-            <a:endParaRPr lang="en-IN" sz="1500" dirty="0" smtClean="0"/>
+              <a:buFont typeface="Wingdings" panose="05000000000000000000" pitchFamily="2" charset="2"/>
+              <a:buChar char="q"/>
+            </a:pPr>
+            <a:r>
+              <a:rPr lang="en-IN" sz="1200" dirty="0">
+                <a:latin typeface="Bookman Old Style" pitchFamily="18" charset="0"/>
+              </a:rPr>
+              <a:t> Below are the point which need to remember :-</a:t>
+            </a:r>
           </a:p>
           <a:p>
             <a:pPr>
-              <a:buNone/>
-            </a:pPr>
-            <a:endParaRPr lang="en-IN" sz="1500" dirty="0" smtClean="0"/>
-          </a:p>
-          <a:p>
-            <a:endParaRPr lang="en-IN" sz="1500" dirty="0"/>
+              <a:buFont typeface="Wingdings" panose="05000000000000000000" pitchFamily="2" charset="2"/>
+              <a:buChar char="ü"/>
+            </a:pPr>
+            <a:r>
+              <a:rPr lang="en-IN" sz="1200" dirty="0">
+                <a:latin typeface="Bookman Old Style" pitchFamily="18" charset="0"/>
+              </a:rPr>
+              <a:t> If a field is declared as a </a:t>
+            </a:r>
+            <a:r>
+              <a:rPr lang="en-IN" sz="1200" dirty="0" err="1">
+                <a:latin typeface="Bookman Old Style" pitchFamily="18" charset="0"/>
+              </a:rPr>
+              <a:t>var</a:t>
+            </a:r>
+            <a:r>
+              <a:rPr lang="en-IN" sz="1200" dirty="0">
+                <a:latin typeface="Bookman Old Style" pitchFamily="18" charset="0"/>
+              </a:rPr>
+              <a:t>, Scala generates both getter and setter methods for that field.</a:t>
+            </a:r>
+          </a:p>
+          <a:p>
+            <a:pPr>
+              <a:buFont typeface="Wingdings" panose="05000000000000000000" pitchFamily="2" charset="2"/>
+              <a:buChar char="ü"/>
+            </a:pPr>
+            <a:r>
+              <a:rPr lang="en-IN" sz="1200" dirty="0">
+                <a:latin typeface="Bookman Old Style" pitchFamily="18" charset="0"/>
+              </a:rPr>
+              <a:t>If the field is a </a:t>
+            </a:r>
+            <a:r>
+              <a:rPr lang="en-IN" sz="1200" dirty="0" err="1">
+                <a:latin typeface="Bookman Old Style" pitchFamily="18" charset="0"/>
+              </a:rPr>
+              <a:t>val</a:t>
+            </a:r>
+            <a:r>
+              <a:rPr lang="en-IN" sz="1200" dirty="0">
+                <a:latin typeface="Bookman Old Style" pitchFamily="18" charset="0"/>
+              </a:rPr>
+              <a:t>, Scala generates only a getter method for it.</a:t>
+            </a:r>
+          </a:p>
+          <a:p>
+            <a:pPr>
+              <a:buFont typeface="Wingdings" panose="05000000000000000000" pitchFamily="2" charset="2"/>
+              <a:buChar char="ü"/>
+            </a:pPr>
+            <a:r>
+              <a:rPr lang="en-IN" sz="1200" dirty="0">
+                <a:latin typeface="Bookman Old Style" pitchFamily="18" charset="0"/>
+              </a:rPr>
+              <a:t>If a field doesn’t have a </a:t>
+            </a:r>
+            <a:r>
+              <a:rPr lang="en-IN" sz="1200" dirty="0" err="1">
+                <a:latin typeface="Bookman Old Style" pitchFamily="18" charset="0"/>
+              </a:rPr>
+              <a:t>var</a:t>
+            </a:r>
+            <a:r>
+              <a:rPr lang="en-IN" sz="1200" dirty="0">
+                <a:latin typeface="Bookman Old Style" pitchFamily="18" charset="0"/>
+              </a:rPr>
+              <a:t> or </a:t>
+            </a:r>
+            <a:r>
+              <a:rPr lang="en-IN" sz="1200" dirty="0" err="1">
+                <a:latin typeface="Bookman Old Style" pitchFamily="18" charset="0"/>
+              </a:rPr>
+              <a:t>val</a:t>
+            </a:r>
+            <a:r>
+              <a:rPr lang="en-IN" sz="1200" dirty="0">
+                <a:latin typeface="Bookman Old Style" pitchFamily="18" charset="0"/>
+              </a:rPr>
+              <a:t> modifier, Scala gets conservative, and doesn’t generate a getter or setter method for the field.</a:t>
+            </a:r>
+          </a:p>
+          <a:p>
+            <a:pPr>
+              <a:buFont typeface="Wingdings" panose="05000000000000000000" pitchFamily="2" charset="2"/>
+              <a:buChar char="ü"/>
+            </a:pPr>
+            <a:r>
+              <a:rPr lang="en-IN" sz="1200" dirty="0">
+                <a:latin typeface="Bookman Old Style" pitchFamily="18" charset="0"/>
+              </a:rPr>
+              <a:t>Additionally, </a:t>
+            </a:r>
+            <a:r>
+              <a:rPr lang="en-IN" sz="1200" dirty="0" err="1">
+                <a:latin typeface="Bookman Old Style" pitchFamily="18" charset="0"/>
+              </a:rPr>
+              <a:t>var</a:t>
+            </a:r>
+            <a:r>
+              <a:rPr lang="en-IN" sz="1200" dirty="0">
+                <a:latin typeface="Bookman Old Style" pitchFamily="18" charset="0"/>
+              </a:rPr>
+              <a:t> and </a:t>
+            </a:r>
+            <a:r>
+              <a:rPr lang="en-IN" sz="1200" dirty="0" err="1">
+                <a:latin typeface="Bookman Old Style" pitchFamily="18" charset="0"/>
+              </a:rPr>
+              <a:t>val</a:t>
+            </a:r>
+            <a:r>
+              <a:rPr lang="en-IN" sz="1200" dirty="0">
+                <a:latin typeface="Bookman Old Style" pitchFamily="18" charset="0"/>
+              </a:rPr>
+              <a:t> fields can be modified with the private keyword, which prevents getters and setters from being generated.</a:t>
+            </a:r>
+          </a:p>
+          <a:p>
+            <a:pPr marL="0" indent="0">
+              <a:buNone/>
+            </a:pPr>
+            <a:endParaRPr lang="en-IN" sz="1300" dirty="0"/>
           </a:p>
         </p:txBody>
       </p:sp>
@@ -11127,7 +11345,7 @@
           <p:cNvPr id="4" name="Slide Number Placeholder 3">
             <a:extLst>
               <a:ext uri="{FF2B5EF4-FFF2-40B4-BE49-F238E27FC236}">
-                <a16:creationId xmlns:a16="http://schemas.microsoft.com/office/drawing/2014/main" xmlns="" id="{381B8578-EA4D-4EC6-8640-0B05E0D78C80}"/>
+                <a16:creationId xmlns:a16="http://schemas.microsoft.com/office/drawing/2014/main" id="{381B8578-EA4D-4EC6-8640-0B05E0D78C80}"/>
               </a:ext>
             </a:extLst>
           </p:cNvPr>
@@ -11157,23 +11375,49 @@
           </a:p>
         </p:txBody>
       </p:sp>
+      <p:sp>
+        <p:nvSpPr>
+          <p:cNvPr id="13" name="Title 1">
+            <a:extLst>
+              <a:ext uri="{FF2B5EF4-FFF2-40B4-BE49-F238E27FC236}">
+                <a16:creationId xmlns:a16="http://schemas.microsoft.com/office/drawing/2014/main" id="{3538780B-963C-4892-9ABA-DE861C84C1BB}"/>
+              </a:ext>
+            </a:extLst>
+          </p:cNvPr>
+          <p:cNvSpPr>
+            <a:spLocks noGrp="1"/>
+          </p:cNvSpPr>
+          <p:nvPr>
+            <p:ph type="title"/>
+          </p:nvPr>
+        </p:nvSpPr>
+        <p:spPr>
+          <a:xfrm>
+            <a:off x="685800" y="309563"/>
+            <a:ext cx="7772400" cy="1143000"/>
+          </a:xfrm>
+        </p:spPr>
+        <p:txBody>
+          <a:bodyPr/>
+          <a:lstStyle/>
+          <a:p>
+            <a:r>
+              <a:rPr lang="en-US" sz="3300" dirty="0"/>
+              <a:t>Scala Classes </a:t>
+            </a:r>
+          </a:p>
+        </p:txBody>
+      </p:sp>
     </p:spTree>
     <p:extLst>
       <p:ext uri="{BB962C8B-B14F-4D97-AF65-F5344CB8AC3E}">
-        <p14:creationId xmlns:p14="http://schemas.microsoft.com/office/powerpoint/2010/main" xmlns="" val="4096077001"/>
+        <p14:creationId xmlns:p14="http://schemas.microsoft.com/office/powerpoint/2010/main" val="4026592679"/>
       </p:ext>
     </p:extLst>
   </p:cSld>
   <p:clrMapOvr>
     <a:masterClrMapping/>
   </p:clrMapOvr>
-  <p:timing>
-    <p:tnLst>
-      <p:par>
-        <p:cTn id="1" dur="indefinite" restart="never" nodeType="tmRoot"/>
-      </p:par>
-    </p:tnLst>
-  </p:timing>
 </p:sld>
 </file>
 
@@ -12205,6 +12449,15 @@
 </file>
 
 <file path=customXml/item1.xml><?xml version="1.0" encoding="utf-8"?>
+<?mso-contentType ?>
+<FormTemplates xmlns="http://schemas.microsoft.com/sharepoint/v3/contenttype/forms">
+  <Display>DocumentLibraryForm</Display>
+  <Edit>DocumentLibraryForm</Edit>
+  <New>DocumentLibraryForm</New>
+</FormTemplates>
+</file>
+
+<file path=customXml/item2.xml><?xml version="1.0" encoding="utf-8"?>
 <ct:contentTypeSchema xmlns:ct="http://schemas.microsoft.com/office/2006/metadata/contentType" xmlns:ma="http://schemas.microsoft.com/office/2006/metadata/properties/metaAttributes" ct:_="" ma:_="" ma:contentTypeName="Document" ma:contentTypeID="0x010100655F3401A75C724FA341E44ACC5D0E97" ma:contentTypeVersion="0" ma:contentTypeDescription="Create a new document." ma:contentTypeScope="" ma:versionID="a7a5e9a75998aa3c0011989270a5da4d">
   <xsd:schema xmlns:xsd="http://www.w3.org/2001/XMLSchema" xmlns:p="http://schemas.microsoft.com/office/2006/metadata/properties" targetNamespace="http://schemas.microsoft.com/office/2006/metadata/properties" ma:root="true" ma:fieldsID="4aeb20c0e3442673af7ee10786458764">
     <xsd:element name="properties">
@@ -12253,15 +12506,6 @@
 </ct:contentTypeSchema>
 </file>
 
-<file path=customXml/item2.xml><?xml version="1.0" encoding="utf-8"?>
-<?mso-contentType ?>
-<FormTemplates xmlns="http://schemas.microsoft.com/sharepoint/v3/contenttype/forms">
-  <Display>DocumentLibraryForm</Display>
-  <Edit>DocumentLibraryForm</Edit>
-  <New>DocumentLibraryForm</New>
-</FormTemplates>
-</file>
-
 <file path=customXml/item3.xml><?xml version="1.0" encoding="utf-8"?>
 <p:properties xmlns:p="http://schemas.microsoft.com/office/2006/metadata/properties" xmlns:xsi="http://www.w3.org/2001/XMLSchema-instance" xmlns:pc="http://schemas.microsoft.com/office/infopath/2007/PartnerControls">
   <documentManagement/>
@@ -12269,6 +12513,14 @@
 </file>
 
 <file path=customXml/itemProps1.xml><?xml version="1.0" encoding="utf-8"?>
+<ds:datastoreItem xmlns:ds="http://schemas.openxmlformats.org/officeDocument/2006/customXml" ds:itemID="{B1DE52D8-0F7C-449D-86C4-52F39108EC5D}">
+  <ds:schemaRefs>
+    <ds:schemaRef ds:uri="http://schemas.microsoft.com/sharepoint/v3/contenttype/forms"/>
+  </ds:schemaRefs>
+</ds:datastoreItem>
+</file>
+
+<file path=customXml/itemProps2.xml><?xml version="1.0" encoding="utf-8"?>
 <ds:datastoreItem xmlns:ds="http://schemas.openxmlformats.org/officeDocument/2006/customXml" ds:itemID="{39CBBFAF-3FB6-40D1-A81A-DF873B397D60}">
   <ds:schemaRefs>
     <ds:schemaRef ds:uri="http://schemas.microsoft.com/office/2006/metadata/contentType"/>
@@ -12279,14 +12531,6 @@
     <ds:schemaRef ds:uri="http://purl.org/dc/elements/1.1/"/>
     <ds:schemaRef ds:uri="http://purl.org/dc/terms/"/>
     <ds:schemaRef ds:uri="http://schemas.microsoft.com/office/internal/2005/internalDocumentation"/>
-  </ds:schemaRefs>
-</ds:datastoreItem>
-</file>
-
-<file path=customXml/itemProps2.xml><?xml version="1.0" encoding="utf-8"?>
-<ds:datastoreItem xmlns:ds="http://schemas.openxmlformats.org/officeDocument/2006/customXml" ds:itemID="{B1DE52D8-0F7C-449D-86C4-52F39108EC5D}">
-  <ds:schemaRefs>
-    <ds:schemaRef ds:uri="http://schemas.microsoft.com/sharepoint/v3/contenttype/forms"/>
   </ds:schemaRefs>
 </ds:datastoreItem>
 </file>

--- a/Why Scala (1).pptx
+++ b/Why Scala (1).pptx
@@ -10537,7 +10537,7 @@
             </a:r>
             <a:r>
               <a:rPr lang="en-IN" sz="1200" dirty="0"/>
-              <a:t>)</a:t>
+              <a:t>)            // what about return here</a:t>
             </a:r>
           </a:p>
           <a:p>
@@ -10862,24 +10862,6 @@
               <a:buNone/>
             </a:pPr>
             <a:endParaRPr lang="en-IN" sz="1400" dirty="0"/>
-          </a:p>
-          <a:p>
-            <a:pPr marL="0" indent="0">
-              <a:buNone/>
-            </a:pPr>
-            <a:endParaRPr lang="en-IN" sz="1400" dirty="0"/>
-          </a:p>
-          <a:p>
-            <a:r>
-              <a:rPr lang="en-IN" sz="1400" b="1" i="1" dirty="0"/>
-              <a:t>Exactly what is a (pure) function?</a:t>
-            </a:r>
-          </a:p>
-          <a:p>
-            <a:r>
-              <a:rPr lang="en-US" sz="1400" b="1" dirty="0"/>
-              <a:t>Referential transparency and purity</a:t>
-            </a:r>
           </a:p>
           <a:p>
             <a:pPr marL="0" indent="0">
@@ -12449,12 +12431,9 @@
 </file>
 
 <file path=customXml/item1.xml><?xml version="1.0" encoding="utf-8"?>
-<?mso-contentType ?>
-<FormTemplates xmlns="http://schemas.microsoft.com/sharepoint/v3/contenttype/forms">
-  <Display>DocumentLibraryForm</Display>
-  <Edit>DocumentLibraryForm</Edit>
-  <New>DocumentLibraryForm</New>
-</FormTemplates>
+<p:properties xmlns:p="http://schemas.microsoft.com/office/2006/metadata/properties" xmlns:xsi="http://www.w3.org/2001/XMLSchema-instance" xmlns:pc="http://schemas.microsoft.com/office/infopath/2007/PartnerControls">
+  <documentManagement/>
+</p:properties>
 </file>
 
 <file path=customXml/item2.xml><?xml version="1.0" encoding="utf-8"?>
@@ -12507,15 +12486,25 @@
 </file>
 
 <file path=customXml/item3.xml><?xml version="1.0" encoding="utf-8"?>
-<p:properties xmlns:p="http://schemas.microsoft.com/office/2006/metadata/properties" xmlns:xsi="http://www.w3.org/2001/XMLSchema-instance" xmlns:pc="http://schemas.microsoft.com/office/infopath/2007/PartnerControls">
-  <documentManagement/>
-</p:properties>
+<?mso-contentType ?>
+<FormTemplates xmlns="http://schemas.microsoft.com/sharepoint/v3/contenttype/forms">
+  <Display>DocumentLibraryForm</Display>
+  <Edit>DocumentLibraryForm</Edit>
+  <New>DocumentLibraryForm</New>
+</FormTemplates>
 </file>
 
 <file path=customXml/itemProps1.xml><?xml version="1.0" encoding="utf-8"?>
-<ds:datastoreItem xmlns:ds="http://schemas.openxmlformats.org/officeDocument/2006/customXml" ds:itemID="{B1DE52D8-0F7C-449D-86C4-52F39108EC5D}">
+<ds:datastoreItem xmlns:ds="http://schemas.openxmlformats.org/officeDocument/2006/customXml" ds:itemID="{3345F843-BFEE-4A91-92FF-4BBFD0D22016}">
   <ds:schemaRefs>
-    <ds:schemaRef ds:uri="http://schemas.microsoft.com/sharepoint/v3/contenttype/forms"/>
+    <ds:schemaRef ds:uri="http://purl.org/dc/terms/"/>
+    <ds:schemaRef ds:uri="http://schemas.openxmlformats.org/package/2006/metadata/core-properties"/>
+    <ds:schemaRef ds:uri="http://schemas.microsoft.com/office/2006/documentManagement/types"/>
+    <ds:schemaRef ds:uri="http://purl.org/dc/elements/1.1/"/>
+    <ds:schemaRef ds:uri="http://schemas.microsoft.com/office/2006/metadata/properties"/>
+    <ds:schemaRef ds:uri="http://www.w3.org/XML/1998/namespace"/>
+    <ds:schemaRef ds:uri="http://purl.org/dc/dcmitype/"/>
+    <ds:schemaRef ds:uri="http://schemas.microsoft.com/office/infopath/2007/PartnerControls"/>
   </ds:schemaRefs>
 </ds:datastoreItem>
 </file>
@@ -12536,16 +12525,9 @@
 </file>
 
 <file path=customXml/itemProps3.xml><?xml version="1.0" encoding="utf-8"?>
-<ds:datastoreItem xmlns:ds="http://schemas.openxmlformats.org/officeDocument/2006/customXml" ds:itemID="{3345F843-BFEE-4A91-92FF-4BBFD0D22016}">
+<ds:datastoreItem xmlns:ds="http://schemas.openxmlformats.org/officeDocument/2006/customXml" ds:itemID="{B1DE52D8-0F7C-449D-86C4-52F39108EC5D}">
   <ds:schemaRefs>
-    <ds:schemaRef ds:uri="http://purl.org/dc/terms/"/>
-    <ds:schemaRef ds:uri="http://schemas.openxmlformats.org/package/2006/metadata/core-properties"/>
-    <ds:schemaRef ds:uri="http://schemas.microsoft.com/office/2006/documentManagement/types"/>
-    <ds:schemaRef ds:uri="http://purl.org/dc/elements/1.1/"/>
-    <ds:schemaRef ds:uri="http://schemas.microsoft.com/office/2006/metadata/properties"/>
-    <ds:schemaRef ds:uri="http://www.w3.org/XML/1998/namespace"/>
-    <ds:schemaRef ds:uri="http://purl.org/dc/dcmitype/"/>
-    <ds:schemaRef ds:uri="http://schemas.microsoft.com/office/infopath/2007/PartnerControls"/>
+    <ds:schemaRef ds:uri="http://schemas.microsoft.com/sharepoint/v3/contenttype/forms"/>
   </ds:schemaRefs>
 </ds:datastoreItem>
 </file>